--- a/presentation/Wärmepumpe.pptx
+++ b/presentation/Wärmepumpe.pptx
@@ -7,6 +7,9 @@
   <p:sldIdLst>
     <p:sldId id="256" r:id="rId2"/>
     <p:sldId id="257" r:id="rId3"/>
+    <p:sldId id="258" r:id="rId4"/>
+    <p:sldId id="259" r:id="rId5"/>
+    <p:sldId id="260" r:id="rId6"/>
   </p:sldIdLst>
   <p:sldSz cx="12192000" cy="6858000"/>
   <p:notesSz cx="6858000" cy="9144000"/>
@@ -105,6 +108,11 @@
       </a:defRPr>
     </a:lvl9pPr>
   </p:defaultTextStyle>
+  <p:extLst>
+    <p:ext uri="{EFAFB233-063F-42B5-8137-9DF3F51BA10A}">
+      <p15:sldGuideLst xmlns:p15="http://schemas.microsoft.com/office/powerpoint/2012/main"/>
+    </p:ext>
+  </p:extLst>
 </p:presentation>
 </file>
 
@@ -239,7 +247,7 @@
           <a:p>
             <a:fld id="{1177AAC3-8911-4854-96F0-882981BB8DD5}" type="datetimeFigureOut">
               <a:rPr lang="de-CH" smtClean="0"/>
-              <a:t>21.04.2016</a:t>
+              <a:t>24.04.2016</a:t>
             </a:fld>
             <a:endParaRPr lang="de-CH"/>
           </a:p>
@@ -409,7 +417,7 @@
           <a:p>
             <a:fld id="{1177AAC3-8911-4854-96F0-882981BB8DD5}" type="datetimeFigureOut">
               <a:rPr lang="de-CH" smtClean="0"/>
-              <a:t>21.04.2016</a:t>
+              <a:t>24.04.2016</a:t>
             </a:fld>
             <a:endParaRPr lang="de-CH"/>
           </a:p>
@@ -589,7 +597,7 @@
           <a:p>
             <a:fld id="{1177AAC3-8911-4854-96F0-882981BB8DD5}" type="datetimeFigureOut">
               <a:rPr lang="de-CH" smtClean="0"/>
-              <a:t>21.04.2016</a:t>
+              <a:t>24.04.2016</a:t>
             </a:fld>
             <a:endParaRPr lang="de-CH"/>
           </a:p>
@@ -759,7 +767,7 @@
           <a:p>
             <a:fld id="{1177AAC3-8911-4854-96F0-882981BB8DD5}" type="datetimeFigureOut">
               <a:rPr lang="de-CH" smtClean="0"/>
-              <a:t>21.04.2016</a:t>
+              <a:t>24.04.2016</a:t>
             </a:fld>
             <a:endParaRPr lang="de-CH"/>
           </a:p>
@@ -1005,7 +1013,7 @@
           <a:p>
             <a:fld id="{1177AAC3-8911-4854-96F0-882981BB8DD5}" type="datetimeFigureOut">
               <a:rPr lang="de-CH" smtClean="0"/>
-              <a:t>21.04.2016</a:t>
+              <a:t>24.04.2016</a:t>
             </a:fld>
             <a:endParaRPr lang="de-CH"/>
           </a:p>
@@ -1237,7 +1245,7 @@
           <a:p>
             <a:fld id="{1177AAC3-8911-4854-96F0-882981BB8DD5}" type="datetimeFigureOut">
               <a:rPr lang="de-CH" smtClean="0"/>
-              <a:t>21.04.2016</a:t>
+              <a:t>24.04.2016</a:t>
             </a:fld>
             <a:endParaRPr lang="de-CH"/>
           </a:p>
@@ -1604,7 +1612,7 @@
           <a:p>
             <a:fld id="{1177AAC3-8911-4854-96F0-882981BB8DD5}" type="datetimeFigureOut">
               <a:rPr lang="de-CH" smtClean="0"/>
-              <a:t>21.04.2016</a:t>
+              <a:t>24.04.2016</a:t>
             </a:fld>
             <a:endParaRPr lang="de-CH"/>
           </a:p>
@@ -1722,7 +1730,7 @@
           <a:p>
             <a:fld id="{1177AAC3-8911-4854-96F0-882981BB8DD5}" type="datetimeFigureOut">
               <a:rPr lang="de-CH" smtClean="0"/>
-              <a:t>21.04.2016</a:t>
+              <a:t>24.04.2016</a:t>
             </a:fld>
             <a:endParaRPr lang="de-CH"/>
           </a:p>
@@ -1817,7 +1825,7 @@
           <a:p>
             <a:fld id="{1177AAC3-8911-4854-96F0-882981BB8DD5}" type="datetimeFigureOut">
               <a:rPr lang="de-CH" smtClean="0"/>
-              <a:t>21.04.2016</a:t>
+              <a:t>24.04.2016</a:t>
             </a:fld>
             <a:endParaRPr lang="de-CH"/>
           </a:p>
@@ -2094,7 +2102,7 @@
           <a:p>
             <a:fld id="{1177AAC3-8911-4854-96F0-882981BB8DD5}" type="datetimeFigureOut">
               <a:rPr lang="de-CH" smtClean="0"/>
-              <a:t>21.04.2016</a:t>
+              <a:t>24.04.2016</a:t>
             </a:fld>
             <a:endParaRPr lang="de-CH"/>
           </a:p>
@@ -2347,7 +2355,7 @@
           <a:p>
             <a:fld id="{1177AAC3-8911-4854-96F0-882981BB8DD5}" type="datetimeFigureOut">
               <a:rPr lang="de-CH" smtClean="0"/>
-              <a:t>21.04.2016</a:t>
+              <a:t>24.04.2016</a:t>
             </a:fld>
             <a:endParaRPr lang="de-CH"/>
           </a:p>
@@ -2560,7 +2568,7 @@
           <a:p>
             <a:fld id="{1177AAC3-8911-4854-96F0-882981BB8DD5}" type="datetimeFigureOut">
               <a:rPr lang="de-CH" smtClean="0"/>
-              <a:t>21.04.2016</a:t>
+              <a:t>24.04.2016</a:t>
             </a:fld>
             <a:endParaRPr lang="de-CH"/>
           </a:p>
@@ -3127,6 +3135,833 @@
 </p:sld>
 </file>
 
+<file path=ppt/slides/slide3.xml><?xml version="1.0" encoding="utf-8"?>
+<p:sld xmlns:a="http://schemas.openxmlformats.org/drawingml/2006/main" xmlns:r="http://schemas.openxmlformats.org/officeDocument/2006/relationships" xmlns:p="http://schemas.openxmlformats.org/presentationml/2006/main">
+  <p:cSld>
+    <p:spTree>
+      <p:nvGrpSpPr>
+        <p:cNvPr id="1" name=""/>
+        <p:cNvGrpSpPr/>
+        <p:nvPr/>
+      </p:nvGrpSpPr>
+      <p:grpSpPr>
+        <a:xfrm>
+          <a:off x="0" y="0"/>
+          <a:ext cx="0" cy="0"/>
+          <a:chOff x="0" y="0"/>
+          <a:chExt cx="0" cy="0"/>
+        </a:xfrm>
+      </p:grpSpPr>
+      <p:sp>
+        <p:nvSpPr>
+          <p:cNvPr id="2" name="Titel 1"/>
+          <p:cNvSpPr>
+            <a:spLocks noGrp="1"/>
+          </p:cNvSpPr>
+          <p:nvPr>
+            <p:ph type="title"/>
+          </p:nvPr>
+        </p:nvSpPr>
+        <p:spPr/>
+        <p:txBody>
+          <a:bodyPr/>
+          <a:lstStyle/>
+          <a:p>
+            <a:r>
+              <a:rPr lang="de-CH" dirty="0" smtClean="0"/>
+              <a:t>Wärmepumpe</a:t>
+            </a:r>
+            <a:endParaRPr lang="de-CH" dirty="0"/>
+          </a:p>
+        </p:txBody>
+      </p:sp>
+      <p:sp>
+        <p:nvSpPr>
+          <p:cNvPr id="3" name="Inhaltsplatzhalter 2"/>
+          <p:cNvSpPr>
+            <a:spLocks noGrp="1"/>
+          </p:cNvSpPr>
+          <p:nvPr>
+            <p:ph idx="1"/>
+          </p:nvPr>
+        </p:nvSpPr>
+        <p:spPr/>
+        <p:txBody>
+          <a:bodyPr/>
+          <a:lstStyle/>
+          <a:p>
+            <a:r>
+              <a:rPr lang="de-CH" dirty="0" smtClean="0"/>
+              <a:t>Sole-Wasser, Grundwasser oder Luft</a:t>
+            </a:r>
+          </a:p>
+          <a:p>
+            <a:r>
+              <a:rPr lang="de-CH" dirty="0" smtClean="0"/>
+              <a:t>Funktionsweise:</a:t>
+            </a:r>
+          </a:p>
+          <a:p>
+            <a:endParaRPr lang="de-CH" dirty="0"/>
+          </a:p>
+        </p:txBody>
+      </p:sp>
+      <p:pic>
+        <p:nvPicPr>
+          <p:cNvPr id="4" name="Grafik 3"/>
+          <p:cNvPicPr>
+            <a:picLocks noChangeAspect="1"/>
+          </p:cNvPicPr>
+          <p:nvPr/>
+        </p:nvPicPr>
+        <p:blipFill>
+          <a:blip r:embed="rId2">
+            <a:extLst>
+              <a:ext uri="{28A0092B-C50C-407E-A947-70E740481C1C}">
+                <a14:useLocalDpi xmlns:a14="http://schemas.microsoft.com/office/drawing/2010/main" val="0"/>
+              </a:ext>
+            </a:extLst>
+          </a:blip>
+          <a:stretch>
+            <a:fillRect/>
+          </a:stretch>
+        </p:blipFill>
+        <p:spPr>
+          <a:xfrm>
+            <a:off x="1151163" y="2912200"/>
+            <a:ext cx="6667500" cy="2914650"/>
+          </a:xfrm>
+          <a:prstGeom prst="rect">
+            <a:avLst/>
+          </a:prstGeom>
+        </p:spPr>
+      </p:pic>
+    </p:spTree>
+    <p:extLst>
+      <p:ext uri="{BB962C8B-B14F-4D97-AF65-F5344CB8AC3E}">
+        <p14:creationId xmlns:p14="http://schemas.microsoft.com/office/powerpoint/2010/main" val="4177916233"/>
+      </p:ext>
+    </p:extLst>
+  </p:cSld>
+  <p:clrMapOvr>
+    <a:masterClrMapping/>
+  </p:clrMapOvr>
+</p:sld>
+</file>
+
+<file path=ppt/slides/slide4.xml><?xml version="1.0" encoding="utf-8"?>
+<p:sld xmlns:a="http://schemas.openxmlformats.org/drawingml/2006/main" xmlns:r="http://schemas.openxmlformats.org/officeDocument/2006/relationships" xmlns:p="http://schemas.openxmlformats.org/presentationml/2006/main">
+  <p:cSld>
+    <p:spTree>
+      <p:nvGrpSpPr>
+        <p:cNvPr id="1" name=""/>
+        <p:cNvGrpSpPr/>
+        <p:nvPr/>
+      </p:nvGrpSpPr>
+      <p:grpSpPr>
+        <a:xfrm>
+          <a:off x="0" y="0"/>
+          <a:ext cx="0" cy="0"/>
+          <a:chOff x="0" y="0"/>
+          <a:chExt cx="0" cy="0"/>
+        </a:xfrm>
+      </p:grpSpPr>
+      <p:sp>
+        <p:nvSpPr>
+          <p:cNvPr id="2" name="Titel 1"/>
+          <p:cNvSpPr>
+            <a:spLocks noGrp="1"/>
+          </p:cNvSpPr>
+          <p:nvPr>
+            <p:ph type="title"/>
+          </p:nvPr>
+        </p:nvSpPr>
+        <p:spPr/>
+        <p:txBody>
+          <a:bodyPr/>
+          <a:lstStyle/>
+          <a:p>
+            <a:r>
+              <a:rPr lang="de-CH" dirty="0" smtClean="0"/>
+              <a:t>Beispiel Junkers</a:t>
+            </a:r>
+            <a:endParaRPr lang="de-CH" dirty="0"/>
+          </a:p>
+        </p:txBody>
+      </p:sp>
+      <p:sp>
+        <p:nvSpPr>
+          <p:cNvPr id="3" name="Inhaltsplatzhalter 2"/>
+          <p:cNvSpPr>
+            <a:spLocks noGrp="1"/>
+          </p:cNvSpPr>
+          <p:nvPr>
+            <p:ph idx="1"/>
+          </p:nvPr>
+        </p:nvSpPr>
+        <p:spPr/>
+        <p:txBody>
+          <a:bodyPr>
+            <a:normAutofit/>
+          </a:bodyPr>
+          <a:lstStyle/>
+          <a:p>
+            <a:endParaRPr lang="de-CH" sz="2400" dirty="0" smtClean="0"/>
+          </a:p>
+          <a:p>
+            <a:endParaRPr lang="de-CH" sz="2400" dirty="0" smtClean="0"/>
+          </a:p>
+          <a:p>
+            <a:endParaRPr lang="de-CH" sz="2400" dirty="0"/>
+          </a:p>
+          <a:p>
+            <a:pPr marL="0" indent="0">
+              <a:buNone/>
+            </a:pPr>
+            <a:endParaRPr lang="de-CH" sz="2400" dirty="0" smtClean="0"/>
+          </a:p>
+          <a:p>
+            <a:r>
+              <a:rPr lang="de-CH" sz="2400" dirty="0" smtClean="0"/>
+              <a:t>Durchschnittstemperatur Messstation Bern 2015 (Ohne Juni-August): 6.6 °C</a:t>
+            </a:r>
+          </a:p>
+          <a:p>
+            <a:r>
+              <a:rPr lang="de-CH" sz="2400" dirty="0" smtClean="0"/>
+              <a:t>270 Tage * 18 Stunden = 4860 Stunden</a:t>
+            </a:r>
+          </a:p>
+          <a:p>
+            <a:r>
+              <a:rPr lang="de-CH" sz="2400" dirty="0" smtClean="0"/>
+              <a:t>4860 * 1.95 = 9477 kWh pro Jahr</a:t>
+            </a:r>
+            <a:r>
+              <a:rPr lang="de-CH" sz="2400" dirty="0"/>
+              <a:t>, Herstellerangabe: </a:t>
+            </a:r>
+            <a:r>
+              <a:rPr lang="de-CH" sz="2400" dirty="0" smtClean="0"/>
+              <a:t>4672 kWh</a:t>
+            </a:r>
+          </a:p>
+          <a:p>
+            <a:r>
+              <a:rPr lang="de-CH" sz="1600" dirty="0" smtClean="0"/>
+              <a:t>Quellen: </a:t>
+            </a:r>
+          </a:p>
+          <a:p>
+            <a:pPr lvl="1"/>
+            <a:r>
+              <a:rPr lang="de-CH" sz="800" dirty="0" smtClean="0">
+                <a:hlinkClick r:id="rId2"/>
+              </a:rPr>
+              <a:t>http</a:t>
+            </a:r>
+            <a:r>
+              <a:rPr lang="de-CH" sz="800" dirty="0">
+                <a:hlinkClick r:id="rId2"/>
+              </a:rPr>
+              <a:t>://</a:t>
+            </a:r>
+            <a:r>
+              <a:rPr lang="de-CH" sz="800" dirty="0" smtClean="0">
+                <a:hlinkClick r:id="rId2"/>
+              </a:rPr>
+              <a:t>www.meteoschweiz.admin.ch/product/output/climate-data/homogenous-monthly-data-processing/data/homog_mo_BER.txt</a:t>
+            </a:r>
+            <a:endParaRPr lang="de-CH" sz="800" dirty="0" smtClean="0"/>
+          </a:p>
+          <a:p>
+            <a:pPr lvl="1"/>
+            <a:r>
+              <a:rPr lang="de-CH" sz="800" dirty="0">
+                <a:hlinkClick r:id="rId3"/>
+              </a:rPr>
+              <a:t>http://www.junkers.com/endkunde/produkte/produktinformation/produktkatalog_4416</a:t>
+            </a:r>
+            <a:endParaRPr lang="de-CH" sz="800" dirty="0"/>
+          </a:p>
+          <a:p>
+            <a:pPr lvl="1"/>
+            <a:endParaRPr lang="de-CH" sz="800" dirty="0"/>
+          </a:p>
+          <a:p>
+            <a:pPr lvl="1"/>
+            <a:endParaRPr lang="de-CH" sz="1200" dirty="0" smtClean="0"/>
+          </a:p>
+        </p:txBody>
+      </p:sp>
+      <p:graphicFrame>
+        <p:nvGraphicFramePr>
+          <p:cNvPr id="4" name="Tabelle 3"/>
+          <p:cNvGraphicFramePr>
+            <a:graphicFrameLocks noGrp="1"/>
+          </p:cNvGraphicFramePr>
+          <p:nvPr>
+            <p:extLst>
+              <p:ext uri="{D42A27DB-BD31-4B8C-83A1-F6EECF244321}">
+                <p14:modId xmlns:p14="http://schemas.microsoft.com/office/powerpoint/2010/main" val="1236025273"/>
+              </p:ext>
+            </p:extLst>
+          </p:nvPr>
+        </p:nvGraphicFramePr>
+        <p:xfrm>
+          <a:off x="1047928" y="1825625"/>
+          <a:ext cx="8662128" cy="1483360"/>
+        </p:xfrm>
+        <a:graphic>
+          <a:graphicData uri="http://schemas.openxmlformats.org/drawingml/2006/table">
+            <a:tbl>
+              <a:tblPr firstRow="1" bandRow="1">
+                <a:tableStyleId>{5940675A-B579-460E-94D1-54222C63F5DA}</a:tableStyleId>
+              </a:tblPr>
+              <a:tblGrid>
+                <a:gridCol w="2200368"/>
+                <a:gridCol w="2046515"/>
+                <a:gridCol w="714102"/>
+                <a:gridCol w="3701143"/>
+              </a:tblGrid>
+              <a:tr h="370840">
+                <a:tc>
+                  <a:txBody>
+                    <a:bodyPr/>
+                    <a:lstStyle/>
+                    <a:p>
+                      <a:r>
+                        <a:rPr lang="de-CH" dirty="0" smtClean="0"/>
+                        <a:t>Aussentemperatur</a:t>
+                      </a:r>
+                    </a:p>
+                  </a:txBody>
+                  <a:tcPr/>
+                </a:tc>
+                <a:tc>
+                  <a:txBody>
+                    <a:bodyPr/>
+                    <a:lstStyle/>
+                    <a:p>
+                      <a:r>
+                        <a:rPr lang="de-CH" dirty="0" smtClean="0"/>
+                        <a:t>Wärmeleistung (W)</a:t>
+                      </a:r>
+                      <a:endParaRPr lang="de-CH" dirty="0"/>
+                    </a:p>
+                  </a:txBody>
+                  <a:tcPr/>
+                </a:tc>
+                <a:tc>
+                  <a:txBody>
+                    <a:bodyPr/>
+                    <a:lstStyle/>
+                    <a:p>
+                      <a:r>
+                        <a:rPr lang="de-CH" dirty="0" smtClean="0"/>
+                        <a:t>COP</a:t>
+                      </a:r>
+                      <a:endParaRPr lang="de-CH" dirty="0"/>
+                    </a:p>
+                  </a:txBody>
+                  <a:tcPr/>
+                </a:tc>
+                <a:tc>
+                  <a:txBody>
+                    <a:bodyPr/>
+                    <a:lstStyle/>
+                    <a:p>
+                      <a:r>
+                        <a:rPr lang="de-CH" dirty="0" smtClean="0"/>
+                        <a:t>Benötigte</a:t>
+                      </a:r>
+                      <a:r>
+                        <a:rPr lang="de-CH" baseline="0" dirty="0" smtClean="0"/>
+                        <a:t> Stromleistung (W / COP)</a:t>
+                      </a:r>
+                      <a:endParaRPr lang="de-CH" dirty="0"/>
+                    </a:p>
+                  </a:txBody>
+                  <a:tcPr/>
+                </a:tc>
+              </a:tr>
+              <a:tr h="370840">
+                <a:tc>
+                  <a:txBody>
+                    <a:bodyPr/>
+                    <a:lstStyle/>
+                    <a:p>
+                      <a:r>
+                        <a:rPr lang="de-CH" dirty="0" smtClean="0"/>
+                        <a:t>2 °C</a:t>
+                      </a:r>
+                      <a:endParaRPr lang="de-CH" dirty="0"/>
+                    </a:p>
+                  </a:txBody>
+                  <a:tcPr/>
+                </a:tc>
+                <a:tc>
+                  <a:txBody>
+                    <a:bodyPr/>
+                    <a:lstStyle/>
+                    <a:p>
+                      <a:r>
+                        <a:rPr lang="de-CH" dirty="0" smtClean="0"/>
+                        <a:t>10 kW</a:t>
+                      </a:r>
+                      <a:endParaRPr lang="de-CH" dirty="0"/>
+                    </a:p>
+                  </a:txBody>
+                  <a:tcPr/>
+                </a:tc>
+                <a:tc>
+                  <a:txBody>
+                    <a:bodyPr/>
+                    <a:lstStyle/>
+                    <a:p>
+                      <a:r>
+                        <a:rPr lang="de-CH" dirty="0" smtClean="0"/>
+                        <a:t>4.95</a:t>
+                      </a:r>
+                      <a:endParaRPr lang="de-CH" dirty="0"/>
+                    </a:p>
+                  </a:txBody>
+                  <a:tcPr/>
+                </a:tc>
+                <a:tc>
+                  <a:txBody>
+                    <a:bodyPr/>
+                    <a:lstStyle/>
+                    <a:p>
+                      <a:r>
+                        <a:rPr lang="de-CH" dirty="0" smtClean="0"/>
+                        <a:t>2.02 kW</a:t>
+                      </a:r>
+                      <a:endParaRPr lang="de-CH" dirty="0"/>
+                    </a:p>
+                  </a:txBody>
+                  <a:tcPr/>
+                </a:tc>
+              </a:tr>
+              <a:tr h="370840">
+                <a:tc>
+                  <a:txBody>
+                    <a:bodyPr/>
+                    <a:lstStyle/>
+                    <a:p>
+                      <a:r>
+                        <a:rPr lang="de-CH" dirty="0" smtClean="0"/>
+                        <a:t>7 °C</a:t>
+                      </a:r>
+                      <a:endParaRPr lang="de-CH" dirty="0"/>
+                    </a:p>
+                  </a:txBody>
+                  <a:tcPr/>
+                </a:tc>
+                <a:tc>
+                  <a:txBody>
+                    <a:bodyPr/>
+                    <a:lstStyle/>
+                    <a:p>
+                      <a:r>
+                        <a:rPr lang="de-CH" dirty="0" smtClean="0"/>
+                        <a:t>10 kW</a:t>
+                      </a:r>
+                      <a:endParaRPr lang="de-CH" dirty="0"/>
+                    </a:p>
+                  </a:txBody>
+                  <a:tcPr/>
+                </a:tc>
+                <a:tc>
+                  <a:txBody>
+                    <a:bodyPr/>
+                    <a:lstStyle/>
+                    <a:p>
+                      <a:r>
+                        <a:rPr lang="de-CH" dirty="0" smtClean="0"/>
+                        <a:t>5.14</a:t>
+                      </a:r>
+                      <a:endParaRPr lang="de-CH" dirty="0"/>
+                    </a:p>
+                  </a:txBody>
+                  <a:tcPr/>
+                </a:tc>
+                <a:tc>
+                  <a:txBody>
+                    <a:bodyPr/>
+                    <a:lstStyle/>
+                    <a:p>
+                      <a:r>
+                        <a:rPr lang="de-CH" dirty="0" smtClean="0"/>
+                        <a:t>1.95</a:t>
+                      </a:r>
+                      <a:r>
+                        <a:rPr lang="de-CH" baseline="0" dirty="0" smtClean="0"/>
+                        <a:t> kW</a:t>
+                      </a:r>
+                      <a:endParaRPr lang="de-CH" dirty="0"/>
+                    </a:p>
+                  </a:txBody>
+                  <a:tcPr/>
+                </a:tc>
+              </a:tr>
+              <a:tr h="370840">
+                <a:tc>
+                  <a:txBody>
+                    <a:bodyPr/>
+                    <a:lstStyle/>
+                    <a:p>
+                      <a:r>
+                        <a:rPr lang="de-CH" dirty="0" smtClean="0"/>
+                        <a:t>6.6 °C</a:t>
+                      </a:r>
+                      <a:endParaRPr lang="de-CH" dirty="0"/>
+                    </a:p>
+                  </a:txBody>
+                  <a:tcPr/>
+                </a:tc>
+                <a:tc>
+                  <a:txBody>
+                    <a:bodyPr/>
+                    <a:lstStyle/>
+                    <a:p>
+                      <a:r>
+                        <a:rPr lang="de-CH" dirty="0" smtClean="0"/>
+                        <a:t>10 kW</a:t>
+                      </a:r>
+                      <a:endParaRPr lang="de-CH" dirty="0"/>
+                    </a:p>
+                  </a:txBody>
+                  <a:tcPr/>
+                </a:tc>
+                <a:tc>
+                  <a:txBody>
+                    <a:bodyPr/>
+                    <a:lstStyle/>
+                    <a:p>
+                      <a:r>
+                        <a:rPr lang="de-CH" dirty="0" smtClean="0"/>
+                        <a:t>5.12</a:t>
+                      </a:r>
+                      <a:endParaRPr lang="de-CH" dirty="0"/>
+                    </a:p>
+                  </a:txBody>
+                  <a:tcPr/>
+                </a:tc>
+                <a:tc>
+                  <a:txBody>
+                    <a:bodyPr/>
+                    <a:lstStyle/>
+                    <a:p>
+                      <a:r>
+                        <a:rPr lang="de-CH" dirty="0" smtClean="0"/>
+                        <a:t>1.95 kW</a:t>
+                      </a:r>
+                      <a:endParaRPr lang="de-CH" dirty="0"/>
+                    </a:p>
+                  </a:txBody>
+                  <a:tcPr/>
+                </a:tc>
+              </a:tr>
+            </a:tbl>
+          </a:graphicData>
+        </a:graphic>
+      </p:graphicFrame>
+    </p:spTree>
+    <p:extLst>
+      <p:ext uri="{BB962C8B-B14F-4D97-AF65-F5344CB8AC3E}">
+        <p14:creationId xmlns:p14="http://schemas.microsoft.com/office/powerpoint/2010/main" val="2422983562"/>
+      </p:ext>
+    </p:extLst>
+  </p:cSld>
+  <p:clrMapOvr>
+    <a:masterClrMapping/>
+  </p:clrMapOvr>
+</p:sld>
+</file>
+
+<file path=ppt/slides/slide5.xml><?xml version="1.0" encoding="utf-8"?>
+<p:sld xmlns:a="http://schemas.openxmlformats.org/drawingml/2006/main" xmlns:r="http://schemas.openxmlformats.org/officeDocument/2006/relationships" xmlns:p="http://schemas.openxmlformats.org/presentationml/2006/main">
+  <p:cSld>
+    <p:spTree>
+      <p:nvGrpSpPr>
+        <p:cNvPr id="1" name=""/>
+        <p:cNvGrpSpPr/>
+        <p:nvPr/>
+      </p:nvGrpSpPr>
+      <p:grpSpPr>
+        <a:xfrm>
+          <a:off x="0" y="0"/>
+          <a:ext cx="0" cy="0"/>
+          <a:chOff x="0" y="0"/>
+          <a:chExt cx="0" cy="0"/>
+        </a:xfrm>
+      </p:grpSpPr>
+      <p:sp>
+        <p:nvSpPr>
+          <p:cNvPr id="2" name="Titel 1"/>
+          <p:cNvSpPr>
+            <a:spLocks noGrp="1"/>
+          </p:cNvSpPr>
+          <p:nvPr>
+            <p:ph type="title"/>
+          </p:nvPr>
+        </p:nvSpPr>
+        <p:spPr/>
+        <p:txBody>
+          <a:bodyPr/>
+          <a:lstStyle/>
+          <a:p>
+            <a:r>
+              <a:rPr lang="de-CH" dirty="0" smtClean="0"/>
+              <a:t>SWOT Wärmepumpe</a:t>
+            </a:r>
+            <a:endParaRPr lang="de-CH" dirty="0"/>
+          </a:p>
+        </p:txBody>
+      </p:sp>
+      <p:graphicFrame>
+        <p:nvGraphicFramePr>
+          <p:cNvPr id="4" name="Inhaltsplatzhalter 3"/>
+          <p:cNvGraphicFramePr>
+            <a:graphicFrameLocks noGrp="1"/>
+          </p:cNvGraphicFramePr>
+          <p:nvPr>
+            <p:ph idx="1"/>
+            <p:extLst>
+              <p:ext uri="{D42A27DB-BD31-4B8C-83A1-F6EECF244321}">
+                <p14:modId xmlns:p14="http://schemas.microsoft.com/office/powerpoint/2010/main" val="2903238347"/>
+              </p:ext>
+            </p:extLst>
+          </p:nvPr>
+        </p:nvGraphicFramePr>
+        <p:xfrm>
+          <a:off x="838200" y="1825625"/>
+          <a:ext cx="10515600" cy="2570480"/>
+        </p:xfrm>
+        <a:graphic>
+          <a:graphicData uri="http://schemas.openxmlformats.org/drawingml/2006/table">
+            <a:tbl>
+              <a:tblPr firstRow="1" bandRow="1">
+                <a:tableStyleId>{5940675A-B579-460E-94D1-54222C63F5DA}</a:tableStyleId>
+              </a:tblPr>
+              <a:tblGrid>
+                <a:gridCol w="5257800"/>
+                <a:gridCol w="5257800"/>
+              </a:tblGrid>
+              <a:tr h="370840">
+                <a:tc>
+                  <a:txBody>
+                    <a:bodyPr/>
+                    <a:lstStyle/>
+                    <a:p>
+                      <a:r>
+                        <a:rPr lang="de-CH" b="1" dirty="0" smtClean="0"/>
+                        <a:t>Stärken</a:t>
+                      </a:r>
+                      <a:endParaRPr lang="de-CH" b="1" dirty="0"/>
+                    </a:p>
+                  </a:txBody>
+                  <a:tcPr/>
+                </a:tc>
+                <a:tc>
+                  <a:txBody>
+                    <a:bodyPr/>
+                    <a:lstStyle/>
+                    <a:p>
+                      <a:r>
+                        <a:rPr lang="de-CH" b="1" dirty="0" smtClean="0"/>
+                        <a:t>Schwächen</a:t>
+                      </a:r>
+                      <a:endParaRPr lang="de-CH" b="1" dirty="0"/>
+                    </a:p>
+                  </a:txBody>
+                  <a:tcPr/>
+                </a:tc>
+              </a:tr>
+              <a:tr h="370840">
+                <a:tc>
+                  <a:txBody>
+                    <a:bodyPr/>
+                    <a:lstStyle/>
+                    <a:p>
+                      <a:pPr marL="285750" indent="-285750">
+                        <a:buFont typeface="Arial" panose="020B0604020202020204" pitchFamily="34" charset="0"/>
+                        <a:buChar char="•"/>
+                      </a:pPr>
+                      <a:r>
+                        <a:rPr lang="de-CH" dirty="0" smtClean="0"/>
+                        <a:t>Kein CO2 Ausstoss während</a:t>
+                      </a:r>
+                      <a:r>
+                        <a:rPr lang="de-CH" baseline="0" dirty="0" smtClean="0"/>
+                        <a:t> Betrieb</a:t>
+                      </a:r>
+                    </a:p>
+                    <a:p>
+                      <a:pPr marL="285750" indent="-285750">
+                        <a:buFont typeface="Arial" panose="020B0604020202020204" pitchFamily="34" charset="0"/>
+                        <a:buChar char="•"/>
+                      </a:pPr>
+                      <a:r>
+                        <a:rPr lang="de-CH" baseline="0" dirty="0" smtClean="0"/>
+                        <a:t>Geringer Energieverbrauch</a:t>
+                      </a:r>
+                    </a:p>
+                    <a:p>
+                      <a:pPr marL="285750" indent="-285750">
+                        <a:buFont typeface="Arial" panose="020B0604020202020204" pitchFamily="34" charset="0"/>
+                        <a:buChar char="•"/>
+                      </a:pPr>
+                      <a:r>
+                        <a:rPr lang="de-CH" dirty="0" smtClean="0"/>
+                        <a:t>Geringe Betriebskosten</a:t>
+                      </a:r>
+                      <a:endParaRPr lang="de-CH" dirty="0"/>
+                    </a:p>
+                  </a:txBody>
+                  <a:tcPr/>
+                </a:tc>
+                <a:tc>
+                  <a:txBody>
+                    <a:bodyPr/>
+                    <a:lstStyle/>
+                    <a:p>
+                      <a:pPr marL="285750" indent="-285750">
+                        <a:buFont typeface="Arial" panose="020B0604020202020204" pitchFamily="34" charset="0"/>
+                        <a:buChar char="•"/>
+                      </a:pPr>
+                      <a:r>
+                        <a:rPr lang="de-CH" dirty="0" smtClean="0"/>
+                        <a:t>Aufwendiger</a:t>
+                      </a:r>
+                      <a:r>
+                        <a:rPr lang="de-CH" baseline="0" dirty="0" smtClean="0"/>
+                        <a:t> Einbau (Bohrungen)</a:t>
+                      </a:r>
+                    </a:p>
+                    <a:p>
+                      <a:pPr marL="285750" indent="-285750">
+                        <a:buFont typeface="Arial" panose="020B0604020202020204" pitchFamily="34" charset="0"/>
+                        <a:buChar char="•"/>
+                      </a:pPr>
+                      <a:r>
+                        <a:rPr lang="de-CH" baseline="0" dirty="0" smtClean="0"/>
+                        <a:t>Erst bei geringer Vorlauftemperatur effizient (Fussbodenheizung)</a:t>
+                      </a:r>
+                    </a:p>
+                    <a:p>
+                      <a:pPr marL="285750" indent="-285750">
+                        <a:buFont typeface="Arial" panose="020B0604020202020204" pitchFamily="34" charset="0"/>
+                        <a:buChar char="•"/>
+                      </a:pPr>
+                      <a:endParaRPr lang="de-CH" baseline="0" dirty="0" smtClean="0"/>
+                    </a:p>
+                  </a:txBody>
+                  <a:tcPr/>
+                </a:tc>
+              </a:tr>
+              <a:tr h="370840">
+                <a:tc>
+                  <a:txBody>
+                    <a:bodyPr/>
+                    <a:lstStyle/>
+                    <a:p>
+                      <a:r>
+                        <a:rPr lang="de-CH" b="1" dirty="0" smtClean="0"/>
+                        <a:t>Chancen</a:t>
+                      </a:r>
+                      <a:endParaRPr lang="de-CH" b="1" dirty="0"/>
+                    </a:p>
+                  </a:txBody>
+                  <a:tcPr/>
+                </a:tc>
+                <a:tc>
+                  <a:txBody>
+                    <a:bodyPr/>
+                    <a:lstStyle/>
+                    <a:p>
+                      <a:r>
+                        <a:rPr lang="de-CH" b="1" dirty="0" smtClean="0"/>
+                        <a:t>Gefahren</a:t>
+                      </a:r>
+                      <a:endParaRPr lang="de-CH" b="1" dirty="0"/>
+                    </a:p>
+                  </a:txBody>
+                  <a:tcPr/>
+                </a:tc>
+              </a:tr>
+              <a:tr h="370840">
+                <a:tc>
+                  <a:txBody>
+                    <a:bodyPr/>
+                    <a:lstStyle/>
+                    <a:p>
+                      <a:pPr marL="285750" indent="-285750">
+                        <a:buFont typeface="Arial" panose="020B0604020202020204" pitchFamily="34" charset="0"/>
+                        <a:buChar char="•"/>
+                      </a:pPr>
+                      <a:r>
+                        <a:rPr lang="de-CH" dirty="0" smtClean="0"/>
+                        <a:t>Kein Verbrauch von fossilen Brennstoffen</a:t>
+                      </a:r>
+                    </a:p>
+                    <a:p>
+                      <a:pPr marL="285750" indent="-285750">
+                        <a:buFont typeface="Arial" panose="020B0604020202020204" pitchFamily="34" charset="0"/>
+                        <a:buChar char="•"/>
+                      </a:pPr>
+                      <a:r>
+                        <a:rPr lang="de-CH" dirty="0" smtClean="0"/>
+                        <a:t>Hohe Effizienz</a:t>
+                      </a:r>
+                      <a:endParaRPr lang="de-CH" dirty="0"/>
+                    </a:p>
+                  </a:txBody>
+                  <a:tcPr/>
+                </a:tc>
+                <a:tc>
+                  <a:txBody>
+                    <a:bodyPr/>
+                    <a:lstStyle/>
+                    <a:p>
+                      <a:pPr marL="285750" indent="-285750">
+                        <a:buFont typeface="Arial" panose="020B0604020202020204" pitchFamily="34" charset="0"/>
+                        <a:buChar char="•"/>
+                      </a:pPr>
+                      <a:r>
+                        <a:rPr lang="de-CH" smtClean="0"/>
+                        <a:t>Ölpreis</a:t>
+                      </a:r>
+                    </a:p>
+                    <a:p>
+                      <a:pPr marL="285750" indent="-285750">
+                        <a:buFont typeface="Arial" panose="020B0604020202020204" pitchFamily="34" charset="0"/>
+                        <a:buChar char="•"/>
+                      </a:pPr>
+                      <a:endParaRPr lang="de-CH" dirty="0" smtClean="0"/>
+                    </a:p>
+                  </a:txBody>
+                  <a:tcPr/>
+                </a:tc>
+              </a:tr>
+            </a:tbl>
+          </a:graphicData>
+        </a:graphic>
+      </p:graphicFrame>
+    </p:spTree>
+    <p:extLst>
+      <p:ext uri="{BB962C8B-B14F-4D97-AF65-F5344CB8AC3E}">
+        <p14:creationId xmlns:p14="http://schemas.microsoft.com/office/powerpoint/2010/main" val="913109370"/>
+      </p:ext>
+    </p:extLst>
+  </p:cSld>
+  <p:clrMapOvr>
+    <a:masterClrMapping/>
+  </p:clrMapOvr>
+</p:sld>
+</file>
+
 <file path=ppt/theme/theme1.xml><?xml version="1.0" encoding="utf-8"?>
 <a:theme xmlns:a="http://schemas.openxmlformats.org/drawingml/2006/main" name="Office Theme">
   <a:themeElements>

--- a/presentation/Wärmepumpe.pptx
+++ b/presentation/Wärmepumpe.pptx
@@ -3187,7 +3187,9 @@
         </p:nvSpPr>
         <p:spPr/>
         <p:txBody>
-          <a:bodyPr/>
+          <a:bodyPr>
+            <a:normAutofit/>
+          </a:bodyPr>
           <a:lstStyle/>
           <a:p>
             <a:r>
@@ -3198,8 +3200,40 @@
           <a:p>
             <a:r>
               <a:rPr lang="de-CH" dirty="0" smtClean="0"/>
-              <a:t>Funktionsweise:</a:t>
-            </a:r>
+              <a:t>Funktionsweise</a:t>
+            </a:r>
+            <a:r>
+              <a:rPr lang="de-CH" dirty="0" smtClean="0"/>
+              <a:t>:</a:t>
+            </a:r>
+          </a:p>
+          <a:p>
+            <a:endParaRPr lang="de-CH" dirty="0"/>
+          </a:p>
+          <a:p>
+            <a:endParaRPr lang="de-CH" dirty="0" smtClean="0"/>
+          </a:p>
+          <a:p>
+            <a:endParaRPr lang="de-CH" dirty="0"/>
+          </a:p>
+          <a:p>
+            <a:endParaRPr lang="de-CH" dirty="0" smtClean="0"/>
+          </a:p>
+          <a:p>
+            <a:endParaRPr lang="de-CH" dirty="0"/>
+          </a:p>
+          <a:p>
+            <a:r>
+              <a:rPr lang="de-CH" sz="1600" dirty="0"/>
+              <a:t>Quelle: http://www.fws.ch/funktionsweise.html</a:t>
+            </a:r>
+            <a:endParaRPr lang="de-CH" sz="1600" dirty="0" smtClean="0"/>
+          </a:p>
+          <a:p>
+            <a:pPr marL="0" indent="0">
+              <a:buNone/>
+            </a:pPr>
+            <a:endParaRPr lang="de-CH" sz="1400" dirty="0" smtClean="0"/>
           </a:p>
           <a:p>
             <a:endParaRPr lang="de-CH" dirty="0"/>
@@ -3228,7 +3262,7 @@
         </p:blipFill>
         <p:spPr>
           <a:xfrm>
-            <a:off x="1151163" y="2912200"/>
+            <a:off x="3589563" y="2363559"/>
             <a:ext cx="6667500" cy="2914650"/>
           </a:xfrm>
           <a:prstGeom prst="rect">

--- a/presentation/Wärmepumpe.pptx
+++ b/presentation/Wärmepumpe.pptx
@@ -9,7 +9,8 @@
     <p:sldId id="257" r:id="rId3"/>
     <p:sldId id="258" r:id="rId4"/>
     <p:sldId id="259" r:id="rId5"/>
-    <p:sldId id="260" r:id="rId6"/>
+    <p:sldId id="261" r:id="rId6"/>
+    <p:sldId id="260" r:id="rId7"/>
   </p:sldIdLst>
   <p:sldSz cx="12192000" cy="6858000"/>
   <p:notesSz cx="6858000" cy="9144000"/>
@@ -247,7 +248,7 @@
           <a:p>
             <a:fld id="{1177AAC3-8911-4854-96F0-882981BB8DD5}" type="datetimeFigureOut">
               <a:rPr lang="de-CH" smtClean="0"/>
-              <a:t>24.04.2016</a:t>
+              <a:t>25.04.2016</a:t>
             </a:fld>
             <a:endParaRPr lang="de-CH"/>
           </a:p>
@@ -417,7 +418,7 @@
           <a:p>
             <a:fld id="{1177AAC3-8911-4854-96F0-882981BB8DD5}" type="datetimeFigureOut">
               <a:rPr lang="de-CH" smtClean="0"/>
-              <a:t>24.04.2016</a:t>
+              <a:t>25.04.2016</a:t>
             </a:fld>
             <a:endParaRPr lang="de-CH"/>
           </a:p>
@@ -597,7 +598,7 @@
           <a:p>
             <a:fld id="{1177AAC3-8911-4854-96F0-882981BB8DD5}" type="datetimeFigureOut">
               <a:rPr lang="de-CH" smtClean="0"/>
-              <a:t>24.04.2016</a:t>
+              <a:t>25.04.2016</a:t>
             </a:fld>
             <a:endParaRPr lang="de-CH"/>
           </a:p>
@@ -767,7 +768,7 @@
           <a:p>
             <a:fld id="{1177AAC3-8911-4854-96F0-882981BB8DD5}" type="datetimeFigureOut">
               <a:rPr lang="de-CH" smtClean="0"/>
-              <a:t>24.04.2016</a:t>
+              <a:t>25.04.2016</a:t>
             </a:fld>
             <a:endParaRPr lang="de-CH"/>
           </a:p>
@@ -1013,7 +1014,7 @@
           <a:p>
             <a:fld id="{1177AAC3-8911-4854-96F0-882981BB8DD5}" type="datetimeFigureOut">
               <a:rPr lang="de-CH" smtClean="0"/>
-              <a:t>24.04.2016</a:t>
+              <a:t>25.04.2016</a:t>
             </a:fld>
             <a:endParaRPr lang="de-CH"/>
           </a:p>
@@ -1245,7 +1246,7 @@
           <a:p>
             <a:fld id="{1177AAC3-8911-4854-96F0-882981BB8DD5}" type="datetimeFigureOut">
               <a:rPr lang="de-CH" smtClean="0"/>
-              <a:t>24.04.2016</a:t>
+              <a:t>25.04.2016</a:t>
             </a:fld>
             <a:endParaRPr lang="de-CH"/>
           </a:p>
@@ -1612,7 +1613,7 @@
           <a:p>
             <a:fld id="{1177AAC3-8911-4854-96F0-882981BB8DD5}" type="datetimeFigureOut">
               <a:rPr lang="de-CH" smtClean="0"/>
-              <a:t>24.04.2016</a:t>
+              <a:t>25.04.2016</a:t>
             </a:fld>
             <a:endParaRPr lang="de-CH"/>
           </a:p>
@@ -1730,7 +1731,7 @@
           <a:p>
             <a:fld id="{1177AAC3-8911-4854-96F0-882981BB8DD5}" type="datetimeFigureOut">
               <a:rPr lang="de-CH" smtClean="0"/>
-              <a:t>24.04.2016</a:t>
+              <a:t>25.04.2016</a:t>
             </a:fld>
             <a:endParaRPr lang="de-CH"/>
           </a:p>
@@ -1825,7 +1826,7 @@
           <a:p>
             <a:fld id="{1177AAC3-8911-4854-96F0-882981BB8DD5}" type="datetimeFigureOut">
               <a:rPr lang="de-CH" smtClean="0"/>
-              <a:t>24.04.2016</a:t>
+              <a:t>25.04.2016</a:t>
             </a:fld>
             <a:endParaRPr lang="de-CH"/>
           </a:p>
@@ -2102,7 +2103,7 @@
           <a:p>
             <a:fld id="{1177AAC3-8911-4854-96F0-882981BB8DD5}" type="datetimeFigureOut">
               <a:rPr lang="de-CH" smtClean="0"/>
-              <a:t>24.04.2016</a:t>
+              <a:t>25.04.2016</a:t>
             </a:fld>
             <a:endParaRPr lang="de-CH"/>
           </a:p>
@@ -2355,7 +2356,7 @@
           <a:p>
             <a:fld id="{1177AAC3-8911-4854-96F0-882981BB8DD5}" type="datetimeFigureOut">
               <a:rPr lang="de-CH" smtClean="0"/>
-              <a:t>24.04.2016</a:t>
+              <a:t>25.04.2016</a:t>
             </a:fld>
             <a:endParaRPr lang="de-CH"/>
           </a:p>
@@ -2568,7 +2569,7 @@
           <a:p>
             <a:fld id="{1177AAC3-8911-4854-96F0-882981BB8DD5}" type="datetimeFigureOut">
               <a:rPr lang="de-CH" smtClean="0"/>
-              <a:t>24.04.2016</a:t>
+              <a:t>25.04.2016</a:t>
             </a:fld>
             <a:endParaRPr lang="de-CH"/>
           </a:p>
@@ -3200,11 +3201,7 @@
           <a:p>
             <a:r>
               <a:rPr lang="de-CH" dirty="0" smtClean="0"/>
-              <a:t>Funktionsweise</a:t>
-            </a:r>
-            <a:r>
-              <a:rPr lang="de-CH" dirty="0" smtClean="0"/>
-              <a:t>:</a:t>
+              <a:t>Funktionsweise:</a:t>
             </a:r>
           </a:p>
           <a:p>
@@ -3715,6 +3712,135 @@
 </file>
 
 <file path=ppt/slides/slide5.xml><?xml version="1.0" encoding="utf-8"?>
+<p:sld xmlns:a="http://schemas.openxmlformats.org/drawingml/2006/main" xmlns:r="http://schemas.openxmlformats.org/officeDocument/2006/relationships" xmlns:p="http://schemas.openxmlformats.org/presentationml/2006/main">
+  <p:cSld>
+    <p:spTree>
+      <p:nvGrpSpPr>
+        <p:cNvPr id="1" name=""/>
+        <p:cNvGrpSpPr/>
+        <p:nvPr/>
+      </p:nvGrpSpPr>
+      <p:grpSpPr>
+        <a:xfrm>
+          <a:off x="0" y="0"/>
+          <a:ext cx="0" cy="0"/>
+          <a:chOff x="0" y="0"/>
+          <a:chExt cx="0" cy="0"/>
+        </a:xfrm>
+      </p:grpSpPr>
+      <p:sp>
+        <p:nvSpPr>
+          <p:cNvPr id="2" name="Titel 1"/>
+          <p:cNvSpPr>
+            <a:spLocks noGrp="1"/>
+          </p:cNvSpPr>
+          <p:nvPr>
+            <p:ph type="title"/>
+          </p:nvPr>
+        </p:nvSpPr>
+        <p:spPr/>
+        <p:txBody>
+          <a:bodyPr/>
+          <a:lstStyle/>
+          <a:p>
+            <a:r>
+              <a:rPr lang="de-CH" dirty="0" smtClean="0"/>
+              <a:t>Ölbrennwertkessel</a:t>
+            </a:r>
+            <a:endParaRPr lang="de-CH" dirty="0"/>
+          </a:p>
+        </p:txBody>
+      </p:sp>
+      <p:sp>
+        <p:nvSpPr>
+          <p:cNvPr id="3" name="Inhaltsplatzhalter 2"/>
+          <p:cNvSpPr>
+            <a:spLocks noGrp="1"/>
+          </p:cNvSpPr>
+          <p:nvPr>
+            <p:ph idx="1"/>
+          </p:nvPr>
+        </p:nvSpPr>
+        <p:spPr/>
+        <p:txBody>
+          <a:bodyPr/>
+          <a:lstStyle/>
+          <a:p>
+            <a:r>
+              <a:rPr lang="de-CH" dirty="0" smtClean="0"/>
+              <a:t>Brenner + Kondensation der Abgase</a:t>
+            </a:r>
+          </a:p>
+          <a:p>
+            <a:r>
+              <a:rPr lang="de-CH" dirty="0" smtClean="0"/>
+              <a:t>Bei der Verbrennung entstehen CO2 und H2O</a:t>
+            </a:r>
+          </a:p>
+          <a:p>
+            <a:r>
+              <a:rPr lang="de-CH" dirty="0" smtClean="0"/>
+              <a:t>Wasser in Form von Wasserdampf</a:t>
+            </a:r>
+          </a:p>
+          <a:p>
+            <a:r>
+              <a:rPr lang="de-CH" dirty="0" smtClean="0"/>
+              <a:t>Kondensation Erzeugt Wärme</a:t>
+            </a:r>
+          </a:p>
+          <a:p>
+            <a:pPr marL="0" indent="0">
+              <a:buNone/>
+            </a:pPr>
+            <a:endParaRPr lang="de-CH" dirty="0" smtClean="0"/>
+          </a:p>
+        </p:txBody>
+      </p:sp>
+      <p:pic>
+        <p:nvPicPr>
+          <p:cNvPr id="5" name="Grafik 4"/>
+          <p:cNvPicPr>
+            <a:picLocks noChangeAspect="1"/>
+          </p:cNvPicPr>
+          <p:nvPr/>
+        </p:nvPicPr>
+        <p:blipFill>
+          <a:blip r:embed="rId2">
+            <a:extLst>
+              <a:ext uri="{28A0092B-C50C-407E-A947-70E740481C1C}">
+                <a14:useLocalDpi xmlns:a14="http://schemas.microsoft.com/office/drawing/2010/main" val="0"/>
+              </a:ext>
+            </a:extLst>
+          </a:blip>
+          <a:stretch>
+            <a:fillRect/>
+          </a:stretch>
+        </p:blipFill>
+        <p:spPr>
+          <a:xfrm>
+            <a:off x="7954157" y="783771"/>
+            <a:ext cx="3652192" cy="5264331"/>
+          </a:xfrm>
+          <a:prstGeom prst="rect">
+            <a:avLst/>
+          </a:prstGeom>
+        </p:spPr>
+      </p:pic>
+    </p:spTree>
+    <p:extLst>
+      <p:ext uri="{BB962C8B-B14F-4D97-AF65-F5344CB8AC3E}">
+        <p14:creationId xmlns:p14="http://schemas.microsoft.com/office/powerpoint/2010/main" val="2505059980"/>
+      </p:ext>
+    </p:extLst>
+  </p:cSld>
+  <p:clrMapOvr>
+    <a:masterClrMapping/>
+  </p:clrMapOvr>
+</p:sld>
+</file>
+
+<file path=ppt/slides/slide6.xml><?xml version="1.0" encoding="utf-8"?>
 <p:sld xmlns:a="http://schemas.openxmlformats.org/drawingml/2006/main" xmlns:r="http://schemas.openxmlformats.org/officeDocument/2006/relationships" xmlns:p="http://schemas.openxmlformats.org/presentationml/2006/main">
   <p:cSld>
     <p:spTree>

--- a/presentation/Wärmepumpe.pptx
+++ b/presentation/Wärmepumpe.pptx
@@ -1,26 +1,139 @@
 
 <file path=ppt/presentation.xml><?xml version="1.0" encoding="utf-8"?>
-<p:presentation xmlns:a="http://schemas.openxmlformats.org/drawingml/2006/main" xmlns:p="http://schemas.openxmlformats.org/presentationml/2006/main" xmlns:r="http://schemas.openxmlformats.org/officeDocument/2006/relationships">
+<p:presentation xmlns:a="http://schemas.openxmlformats.org/drawingml/2006/main" xmlns:r="http://schemas.openxmlformats.org/officeDocument/2006/relationships" xmlns:p="http://schemas.openxmlformats.org/presentationml/2006/main">
   <p:sldMasterIdLst>
-    <p:sldMasterId id="2147483648" r:id="rId2"/>
-    <p:sldMasterId id="2147483661" r:id="rId3"/>
+    <p:sldMasterId id="2147483648" r:id="rId1"/>
+    <p:sldMasterId id="2147483661" r:id="rId2"/>
   </p:sldMasterIdLst>
   <p:sldIdLst>
-    <p:sldId id="256" r:id="rId4"/>
-    <p:sldId id="257" r:id="rId5"/>
-    <p:sldId id="258" r:id="rId6"/>
-    <p:sldId id="259" r:id="rId7"/>
-    <p:sldId id="260" r:id="rId8"/>
-    <p:sldId id="261" r:id="rId9"/>
-    <p:sldId id="262" r:id="rId10"/>
+    <p:sldId id="256" r:id="rId3"/>
+    <p:sldId id="263" r:id="rId4"/>
+    <p:sldId id="258" r:id="rId5"/>
+    <p:sldId id="259" r:id="rId6"/>
+    <p:sldId id="260" r:id="rId7"/>
+    <p:sldId id="261" r:id="rId8"/>
+    <p:sldId id="262" r:id="rId9"/>
+    <p:sldId id="265" r:id="rId10"/>
+    <p:sldId id="266" r:id="rId11"/>
   </p:sldIdLst>
   <p:sldSz cx="12192000" cy="6858000"/>
-  <p:notesSz cx="7559675" cy="10691812"/>
+  <p:notesSz cx="7559675" cy="10691813"/>
+  <p:defaultTextStyle>
+    <a:defPPr>
+      <a:defRPr lang="de-DE"/>
+    </a:defPPr>
+    <a:lvl1pPr marL="0" algn="l" defTabSz="914400" rtl="0" eaLnBrk="1" latinLnBrk="0" hangingPunct="1">
+      <a:defRPr sz="1800" kern="1200">
+        <a:solidFill>
+          <a:schemeClr val="tx1"/>
+        </a:solidFill>
+        <a:latin typeface="+mn-lt"/>
+        <a:ea typeface="+mn-ea"/>
+        <a:cs typeface="+mn-cs"/>
+      </a:defRPr>
+    </a:lvl1pPr>
+    <a:lvl2pPr marL="457200" algn="l" defTabSz="914400" rtl="0" eaLnBrk="1" latinLnBrk="0" hangingPunct="1">
+      <a:defRPr sz="1800" kern="1200">
+        <a:solidFill>
+          <a:schemeClr val="tx1"/>
+        </a:solidFill>
+        <a:latin typeface="+mn-lt"/>
+        <a:ea typeface="+mn-ea"/>
+        <a:cs typeface="+mn-cs"/>
+      </a:defRPr>
+    </a:lvl2pPr>
+    <a:lvl3pPr marL="914400" algn="l" defTabSz="914400" rtl="0" eaLnBrk="1" latinLnBrk="0" hangingPunct="1">
+      <a:defRPr sz="1800" kern="1200">
+        <a:solidFill>
+          <a:schemeClr val="tx1"/>
+        </a:solidFill>
+        <a:latin typeface="+mn-lt"/>
+        <a:ea typeface="+mn-ea"/>
+        <a:cs typeface="+mn-cs"/>
+      </a:defRPr>
+    </a:lvl3pPr>
+    <a:lvl4pPr marL="1371600" algn="l" defTabSz="914400" rtl="0" eaLnBrk="1" latinLnBrk="0" hangingPunct="1">
+      <a:defRPr sz="1800" kern="1200">
+        <a:solidFill>
+          <a:schemeClr val="tx1"/>
+        </a:solidFill>
+        <a:latin typeface="+mn-lt"/>
+        <a:ea typeface="+mn-ea"/>
+        <a:cs typeface="+mn-cs"/>
+      </a:defRPr>
+    </a:lvl4pPr>
+    <a:lvl5pPr marL="1828800" algn="l" defTabSz="914400" rtl="0" eaLnBrk="1" latinLnBrk="0" hangingPunct="1">
+      <a:defRPr sz="1800" kern="1200">
+        <a:solidFill>
+          <a:schemeClr val="tx1"/>
+        </a:solidFill>
+        <a:latin typeface="+mn-lt"/>
+        <a:ea typeface="+mn-ea"/>
+        <a:cs typeface="+mn-cs"/>
+      </a:defRPr>
+    </a:lvl5pPr>
+    <a:lvl6pPr marL="2286000" algn="l" defTabSz="914400" rtl="0" eaLnBrk="1" latinLnBrk="0" hangingPunct="1">
+      <a:defRPr sz="1800" kern="1200">
+        <a:solidFill>
+          <a:schemeClr val="tx1"/>
+        </a:solidFill>
+        <a:latin typeface="+mn-lt"/>
+        <a:ea typeface="+mn-ea"/>
+        <a:cs typeface="+mn-cs"/>
+      </a:defRPr>
+    </a:lvl6pPr>
+    <a:lvl7pPr marL="2743200" algn="l" defTabSz="914400" rtl="0" eaLnBrk="1" latinLnBrk="0" hangingPunct="1">
+      <a:defRPr sz="1800" kern="1200">
+        <a:solidFill>
+          <a:schemeClr val="tx1"/>
+        </a:solidFill>
+        <a:latin typeface="+mn-lt"/>
+        <a:ea typeface="+mn-ea"/>
+        <a:cs typeface="+mn-cs"/>
+      </a:defRPr>
+    </a:lvl7pPr>
+    <a:lvl8pPr marL="3200400" algn="l" defTabSz="914400" rtl="0" eaLnBrk="1" latinLnBrk="0" hangingPunct="1">
+      <a:defRPr sz="1800" kern="1200">
+        <a:solidFill>
+          <a:schemeClr val="tx1"/>
+        </a:solidFill>
+        <a:latin typeface="+mn-lt"/>
+        <a:ea typeface="+mn-ea"/>
+        <a:cs typeface="+mn-cs"/>
+      </a:defRPr>
+    </a:lvl8pPr>
+    <a:lvl9pPr marL="3657600" algn="l" defTabSz="914400" rtl="0" eaLnBrk="1" latinLnBrk="0" hangingPunct="1">
+      <a:defRPr sz="1800" kern="1200">
+        <a:solidFill>
+          <a:schemeClr val="tx1"/>
+        </a:solidFill>
+        <a:latin typeface="+mn-lt"/>
+        <a:ea typeface="+mn-ea"/>
+        <a:cs typeface="+mn-cs"/>
+      </a:defRPr>
+    </a:lvl9pPr>
+  </p:defaultTextStyle>
+  <p:extLst>
+    <p:ext uri="{EFAFB233-063F-42B5-8137-9DF3F51BA10A}">
+      <p15:sldGuideLst xmlns:p15="http://schemas.microsoft.com/office/powerpoint/2012/main">
+        <p15:guide id="1" orient="horz" pos="2160" userDrawn="1">
+          <p15:clr>
+            <a:srgbClr val="A4A3A4"/>
+          </p15:clr>
+        </p15:guide>
+        <p15:guide id="2" pos="3840" userDrawn="1">
+          <p15:clr>
+            <a:srgbClr val="A4A3A4"/>
+          </p15:clr>
+        </p15:guide>
+      </p15:sldGuideLst>
+    </p:ext>
+  </p:extLst>
 </p:presentation>
 </file>
 
 <file path=ppt/slideLayouts/slideLayout1.xml><?xml version="1.0" encoding="utf-8"?>
-<p:sldLayout xmlns:a="http://schemas.openxmlformats.org/drawingml/2006/main" xmlns:p="http://schemas.openxmlformats.org/presentationml/2006/main" xmlns:r="http://schemas.openxmlformats.org/officeDocument/2006/relationships" type="blank" preserve="1">
+<p:sldLayout xmlns:a="http://schemas.openxmlformats.org/drawingml/2006/main" xmlns:r="http://schemas.openxmlformats.org/officeDocument/2006/relationships" xmlns:p="http://schemas.openxmlformats.org/presentationml/2006/main" type="blank" preserve="1">
   <p:cSld name="Blank Slide">
     <p:spTree>
       <p:nvGrpSpPr>
@@ -38,11 +151,14 @@
       </p:grpSpPr>
     </p:spTree>
   </p:cSld>
+  <p:clrMapOvr>
+    <a:masterClrMapping/>
+  </p:clrMapOvr>
 </p:sldLayout>
 </file>
 
 <file path=ppt/slideLayouts/slideLayout10.xml><?xml version="1.0" encoding="utf-8"?>
-<p:sldLayout xmlns:a="http://schemas.openxmlformats.org/drawingml/2006/main" xmlns:p="http://schemas.openxmlformats.org/presentationml/2006/main" xmlns:r="http://schemas.openxmlformats.org/officeDocument/2006/relationships" type="objOverTx" preserve="1">
+<p:sldLayout xmlns:a="http://schemas.openxmlformats.org/drawingml/2006/main" xmlns:r="http://schemas.openxmlformats.org/officeDocument/2006/relationships" xmlns:p="http://schemas.openxmlformats.org/presentationml/2006/main" type="objOverTx" preserve="1">
   <p:cSld name="Title, Content over Content">
     <p:spTree>
       <p:nvGrpSpPr>
@@ -78,7 +194,8 @@
           </a:prstGeom>
         </p:spPr>
         <p:txBody>
-          <a:bodyPr lIns="0" rIns="0" tIns="0" bIns="0" anchor="ctr"/>
+          <a:bodyPr lIns="0" tIns="0" rIns="0" bIns="0" anchor="ctr"/>
+          <a:lstStyle/>
           <a:p>
             <a:endParaRPr/>
           </a:p>
@@ -104,7 +221,8 @@
           </a:prstGeom>
         </p:spPr>
         <p:txBody>
-          <a:bodyPr lIns="0" rIns="0" tIns="0" bIns="0"/>
+          <a:bodyPr lIns="0" tIns="0" rIns="0" bIns="0"/>
+          <a:lstStyle/>
           <a:p>
             <a:endParaRPr/>
           </a:p>
@@ -130,7 +248,8 @@
           </a:prstGeom>
         </p:spPr>
         <p:txBody>
-          <a:bodyPr lIns="0" rIns="0" tIns="0" bIns="0"/>
+          <a:bodyPr lIns="0" tIns="0" rIns="0" bIns="0"/>
+          <a:lstStyle/>
           <a:p>
             <a:endParaRPr/>
           </a:p>
@@ -138,11 +257,14 @@
       </p:sp>
     </p:spTree>
   </p:cSld>
+  <p:clrMapOvr>
+    <a:masterClrMapping/>
+  </p:clrMapOvr>
 </p:sldLayout>
 </file>
 
 <file path=ppt/slideLayouts/slideLayout11.xml><?xml version="1.0" encoding="utf-8"?>
-<p:sldLayout xmlns:a="http://schemas.openxmlformats.org/drawingml/2006/main" xmlns:p="http://schemas.openxmlformats.org/presentationml/2006/main" xmlns:r="http://schemas.openxmlformats.org/officeDocument/2006/relationships" type="fourObj" preserve="1">
+<p:sldLayout xmlns:a="http://schemas.openxmlformats.org/drawingml/2006/main" xmlns:r="http://schemas.openxmlformats.org/officeDocument/2006/relationships" xmlns:p="http://schemas.openxmlformats.org/presentationml/2006/main" type="fourObj" preserve="1">
   <p:cSld name="Title, 4 Content">
     <p:spTree>
       <p:nvGrpSpPr>
@@ -178,7 +300,8 @@
           </a:prstGeom>
         </p:spPr>
         <p:txBody>
-          <a:bodyPr lIns="0" rIns="0" tIns="0" bIns="0" anchor="ctr"/>
+          <a:bodyPr lIns="0" tIns="0" rIns="0" bIns="0" anchor="ctr"/>
+          <a:lstStyle/>
           <a:p>
             <a:endParaRPr/>
           </a:p>
@@ -204,7 +327,8 @@
           </a:prstGeom>
         </p:spPr>
         <p:txBody>
-          <a:bodyPr lIns="0" rIns="0" tIns="0" bIns="0"/>
+          <a:bodyPr lIns="0" tIns="0" rIns="0" bIns="0"/>
+          <a:lstStyle/>
           <a:p>
             <a:endParaRPr/>
           </a:p>
@@ -230,7 +354,8 @@
           </a:prstGeom>
         </p:spPr>
         <p:txBody>
-          <a:bodyPr lIns="0" rIns="0" tIns="0" bIns="0"/>
+          <a:bodyPr lIns="0" tIns="0" rIns="0" bIns="0"/>
+          <a:lstStyle/>
           <a:p>
             <a:endParaRPr/>
           </a:p>
@@ -256,7 +381,8 @@
           </a:prstGeom>
         </p:spPr>
         <p:txBody>
-          <a:bodyPr lIns="0" rIns="0" tIns="0" bIns="0"/>
+          <a:bodyPr lIns="0" tIns="0" rIns="0" bIns="0"/>
+          <a:lstStyle/>
           <a:p>
             <a:endParaRPr/>
           </a:p>
@@ -282,7 +408,8 @@
           </a:prstGeom>
         </p:spPr>
         <p:txBody>
-          <a:bodyPr lIns="0" rIns="0" tIns="0" bIns="0"/>
+          <a:bodyPr lIns="0" tIns="0" rIns="0" bIns="0"/>
+          <a:lstStyle/>
           <a:p>
             <a:endParaRPr/>
           </a:p>
@@ -290,11 +417,14 @@
       </p:sp>
     </p:spTree>
   </p:cSld>
+  <p:clrMapOvr>
+    <a:masterClrMapping/>
+  </p:clrMapOvr>
 </p:sldLayout>
 </file>
 
 <file path=ppt/slideLayouts/slideLayout12.xml><?xml version="1.0" encoding="utf-8"?>
-<p:sldLayout xmlns:a="http://schemas.openxmlformats.org/drawingml/2006/main" xmlns:p="http://schemas.openxmlformats.org/presentationml/2006/main" xmlns:r="http://schemas.openxmlformats.org/officeDocument/2006/relationships" type="blank" preserve="1">
+<p:sldLayout xmlns:a="http://schemas.openxmlformats.org/drawingml/2006/main" xmlns:r="http://schemas.openxmlformats.org/officeDocument/2006/relationships" xmlns:p="http://schemas.openxmlformats.org/presentationml/2006/main" type="blank" preserve="1">
   <p:cSld name="Title, 6 Content">
     <p:spTree>
       <p:nvGrpSpPr>
@@ -330,7 +460,8 @@
           </a:prstGeom>
         </p:spPr>
         <p:txBody>
-          <a:bodyPr lIns="0" rIns="0" tIns="0" bIns="0" anchor="ctr"/>
+          <a:bodyPr lIns="0" tIns="0" rIns="0" bIns="0" anchor="ctr"/>
+          <a:lstStyle/>
           <a:p>
             <a:endParaRPr/>
           </a:p>
@@ -356,7 +487,8 @@
           </a:prstGeom>
         </p:spPr>
         <p:txBody>
-          <a:bodyPr lIns="0" rIns="0" tIns="0" bIns="0"/>
+          <a:bodyPr lIns="0" tIns="0" rIns="0" bIns="0"/>
+          <a:lstStyle/>
           <a:p>
             <a:endParaRPr/>
           </a:p>
@@ -382,7 +514,8 @@
           </a:prstGeom>
         </p:spPr>
         <p:txBody>
-          <a:bodyPr lIns="0" rIns="0" tIns="0" bIns="0"/>
+          <a:bodyPr lIns="0" tIns="0" rIns="0" bIns="0"/>
+          <a:lstStyle/>
           <a:p>
             <a:endParaRPr/>
           </a:p>
@@ -390,7 +523,7 @@
       </p:sp>
       <p:pic>
         <p:nvPicPr>
-          <p:cNvPr id="37" name="" descr=""/>
+          <p:cNvPr id="37" name="Grafik 36"/>
           <p:cNvPicPr/>
           <p:nvPr/>
         </p:nvPicPr>
@@ -415,12 +548,12 @@
       </p:pic>
       <p:pic>
         <p:nvPicPr>
-          <p:cNvPr id="38" name="" descr=""/>
+          <p:cNvPr id="38" name="Grafik 37"/>
           <p:cNvPicPr/>
           <p:nvPr/>
         </p:nvPicPr>
         <p:blipFill>
-          <a:blip r:embed="rId3"/>
+          <a:blip r:embed="rId2"/>
           <a:stretch>
             <a:fillRect/>
           </a:stretch>
@@ -440,11 +573,14 @@
       </p:pic>
     </p:spTree>
   </p:cSld>
+  <p:clrMapOvr>
+    <a:masterClrMapping/>
+  </p:clrMapOvr>
 </p:sldLayout>
 </file>
 
 <file path=ppt/slideLayouts/slideLayout13.xml><?xml version="1.0" encoding="utf-8"?>
-<p:sldLayout xmlns:a="http://schemas.openxmlformats.org/drawingml/2006/main" xmlns:p="http://schemas.openxmlformats.org/presentationml/2006/main" xmlns:r="http://schemas.openxmlformats.org/officeDocument/2006/relationships" type="blank" preserve="1">
+<p:sldLayout xmlns:a="http://schemas.openxmlformats.org/drawingml/2006/main" xmlns:r="http://schemas.openxmlformats.org/officeDocument/2006/relationships" xmlns:p="http://schemas.openxmlformats.org/presentationml/2006/main" type="blank" preserve="1">
   <p:cSld name="Blank Slide">
     <p:spTree>
       <p:nvGrpSpPr>
@@ -462,11 +598,14 @@
       </p:grpSpPr>
     </p:spTree>
   </p:cSld>
+  <p:clrMapOvr>
+    <a:masterClrMapping/>
+  </p:clrMapOvr>
 </p:sldLayout>
 </file>
 
 <file path=ppt/slideLayouts/slideLayout14.xml><?xml version="1.0" encoding="utf-8"?>
-<p:sldLayout xmlns:a="http://schemas.openxmlformats.org/drawingml/2006/main" xmlns:p="http://schemas.openxmlformats.org/presentationml/2006/main" xmlns:r="http://schemas.openxmlformats.org/officeDocument/2006/relationships" type="tx" preserve="1">
+<p:sldLayout xmlns:a="http://schemas.openxmlformats.org/drawingml/2006/main" xmlns:r="http://schemas.openxmlformats.org/officeDocument/2006/relationships" xmlns:p="http://schemas.openxmlformats.org/presentationml/2006/main" type="tx" preserve="1">
   <p:cSld name="Title Slide">
     <p:spTree>
       <p:nvGrpSpPr>
@@ -502,7 +641,8 @@
           </a:prstGeom>
         </p:spPr>
         <p:txBody>
-          <a:bodyPr lIns="0" rIns="0" tIns="0" bIns="0" anchor="ctr"/>
+          <a:bodyPr lIns="0" tIns="0" rIns="0" bIns="0" anchor="ctr"/>
+          <a:lstStyle/>
           <a:p>
             <a:endParaRPr/>
           </a:p>
@@ -528,7 +668,8 @@
           </a:prstGeom>
         </p:spPr>
         <p:txBody>
-          <a:bodyPr lIns="0" rIns="0" tIns="0" bIns="0" anchor="ctr"/>
+          <a:bodyPr lIns="0" tIns="0" rIns="0" bIns="0" anchor="ctr"/>
+          <a:lstStyle/>
           <a:p>
             <a:pPr algn="ctr"/>
             <a:endParaRPr/>
@@ -537,11 +678,14 @@
       </p:sp>
     </p:spTree>
   </p:cSld>
+  <p:clrMapOvr>
+    <a:masterClrMapping/>
+  </p:clrMapOvr>
 </p:sldLayout>
 </file>
 
 <file path=ppt/slideLayouts/slideLayout15.xml><?xml version="1.0" encoding="utf-8"?>
-<p:sldLayout xmlns:a="http://schemas.openxmlformats.org/drawingml/2006/main" xmlns:p="http://schemas.openxmlformats.org/presentationml/2006/main" xmlns:r="http://schemas.openxmlformats.org/officeDocument/2006/relationships" type="obj" preserve="1">
+<p:sldLayout xmlns:a="http://schemas.openxmlformats.org/drawingml/2006/main" xmlns:r="http://schemas.openxmlformats.org/officeDocument/2006/relationships" xmlns:p="http://schemas.openxmlformats.org/presentationml/2006/main" type="obj" preserve="1">
   <p:cSld name="Title, Content">
     <p:spTree>
       <p:nvGrpSpPr>
@@ -577,7 +721,8 @@
           </a:prstGeom>
         </p:spPr>
         <p:txBody>
-          <a:bodyPr lIns="0" rIns="0" tIns="0" bIns="0" anchor="ctr"/>
+          <a:bodyPr lIns="0" tIns="0" rIns="0" bIns="0" anchor="ctr"/>
+          <a:lstStyle/>
           <a:p>
             <a:endParaRPr/>
           </a:p>
@@ -603,7 +748,8 @@
           </a:prstGeom>
         </p:spPr>
         <p:txBody>
-          <a:bodyPr lIns="0" rIns="0" tIns="0" bIns="0"/>
+          <a:bodyPr lIns="0" tIns="0" rIns="0" bIns="0"/>
+          <a:lstStyle/>
           <a:p>
             <a:endParaRPr/>
           </a:p>
@@ -611,11 +757,14 @@
       </p:sp>
     </p:spTree>
   </p:cSld>
+  <p:clrMapOvr>
+    <a:masterClrMapping/>
+  </p:clrMapOvr>
 </p:sldLayout>
 </file>
 
 <file path=ppt/slideLayouts/slideLayout16.xml><?xml version="1.0" encoding="utf-8"?>
-<p:sldLayout xmlns:a="http://schemas.openxmlformats.org/drawingml/2006/main" xmlns:p="http://schemas.openxmlformats.org/presentationml/2006/main" xmlns:r="http://schemas.openxmlformats.org/officeDocument/2006/relationships" type="twoObj" preserve="1">
+<p:sldLayout xmlns:a="http://schemas.openxmlformats.org/drawingml/2006/main" xmlns:r="http://schemas.openxmlformats.org/officeDocument/2006/relationships" xmlns:p="http://schemas.openxmlformats.org/presentationml/2006/main" type="twoObj" preserve="1">
   <p:cSld name="Title, 2 Content">
     <p:spTree>
       <p:nvGrpSpPr>
@@ -651,7 +800,8 @@
           </a:prstGeom>
         </p:spPr>
         <p:txBody>
-          <a:bodyPr lIns="0" rIns="0" tIns="0" bIns="0" anchor="ctr"/>
+          <a:bodyPr lIns="0" tIns="0" rIns="0" bIns="0" anchor="ctr"/>
+          <a:lstStyle/>
           <a:p>
             <a:endParaRPr/>
           </a:p>
@@ -677,7 +827,8 @@
           </a:prstGeom>
         </p:spPr>
         <p:txBody>
-          <a:bodyPr lIns="0" rIns="0" tIns="0" bIns="0"/>
+          <a:bodyPr lIns="0" tIns="0" rIns="0" bIns="0"/>
+          <a:lstStyle/>
           <a:p>
             <a:endParaRPr/>
           </a:p>
@@ -703,7 +854,8 @@
           </a:prstGeom>
         </p:spPr>
         <p:txBody>
-          <a:bodyPr lIns="0" rIns="0" tIns="0" bIns="0"/>
+          <a:bodyPr lIns="0" tIns="0" rIns="0" bIns="0"/>
+          <a:lstStyle/>
           <a:p>
             <a:endParaRPr/>
           </a:p>
@@ -711,11 +863,14 @@
       </p:sp>
     </p:spTree>
   </p:cSld>
+  <p:clrMapOvr>
+    <a:masterClrMapping/>
+  </p:clrMapOvr>
 </p:sldLayout>
 </file>
 
 <file path=ppt/slideLayouts/slideLayout17.xml><?xml version="1.0" encoding="utf-8"?>
-<p:sldLayout xmlns:a="http://schemas.openxmlformats.org/drawingml/2006/main" xmlns:p="http://schemas.openxmlformats.org/presentationml/2006/main" xmlns:r="http://schemas.openxmlformats.org/officeDocument/2006/relationships" type="titleOnly" preserve="1">
+<p:sldLayout xmlns:a="http://schemas.openxmlformats.org/drawingml/2006/main" xmlns:r="http://schemas.openxmlformats.org/officeDocument/2006/relationships" xmlns:p="http://schemas.openxmlformats.org/presentationml/2006/main" type="titleOnly" preserve="1">
   <p:cSld name="Title Only">
     <p:spTree>
       <p:nvGrpSpPr>
@@ -751,7 +906,8 @@
           </a:prstGeom>
         </p:spPr>
         <p:txBody>
-          <a:bodyPr lIns="0" rIns="0" tIns="0" bIns="0" anchor="ctr"/>
+          <a:bodyPr lIns="0" tIns="0" rIns="0" bIns="0" anchor="ctr"/>
+          <a:lstStyle/>
           <a:p>
             <a:endParaRPr/>
           </a:p>
@@ -759,11 +915,14 @@
       </p:sp>
     </p:spTree>
   </p:cSld>
+  <p:clrMapOvr>
+    <a:masterClrMapping/>
+  </p:clrMapOvr>
 </p:sldLayout>
 </file>
 
 <file path=ppt/slideLayouts/slideLayout18.xml><?xml version="1.0" encoding="utf-8"?>
-<p:sldLayout xmlns:a="http://schemas.openxmlformats.org/drawingml/2006/main" xmlns:p="http://schemas.openxmlformats.org/presentationml/2006/main" xmlns:r="http://schemas.openxmlformats.org/officeDocument/2006/relationships" type="objOnly" preserve="1">
+<p:sldLayout xmlns:a="http://schemas.openxmlformats.org/drawingml/2006/main" xmlns:r="http://schemas.openxmlformats.org/officeDocument/2006/relationships" xmlns:p="http://schemas.openxmlformats.org/presentationml/2006/main" type="objOnly" preserve="1">
   <p:cSld name="Centered Text">
     <p:spTree>
       <p:nvGrpSpPr>
@@ -799,7 +958,8 @@
           </a:prstGeom>
         </p:spPr>
         <p:txBody>
-          <a:bodyPr lIns="0" rIns="0" tIns="0" bIns="0" anchor="ctr"/>
+          <a:bodyPr lIns="0" tIns="0" rIns="0" bIns="0" anchor="ctr"/>
+          <a:lstStyle/>
           <a:p>
             <a:pPr algn="ctr"/>
             <a:endParaRPr/>
@@ -808,11 +968,14 @@
       </p:sp>
     </p:spTree>
   </p:cSld>
+  <p:clrMapOvr>
+    <a:masterClrMapping/>
+  </p:clrMapOvr>
 </p:sldLayout>
 </file>
 
 <file path=ppt/slideLayouts/slideLayout19.xml><?xml version="1.0" encoding="utf-8"?>
-<p:sldLayout xmlns:a="http://schemas.openxmlformats.org/drawingml/2006/main" xmlns:p="http://schemas.openxmlformats.org/presentationml/2006/main" xmlns:r="http://schemas.openxmlformats.org/officeDocument/2006/relationships" type="twoObjAndObj" preserve="1">
+<p:sldLayout xmlns:a="http://schemas.openxmlformats.org/drawingml/2006/main" xmlns:r="http://schemas.openxmlformats.org/officeDocument/2006/relationships" xmlns:p="http://schemas.openxmlformats.org/presentationml/2006/main" type="twoObjAndObj" preserve="1">
   <p:cSld name="Title, 2 Content and Content">
     <p:spTree>
       <p:nvGrpSpPr>
@@ -848,7 +1011,8 @@
           </a:prstGeom>
         </p:spPr>
         <p:txBody>
-          <a:bodyPr lIns="0" rIns="0" tIns="0" bIns="0" anchor="ctr"/>
+          <a:bodyPr lIns="0" tIns="0" rIns="0" bIns="0" anchor="ctr"/>
+          <a:lstStyle/>
           <a:p>
             <a:endParaRPr/>
           </a:p>
@@ -874,7 +1038,8 @@
           </a:prstGeom>
         </p:spPr>
         <p:txBody>
-          <a:bodyPr lIns="0" rIns="0" tIns="0" bIns="0"/>
+          <a:bodyPr lIns="0" tIns="0" rIns="0" bIns="0"/>
+          <a:lstStyle/>
           <a:p>
             <a:endParaRPr/>
           </a:p>
@@ -900,7 +1065,8 @@
           </a:prstGeom>
         </p:spPr>
         <p:txBody>
-          <a:bodyPr lIns="0" rIns="0" tIns="0" bIns="0"/>
+          <a:bodyPr lIns="0" tIns="0" rIns="0" bIns="0"/>
+          <a:lstStyle/>
           <a:p>
             <a:endParaRPr/>
           </a:p>
@@ -926,7 +1092,8 @@
           </a:prstGeom>
         </p:spPr>
         <p:txBody>
-          <a:bodyPr lIns="0" rIns="0" tIns="0" bIns="0"/>
+          <a:bodyPr lIns="0" tIns="0" rIns="0" bIns="0"/>
+          <a:lstStyle/>
           <a:p>
             <a:endParaRPr/>
           </a:p>
@@ -934,11 +1101,14 @@
       </p:sp>
     </p:spTree>
   </p:cSld>
+  <p:clrMapOvr>
+    <a:masterClrMapping/>
+  </p:clrMapOvr>
 </p:sldLayout>
 </file>
 
 <file path=ppt/slideLayouts/slideLayout2.xml><?xml version="1.0" encoding="utf-8"?>
-<p:sldLayout xmlns:a="http://schemas.openxmlformats.org/drawingml/2006/main" xmlns:p="http://schemas.openxmlformats.org/presentationml/2006/main" xmlns:r="http://schemas.openxmlformats.org/officeDocument/2006/relationships" type="tx" preserve="1">
+<p:sldLayout xmlns:a="http://schemas.openxmlformats.org/drawingml/2006/main" xmlns:r="http://schemas.openxmlformats.org/officeDocument/2006/relationships" xmlns:p="http://schemas.openxmlformats.org/presentationml/2006/main" type="tx" preserve="1">
   <p:cSld name="Title Slide">
     <p:spTree>
       <p:nvGrpSpPr>
@@ -974,7 +1144,8 @@
           </a:prstGeom>
         </p:spPr>
         <p:txBody>
-          <a:bodyPr lIns="0" rIns="0" tIns="0" bIns="0" anchor="ctr"/>
+          <a:bodyPr lIns="0" tIns="0" rIns="0" bIns="0" anchor="ctr"/>
+          <a:lstStyle/>
           <a:p>
             <a:endParaRPr/>
           </a:p>
@@ -1000,7 +1171,8 @@
           </a:prstGeom>
         </p:spPr>
         <p:txBody>
-          <a:bodyPr lIns="0" rIns="0" tIns="0" bIns="0" anchor="ctr"/>
+          <a:bodyPr lIns="0" tIns="0" rIns="0" bIns="0" anchor="ctr"/>
+          <a:lstStyle/>
           <a:p>
             <a:pPr algn="ctr"/>
             <a:endParaRPr/>
@@ -1009,11 +1181,14 @@
       </p:sp>
     </p:spTree>
   </p:cSld>
+  <p:clrMapOvr>
+    <a:masterClrMapping/>
+  </p:clrMapOvr>
 </p:sldLayout>
 </file>
 
 <file path=ppt/slideLayouts/slideLayout20.xml><?xml version="1.0" encoding="utf-8"?>
-<p:sldLayout xmlns:a="http://schemas.openxmlformats.org/drawingml/2006/main" xmlns:p="http://schemas.openxmlformats.org/presentationml/2006/main" xmlns:r="http://schemas.openxmlformats.org/officeDocument/2006/relationships" type="objAndTwoObj" preserve="1">
+<p:sldLayout xmlns:a="http://schemas.openxmlformats.org/drawingml/2006/main" xmlns:r="http://schemas.openxmlformats.org/officeDocument/2006/relationships" xmlns:p="http://schemas.openxmlformats.org/presentationml/2006/main" type="objAndTwoObj" preserve="1">
   <p:cSld name="Title Content and 2 Content">
     <p:spTree>
       <p:nvGrpSpPr>
@@ -1049,7 +1224,8 @@
           </a:prstGeom>
         </p:spPr>
         <p:txBody>
-          <a:bodyPr lIns="0" rIns="0" tIns="0" bIns="0" anchor="ctr"/>
+          <a:bodyPr lIns="0" tIns="0" rIns="0" bIns="0" anchor="ctr"/>
+          <a:lstStyle/>
           <a:p>
             <a:endParaRPr/>
           </a:p>
@@ -1075,7 +1251,8 @@
           </a:prstGeom>
         </p:spPr>
         <p:txBody>
-          <a:bodyPr lIns="0" rIns="0" tIns="0" bIns="0"/>
+          <a:bodyPr lIns="0" tIns="0" rIns="0" bIns="0"/>
+          <a:lstStyle/>
           <a:p>
             <a:endParaRPr/>
           </a:p>
@@ -1101,7 +1278,8 @@
           </a:prstGeom>
         </p:spPr>
         <p:txBody>
-          <a:bodyPr lIns="0" rIns="0" tIns="0" bIns="0"/>
+          <a:bodyPr lIns="0" tIns="0" rIns="0" bIns="0"/>
+          <a:lstStyle/>
           <a:p>
             <a:endParaRPr/>
           </a:p>
@@ -1127,7 +1305,8 @@
           </a:prstGeom>
         </p:spPr>
         <p:txBody>
-          <a:bodyPr lIns="0" rIns="0" tIns="0" bIns="0"/>
+          <a:bodyPr lIns="0" tIns="0" rIns="0" bIns="0"/>
+          <a:lstStyle/>
           <a:p>
             <a:endParaRPr/>
           </a:p>
@@ -1135,11 +1314,14 @@
       </p:sp>
     </p:spTree>
   </p:cSld>
+  <p:clrMapOvr>
+    <a:masterClrMapping/>
+  </p:clrMapOvr>
 </p:sldLayout>
 </file>
 
 <file path=ppt/slideLayouts/slideLayout21.xml><?xml version="1.0" encoding="utf-8"?>
-<p:sldLayout xmlns:a="http://schemas.openxmlformats.org/drawingml/2006/main" xmlns:p="http://schemas.openxmlformats.org/presentationml/2006/main" xmlns:r="http://schemas.openxmlformats.org/officeDocument/2006/relationships" type="twoObjOverTx" preserve="1">
+<p:sldLayout xmlns:a="http://schemas.openxmlformats.org/drawingml/2006/main" xmlns:r="http://schemas.openxmlformats.org/officeDocument/2006/relationships" xmlns:p="http://schemas.openxmlformats.org/presentationml/2006/main" type="twoObjOverTx" preserve="1">
   <p:cSld name="Title, 2 Content over Content">
     <p:spTree>
       <p:nvGrpSpPr>
@@ -1175,7 +1357,8 @@
           </a:prstGeom>
         </p:spPr>
         <p:txBody>
-          <a:bodyPr lIns="0" rIns="0" tIns="0" bIns="0" anchor="ctr"/>
+          <a:bodyPr lIns="0" tIns="0" rIns="0" bIns="0" anchor="ctr"/>
+          <a:lstStyle/>
           <a:p>
             <a:endParaRPr/>
           </a:p>
@@ -1201,7 +1384,8 @@
           </a:prstGeom>
         </p:spPr>
         <p:txBody>
-          <a:bodyPr lIns="0" rIns="0" tIns="0" bIns="0"/>
+          <a:bodyPr lIns="0" tIns="0" rIns="0" bIns="0"/>
+          <a:lstStyle/>
           <a:p>
             <a:endParaRPr/>
           </a:p>
@@ -1227,7 +1411,8 @@
           </a:prstGeom>
         </p:spPr>
         <p:txBody>
-          <a:bodyPr lIns="0" rIns="0" tIns="0" bIns="0"/>
+          <a:bodyPr lIns="0" tIns="0" rIns="0" bIns="0"/>
+          <a:lstStyle/>
           <a:p>
             <a:endParaRPr/>
           </a:p>
@@ -1253,7 +1438,8 @@
           </a:prstGeom>
         </p:spPr>
         <p:txBody>
-          <a:bodyPr lIns="0" rIns="0" tIns="0" bIns="0"/>
+          <a:bodyPr lIns="0" tIns="0" rIns="0" bIns="0"/>
+          <a:lstStyle/>
           <a:p>
             <a:endParaRPr/>
           </a:p>
@@ -1261,11 +1447,14 @@
       </p:sp>
     </p:spTree>
   </p:cSld>
+  <p:clrMapOvr>
+    <a:masterClrMapping/>
+  </p:clrMapOvr>
 </p:sldLayout>
 </file>
 
 <file path=ppt/slideLayouts/slideLayout22.xml><?xml version="1.0" encoding="utf-8"?>
-<p:sldLayout xmlns:a="http://schemas.openxmlformats.org/drawingml/2006/main" xmlns:p="http://schemas.openxmlformats.org/presentationml/2006/main" xmlns:r="http://schemas.openxmlformats.org/officeDocument/2006/relationships" type="objOverTx" preserve="1">
+<p:sldLayout xmlns:a="http://schemas.openxmlformats.org/drawingml/2006/main" xmlns:r="http://schemas.openxmlformats.org/officeDocument/2006/relationships" xmlns:p="http://schemas.openxmlformats.org/presentationml/2006/main" type="objOverTx" preserve="1">
   <p:cSld name="Title, Content over Content">
     <p:spTree>
       <p:nvGrpSpPr>
@@ -1301,7 +1490,8 @@
           </a:prstGeom>
         </p:spPr>
         <p:txBody>
-          <a:bodyPr lIns="0" rIns="0" tIns="0" bIns="0" anchor="ctr"/>
+          <a:bodyPr lIns="0" tIns="0" rIns="0" bIns="0" anchor="ctr"/>
+          <a:lstStyle/>
           <a:p>
             <a:endParaRPr/>
           </a:p>
@@ -1327,7 +1517,8 @@
           </a:prstGeom>
         </p:spPr>
         <p:txBody>
-          <a:bodyPr lIns="0" rIns="0" tIns="0" bIns="0"/>
+          <a:bodyPr lIns="0" tIns="0" rIns="0" bIns="0"/>
+          <a:lstStyle/>
           <a:p>
             <a:endParaRPr/>
           </a:p>
@@ -1353,7 +1544,8 @@
           </a:prstGeom>
         </p:spPr>
         <p:txBody>
-          <a:bodyPr lIns="0" rIns="0" tIns="0" bIns="0"/>
+          <a:bodyPr lIns="0" tIns="0" rIns="0" bIns="0"/>
+          <a:lstStyle/>
           <a:p>
             <a:endParaRPr/>
           </a:p>
@@ -1361,11 +1553,14 @@
       </p:sp>
     </p:spTree>
   </p:cSld>
+  <p:clrMapOvr>
+    <a:masterClrMapping/>
+  </p:clrMapOvr>
 </p:sldLayout>
 </file>
 
 <file path=ppt/slideLayouts/slideLayout23.xml><?xml version="1.0" encoding="utf-8"?>
-<p:sldLayout xmlns:a="http://schemas.openxmlformats.org/drawingml/2006/main" xmlns:p="http://schemas.openxmlformats.org/presentationml/2006/main" xmlns:r="http://schemas.openxmlformats.org/officeDocument/2006/relationships" type="fourObj" preserve="1">
+<p:sldLayout xmlns:a="http://schemas.openxmlformats.org/drawingml/2006/main" xmlns:r="http://schemas.openxmlformats.org/officeDocument/2006/relationships" xmlns:p="http://schemas.openxmlformats.org/presentationml/2006/main" type="fourObj" preserve="1">
   <p:cSld name="Title, 4 Content">
     <p:spTree>
       <p:nvGrpSpPr>
@@ -1401,7 +1596,8 @@
           </a:prstGeom>
         </p:spPr>
         <p:txBody>
-          <a:bodyPr lIns="0" rIns="0" tIns="0" bIns="0" anchor="ctr"/>
+          <a:bodyPr lIns="0" tIns="0" rIns="0" bIns="0" anchor="ctr"/>
+          <a:lstStyle/>
           <a:p>
             <a:endParaRPr/>
           </a:p>
@@ -1427,7 +1623,8 @@
           </a:prstGeom>
         </p:spPr>
         <p:txBody>
-          <a:bodyPr lIns="0" rIns="0" tIns="0" bIns="0"/>
+          <a:bodyPr lIns="0" tIns="0" rIns="0" bIns="0"/>
+          <a:lstStyle/>
           <a:p>
             <a:endParaRPr/>
           </a:p>
@@ -1453,7 +1650,8 @@
           </a:prstGeom>
         </p:spPr>
         <p:txBody>
-          <a:bodyPr lIns="0" rIns="0" tIns="0" bIns="0"/>
+          <a:bodyPr lIns="0" tIns="0" rIns="0" bIns="0"/>
+          <a:lstStyle/>
           <a:p>
             <a:endParaRPr/>
           </a:p>
@@ -1479,7 +1677,8 @@
           </a:prstGeom>
         </p:spPr>
         <p:txBody>
-          <a:bodyPr lIns="0" rIns="0" tIns="0" bIns="0"/>
+          <a:bodyPr lIns="0" tIns="0" rIns="0" bIns="0"/>
+          <a:lstStyle/>
           <a:p>
             <a:endParaRPr/>
           </a:p>
@@ -1505,7 +1704,8 @@
           </a:prstGeom>
         </p:spPr>
         <p:txBody>
-          <a:bodyPr lIns="0" rIns="0" tIns="0" bIns="0"/>
+          <a:bodyPr lIns="0" tIns="0" rIns="0" bIns="0"/>
+          <a:lstStyle/>
           <a:p>
             <a:endParaRPr/>
           </a:p>
@@ -1513,11 +1713,14 @@
       </p:sp>
     </p:spTree>
   </p:cSld>
+  <p:clrMapOvr>
+    <a:masterClrMapping/>
+  </p:clrMapOvr>
 </p:sldLayout>
 </file>
 
 <file path=ppt/slideLayouts/slideLayout24.xml><?xml version="1.0" encoding="utf-8"?>
-<p:sldLayout xmlns:a="http://schemas.openxmlformats.org/drawingml/2006/main" xmlns:p="http://schemas.openxmlformats.org/presentationml/2006/main" xmlns:r="http://schemas.openxmlformats.org/officeDocument/2006/relationships" type="blank" preserve="1">
+<p:sldLayout xmlns:a="http://schemas.openxmlformats.org/drawingml/2006/main" xmlns:r="http://schemas.openxmlformats.org/officeDocument/2006/relationships" xmlns:p="http://schemas.openxmlformats.org/presentationml/2006/main" type="blank" preserve="1">
   <p:cSld name="Title, 6 Content">
     <p:spTree>
       <p:nvGrpSpPr>
@@ -1553,7 +1756,8 @@
           </a:prstGeom>
         </p:spPr>
         <p:txBody>
-          <a:bodyPr lIns="0" rIns="0" tIns="0" bIns="0" anchor="ctr"/>
+          <a:bodyPr lIns="0" tIns="0" rIns="0" bIns="0" anchor="ctr"/>
+          <a:lstStyle/>
           <a:p>
             <a:endParaRPr/>
           </a:p>
@@ -1579,7 +1783,8 @@
           </a:prstGeom>
         </p:spPr>
         <p:txBody>
-          <a:bodyPr lIns="0" rIns="0" tIns="0" bIns="0"/>
+          <a:bodyPr lIns="0" tIns="0" rIns="0" bIns="0"/>
+          <a:lstStyle/>
           <a:p>
             <a:endParaRPr/>
           </a:p>
@@ -1605,7 +1810,8 @@
           </a:prstGeom>
         </p:spPr>
         <p:txBody>
-          <a:bodyPr lIns="0" rIns="0" tIns="0" bIns="0"/>
+          <a:bodyPr lIns="0" tIns="0" rIns="0" bIns="0"/>
+          <a:lstStyle/>
           <a:p>
             <a:endParaRPr/>
           </a:p>
@@ -1613,7 +1819,7 @@
       </p:sp>
       <p:pic>
         <p:nvPicPr>
-          <p:cNvPr id="76" name="" descr=""/>
+          <p:cNvPr id="76" name="Grafik 75"/>
           <p:cNvPicPr/>
           <p:nvPr/>
         </p:nvPicPr>
@@ -1638,12 +1844,12 @@
       </p:pic>
       <p:pic>
         <p:nvPicPr>
-          <p:cNvPr id="77" name="" descr=""/>
+          <p:cNvPr id="77" name="Grafik 76"/>
           <p:cNvPicPr/>
           <p:nvPr/>
         </p:nvPicPr>
         <p:blipFill>
-          <a:blip r:embed="rId3"/>
+          <a:blip r:embed="rId2"/>
           <a:stretch>
             <a:fillRect/>
           </a:stretch>
@@ -1663,11 +1869,14 @@
       </p:pic>
     </p:spTree>
   </p:cSld>
+  <p:clrMapOvr>
+    <a:masterClrMapping/>
+  </p:clrMapOvr>
 </p:sldLayout>
 </file>
 
 <file path=ppt/slideLayouts/slideLayout3.xml><?xml version="1.0" encoding="utf-8"?>
-<p:sldLayout xmlns:a="http://schemas.openxmlformats.org/drawingml/2006/main" xmlns:p="http://schemas.openxmlformats.org/presentationml/2006/main" xmlns:r="http://schemas.openxmlformats.org/officeDocument/2006/relationships" type="obj" preserve="1">
+<p:sldLayout xmlns:a="http://schemas.openxmlformats.org/drawingml/2006/main" xmlns:r="http://schemas.openxmlformats.org/officeDocument/2006/relationships" xmlns:p="http://schemas.openxmlformats.org/presentationml/2006/main" type="obj" preserve="1">
   <p:cSld name="Title, Content">
     <p:spTree>
       <p:nvGrpSpPr>
@@ -1703,7 +1912,8 @@
           </a:prstGeom>
         </p:spPr>
         <p:txBody>
-          <a:bodyPr lIns="0" rIns="0" tIns="0" bIns="0" anchor="ctr"/>
+          <a:bodyPr lIns="0" tIns="0" rIns="0" bIns="0" anchor="ctr"/>
+          <a:lstStyle/>
           <a:p>
             <a:endParaRPr/>
           </a:p>
@@ -1729,7 +1939,8 @@
           </a:prstGeom>
         </p:spPr>
         <p:txBody>
-          <a:bodyPr lIns="0" rIns="0" tIns="0" bIns="0"/>
+          <a:bodyPr lIns="0" tIns="0" rIns="0" bIns="0"/>
+          <a:lstStyle/>
           <a:p>
             <a:endParaRPr/>
           </a:p>
@@ -1737,11 +1948,14 @@
       </p:sp>
     </p:spTree>
   </p:cSld>
+  <p:clrMapOvr>
+    <a:masterClrMapping/>
+  </p:clrMapOvr>
 </p:sldLayout>
 </file>
 
 <file path=ppt/slideLayouts/slideLayout4.xml><?xml version="1.0" encoding="utf-8"?>
-<p:sldLayout xmlns:a="http://schemas.openxmlformats.org/drawingml/2006/main" xmlns:p="http://schemas.openxmlformats.org/presentationml/2006/main" xmlns:r="http://schemas.openxmlformats.org/officeDocument/2006/relationships" type="twoObj" preserve="1">
+<p:sldLayout xmlns:a="http://schemas.openxmlformats.org/drawingml/2006/main" xmlns:r="http://schemas.openxmlformats.org/officeDocument/2006/relationships" xmlns:p="http://schemas.openxmlformats.org/presentationml/2006/main" type="twoObj" preserve="1">
   <p:cSld name="Title, 2 Content">
     <p:spTree>
       <p:nvGrpSpPr>
@@ -1777,7 +1991,8 @@
           </a:prstGeom>
         </p:spPr>
         <p:txBody>
-          <a:bodyPr lIns="0" rIns="0" tIns="0" bIns="0" anchor="ctr"/>
+          <a:bodyPr lIns="0" tIns="0" rIns="0" bIns="0" anchor="ctr"/>
+          <a:lstStyle/>
           <a:p>
             <a:endParaRPr/>
           </a:p>
@@ -1803,7 +2018,8 @@
           </a:prstGeom>
         </p:spPr>
         <p:txBody>
-          <a:bodyPr lIns="0" rIns="0" tIns="0" bIns="0"/>
+          <a:bodyPr lIns="0" tIns="0" rIns="0" bIns="0"/>
+          <a:lstStyle/>
           <a:p>
             <a:endParaRPr/>
           </a:p>
@@ -1829,7 +2045,8 @@
           </a:prstGeom>
         </p:spPr>
         <p:txBody>
-          <a:bodyPr lIns="0" rIns="0" tIns="0" bIns="0"/>
+          <a:bodyPr lIns="0" tIns="0" rIns="0" bIns="0"/>
+          <a:lstStyle/>
           <a:p>
             <a:endParaRPr/>
           </a:p>
@@ -1837,11 +2054,14 @@
       </p:sp>
     </p:spTree>
   </p:cSld>
+  <p:clrMapOvr>
+    <a:masterClrMapping/>
+  </p:clrMapOvr>
 </p:sldLayout>
 </file>
 
 <file path=ppt/slideLayouts/slideLayout5.xml><?xml version="1.0" encoding="utf-8"?>
-<p:sldLayout xmlns:a="http://schemas.openxmlformats.org/drawingml/2006/main" xmlns:p="http://schemas.openxmlformats.org/presentationml/2006/main" xmlns:r="http://schemas.openxmlformats.org/officeDocument/2006/relationships" type="titleOnly" preserve="1">
+<p:sldLayout xmlns:a="http://schemas.openxmlformats.org/drawingml/2006/main" xmlns:r="http://schemas.openxmlformats.org/officeDocument/2006/relationships" xmlns:p="http://schemas.openxmlformats.org/presentationml/2006/main" type="titleOnly" preserve="1">
   <p:cSld name="Title Only">
     <p:spTree>
       <p:nvGrpSpPr>
@@ -1877,7 +2097,8 @@
           </a:prstGeom>
         </p:spPr>
         <p:txBody>
-          <a:bodyPr lIns="0" rIns="0" tIns="0" bIns="0" anchor="ctr"/>
+          <a:bodyPr lIns="0" tIns="0" rIns="0" bIns="0" anchor="ctr"/>
+          <a:lstStyle/>
           <a:p>
             <a:endParaRPr/>
           </a:p>
@@ -1885,11 +2106,14 @@
       </p:sp>
     </p:spTree>
   </p:cSld>
+  <p:clrMapOvr>
+    <a:masterClrMapping/>
+  </p:clrMapOvr>
 </p:sldLayout>
 </file>
 
 <file path=ppt/slideLayouts/slideLayout6.xml><?xml version="1.0" encoding="utf-8"?>
-<p:sldLayout xmlns:a="http://schemas.openxmlformats.org/drawingml/2006/main" xmlns:p="http://schemas.openxmlformats.org/presentationml/2006/main" xmlns:r="http://schemas.openxmlformats.org/officeDocument/2006/relationships" type="objOnly" preserve="1">
+<p:sldLayout xmlns:a="http://schemas.openxmlformats.org/drawingml/2006/main" xmlns:r="http://schemas.openxmlformats.org/officeDocument/2006/relationships" xmlns:p="http://schemas.openxmlformats.org/presentationml/2006/main" type="objOnly" preserve="1">
   <p:cSld name="Centered Text">
     <p:spTree>
       <p:nvGrpSpPr>
@@ -1925,7 +2149,8 @@
           </a:prstGeom>
         </p:spPr>
         <p:txBody>
-          <a:bodyPr lIns="0" rIns="0" tIns="0" bIns="0" anchor="ctr"/>
+          <a:bodyPr lIns="0" tIns="0" rIns="0" bIns="0" anchor="ctr"/>
+          <a:lstStyle/>
           <a:p>
             <a:pPr algn="ctr"/>
             <a:endParaRPr/>
@@ -1934,11 +2159,14 @@
       </p:sp>
     </p:spTree>
   </p:cSld>
+  <p:clrMapOvr>
+    <a:masterClrMapping/>
+  </p:clrMapOvr>
 </p:sldLayout>
 </file>
 
 <file path=ppt/slideLayouts/slideLayout7.xml><?xml version="1.0" encoding="utf-8"?>
-<p:sldLayout xmlns:a="http://schemas.openxmlformats.org/drawingml/2006/main" xmlns:p="http://schemas.openxmlformats.org/presentationml/2006/main" xmlns:r="http://schemas.openxmlformats.org/officeDocument/2006/relationships" type="twoObjAndObj" preserve="1">
+<p:sldLayout xmlns:a="http://schemas.openxmlformats.org/drawingml/2006/main" xmlns:r="http://schemas.openxmlformats.org/officeDocument/2006/relationships" xmlns:p="http://schemas.openxmlformats.org/presentationml/2006/main" type="twoObjAndObj" preserve="1">
   <p:cSld name="Title, 2 Content and Content">
     <p:spTree>
       <p:nvGrpSpPr>
@@ -1974,7 +2202,8 @@
           </a:prstGeom>
         </p:spPr>
         <p:txBody>
-          <a:bodyPr lIns="0" rIns="0" tIns="0" bIns="0" anchor="ctr"/>
+          <a:bodyPr lIns="0" tIns="0" rIns="0" bIns="0" anchor="ctr"/>
+          <a:lstStyle/>
           <a:p>
             <a:endParaRPr/>
           </a:p>
@@ -2000,7 +2229,8 @@
           </a:prstGeom>
         </p:spPr>
         <p:txBody>
-          <a:bodyPr lIns="0" rIns="0" tIns="0" bIns="0"/>
+          <a:bodyPr lIns="0" tIns="0" rIns="0" bIns="0"/>
+          <a:lstStyle/>
           <a:p>
             <a:endParaRPr/>
           </a:p>
@@ -2026,7 +2256,8 @@
           </a:prstGeom>
         </p:spPr>
         <p:txBody>
-          <a:bodyPr lIns="0" rIns="0" tIns="0" bIns="0"/>
+          <a:bodyPr lIns="0" tIns="0" rIns="0" bIns="0"/>
+          <a:lstStyle/>
           <a:p>
             <a:endParaRPr/>
           </a:p>
@@ -2052,7 +2283,8 @@
           </a:prstGeom>
         </p:spPr>
         <p:txBody>
-          <a:bodyPr lIns="0" rIns="0" tIns="0" bIns="0"/>
+          <a:bodyPr lIns="0" tIns="0" rIns="0" bIns="0"/>
+          <a:lstStyle/>
           <a:p>
             <a:endParaRPr/>
           </a:p>
@@ -2060,11 +2292,14 @@
       </p:sp>
     </p:spTree>
   </p:cSld>
+  <p:clrMapOvr>
+    <a:masterClrMapping/>
+  </p:clrMapOvr>
 </p:sldLayout>
 </file>
 
 <file path=ppt/slideLayouts/slideLayout8.xml><?xml version="1.0" encoding="utf-8"?>
-<p:sldLayout xmlns:a="http://schemas.openxmlformats.org/drawingml/2006/main" xmlns:p="http://schemas.openxmlformats.org/presentationml/2006/main" xmlns:r="http://schemas.openxmlformats.org/officeDocument/2006/relationships" type="objAndTwoObj" preserve="1">
+<p:sldLayout xmlns:a="http://schemas.openxmlformats.org/drawingml/2006/main" xmlns:r="http://schemas.openxmlformats.org/officeDocument/2006/relationships" xmlns:p="http://schemas.openxmlformats.org/presentationml/2006/main" type="objAndTwoObj" preserve="1">
   <p:cSld name="Title Content and 2 Content">
     <p:spTree>
       <p:nvGrpSpPr>
@@ -2100,7 +2335,8 @@
           </a:prstGeom>
         </p:spPr>
         <p:txBody>
-          <a:bodyPr lIns="0" rIns="0" tIns="0" bIns="0" anchor="ctr"/>
+          <a:bodyPr lIns="0" tIns="0" rIns="0" bIns="0" anchor="ctr"/>
+          <a:lstStyle/>
           <a:p>
             <a:endParaRPr/>
           </a:p>
@@ -2126,7 +2362,8 @@
           </a:prstGeom>
         </p:spPr>
         <p:txBody>
-          <a:bodyPr lIns="0" rIns="0" tIns="0" bIns="0"/>
+          <a:bodyPr lIns="0" tIns="0" rIns="0" bIns="0"/>
+          <a:lstStyle/>
           <a:p>
             <a:endParaRPr/>
           </a:p>
@@ -2152,7 +2389,8 @@
           </a:prstGeom>
         </p:spPr>
         <p:txBody>
-          <a:bodyPr lIns="0" rIns="0" tIns="0" bIns="0"/>
+          <a:bodyPr lIns="0" tIns="0" rIns="0" bIns="0"/>
+          <a:lstStyle/>
           <a:p>
             <a:endParaRPr/>
           </a:p>
@@ -2178,7 +2416,8 @@
           </a:prstGeom>
         </p:spPr>
         <p:txBody>
-          <a:bodyPr lIns="0" rIns="0" tIns="0" bIns="0"/>
+          <a:bodyPr lIns="0" tIns="0" rIns="0" bIns="0"/>
+          <a:lstStyle/>
           <a:p>
             <a:endParaRPr/>
           </a:p>
@@ -2186,11 +2425,14 @@
       </p:sp>
     </p:spTree>
   </p:cSld>
+  <p:clrMapOvr>
+    <a:masterClrMapping/>
+  </p:clrMapOvr>
 </p:sldLayout>
 </file>
 
 <file path=ppt/slideLayouts/slideLayout9.xml><?xml version="1.0" encoding="utf-8"?>
-<p:sldLayout xmlns:a="http://schemas.openxmlformats.org/drawingml/2006/main" xmlns:p="http://schemas.openxmlformats.org/presentationml/2006/main" xmlns:r="http://schemas.openxmlformats.org/officeDocument/2006/relationships" type="twoObjOverTx" preserve="1">
+<p:sldLayout xmlns:a="http://schemas.openxmlformats.org/drawingml/2006/main" xmlns:r="http://schemas.openxmlformats.org/officeDocument/2006/relationships" xmlns:p="http://schemas.openxmlformats.org/presentationml/2006/main" type="twoObjOverTx" preserve="1">
   <p:cSld name="Title, 2 Content over Content">
     <p:spTree>
       <p:nvGrpSpPr>
@@ -2226,7 +2468,8 @@
           </a:prstGeom>
         </p:spPr>
         <p:txBody>
-          <a:bodyPr lIns="0" rIns="0" tIns="0" bIns="0" anchor="ctr"/>
+          <a:bodyPr lIns="0" tIns="0" rIns="0" bIns="0" anchor="ctr"/>
+          <a:lstStyle/>
           <a:p>
             <a:endParaRPr/>
           </a:p>
@@ -2252,7 +2495,8 @@
           </a:prstGeom>
         </p:spPr>
         <p:txBody>
-          <a:bodyPr lIns="0" rIns="0" tIns="0" bIns="0"/>
+          <a:bodyPr lIns="0" tIns="0" rIns="0" bIns="0"/>
+          <a:lstStyle/>
           <a:p>
             <a:endParaRPr/>
           </a:p>
@@ -2278,7 +2522,8 @@
           </a:prstGeom>
         </p:spPr>
         <p:txBody>
-          <a:bodyPr lIns="0" rIns="0" tIns="0" bIns="0"/>
+          <a:bodyPr lIns="0" tIns="0" rIns="0" bIns="0"/>
+          <a:lstStyle/>
           <a:p>
             <a:endParaRPr/>
           </a:p>
@@ -2304,7 +2549,8 @@
           </a:prstGeom>
         </p:spPr>
         <p:txBody>
-          <a:bodyPr lIns="0" rIns="0" tIns="0" bIns="0"/>
+          <a:bodyPr lIns="0" tIns="0" rIns="0" bIns="0"/>
+          <a:lstStyle/>
           <a:p>
             <a:endParaRPr/>
           </a:p>
@@ -2312,17 +2558,21 @@
       </p:sp>
     </p:spTree>
   </p:cSld>
+  <p:clrMapOvr>
+    <a:masterClrMapping/>
+  </p:clrMapOvr>
 </p:sldLayout>
 </file>
 
 <file path=ppt/slideMasters/slideMaster1.xml><?xml version="1.0" encoding="utf-8"?>
-<p:sldMaster xmlns:a="http://schemas.openxmlformats.org/drawingml/2006/main" xmlns:p="http://schemas.openxmlformats.org/presentationml/2006/main" xmlns:r="http://schemas.openxmlformats.org/officeDocument/2006/relationships">
+<p:sldMaster xmlns:a="http://schemas.openxmlformats.org/drawingml/2006/main" xmlns:r="http://schemas.openxmlformats.org/officeDocument/2006/relationships" xmlns:p="http://schemas.openxmlformats.org/presentationml/2006/main">
   <p:cSld>
     <p:bg>
       <p:bgPr>
         <a:solidFill>
-          <a:srgbClr val="ffffff"/>
+          <a:srgbClr val="FFFFFF"/>
         </a:solidFill>
+        <a:effectLst/>
       </p:bgPr>
     </p:bg>
     <p:spTree>
@@ -2341,7 +2591,7 @@
       </p:grpSpPr>
       <p:sp>
         <p:nvSpPr>
-          <p:cNvPr id="0" name="PlaceHolder 1"/>
+          <p:cNvPr id="5" name="PlaceHolder 1"/>
           <p:cNvSpPr>
             <a:spLocks noGrp="1"/>
           </p:cNvSpPr>
@@ -2360,6 +2610,7 @@
         </p:spPr>
         <p:txBody>
           <a:bodyPr anchor="b"/>
+          <a:lstStyle/>
           <a:p>
             <a:pPr algn="ctr">
               <a:lnSpc>
@@ -2381,7 +2632,7 @@
       </p:sp>
       <p:sp>
         <p:nvSpPr>
-          <p:cNvPr id="1" name="PlaceHolder 2"/>
+          <p:cNvPr id="6" name="PlaceHolder 2"/>
           <p:cNvSpPr>
             <a:spLocks noGrp="1"/>
           </p:cNvSpPr>
@@ -2400,6 +2651,7 @@
         </p:spPr>
         <p:txBody>
           <a:bodyPr anchor="ctr"/>
+          <a:lstStyle/>
           <a:p>
             <a:pPr>
               <a:lnSpc>
@@ -2409,7 +2661,7 @@
             <a:r>
               <a:rPr lang="en-US" sz="1200">
                 <a:solidFill>
-                  <a:srgbClr val="8b8b8b"/>
+                  <a:srgbClr val="8B8B8B"/>
                 </a:solidFill>
                 <a:latin typeface="Calibri"/>
               </a:rPr>
@@ -2440,6 +2692,7 @@
         </p:spPr>
         <p:txBody>
           <a:bodyPr anchor="ctr"/>
+          <a:lstStyle/>
           <a:p>
             <a:endParaRPr/>
           </a:p>
@@ -2466,6 +2719,7 @@
         </p:spPr>
         <p:txBody>
           <a:bodyPr anchor="ctr"/>
+          <a:lstStyle/>
           <a:p>
             <a:pPr algn="r">
               <a:lnSpc>
@@ -2475,11 +2729,11 @@
             <a:fld id="{C7BC2036-8369-4774-9B20-122FFEC4A081}" type="slidenum">
               <a:rPr lang="en-US" sz="1200">
                 <a:solidFill>
-                  <a:srgbClr val="8b8b8b"/>
+                  <a:srgbClr val="8B8B8B"/>
                 </a:solidFill>
                 <a:latin typeface="Calibri"/>
               </a:rPr>
-              <a:t>&lt;number&gt;</a:t>
+              <a:t>‹Nr.›</a:t>
             </a:fld>
             <a:endParaRPr/>
           </a:p>
@@ -2505,7 +2759,8 @@
           </a:prstGeom>
         </p:spPr>
         <p:txBody>
-          <a:bodyPr lIns="0" rIns="0" tIns="0" bIns="0"/>
+          <a:bodyPr lIns="0" tIns="0" rIns="0" bIns="0"/>
+          <a:lstStyle/>
           <a:p>
             <a:pPr>
               <a:buSzPct val="45000"/>
@@ -2608,32 +2863,313 @@
       </p:sp>
     </p:spTree>
   </p:cSld>
-  <p:clrMap bg1="lt1" bg2="lt2" tx1="dk1" tx2="dk2" accent1="accent1" accent2="accent2" accent3="accent3" accent4="accent4" accent5="accent5" accent6="accent6" hlink="hlink" folHlink="folHlink"/>
+  <p:clrMap bg1="lt1" tx1="dk1" bg2="lt2" tx2="dk2" accent1="accent1" accent2="accent2" accent3="accent3" accent4="accent4" accent5="accent5" accent6="accent6" hlink="hlink" folHlink="folHlink"/>
   <p:sldLayoutIdLst>
-    <p:sldLayoutId id="2147483649" r:id="rId2"/>
-    <p:sldLayoutId id="2147483650" r:id="rId3"/>
-    <p:sldLayoutId id="2147483651" r:id="rId4"/>
-    <p:sldLayoutId id="2147483652" r:id="rId5"/>
-    <p:sldLayoutId id="2147483653" r:id="rId6"/>
-    <p:sldLayoutId id="2147483654" r:id="rId7"/>
-    <p:sldLayoutId id="2147483655" r:id="rId8"/>
-    <p:sldLayoutId id="2147483656" r:id="rId9"/>
-    <p:sldLayoutId id="2147483657" r:id="rId10"/>
-    <p:sldLayoutId id="2147483658" r:id="rId11"/>
-    <p:sldLayoutId id="2147483659" r:id="rId12"/>
-    <p:sldLayoutId id="2147483660" r:id="rId13"/>
+    <p:sldLayoutId id="2147483649" r:id="rId1"/>
+    <p:sldLayoutId id="2147483650" r:id="rId2"/>
+    <p:sldLayoutId id="2147483651" r:id="rId3"/>
+    <p:sldLayoutId id="2147483652" r:id="rId4"/>
+    <p:sldLayoutId id="2147483653" r:id="rId5"/>
+    <p:sldLayoutId id="2147483654" r:id="rId6"/>
+    <p:sldLayoutId id="2147483655" r:id="rId7"/>
+    <p:sldLayoutId id="2147483656" r:id="rId8"/>
+    <p:sldLayoutId id="2147483657" r:id="rId9"/>
+    <p:sldLayoutId id="2147483658" r:id="rId10"/>
+    <p:sldLayoutId id="2147483659" r:id="rId11"/>
+    <p:sldLayoutId id="2147483660" r:id="rId12"/>
   </p:sldLayoutIdLst>
+  <p:txStyles>
+    <p:titleStyle>
+      <a:lvl1pPr algn="l" defTabSz="914400" rtl="0" eaLnBrk="1" latinLnBrk="0" hangingPunct="1">
+        <a:lnSpc>
+          <a:spcPct val="90000"/>
+        </a:lnSpc>
+        <a:spcBef>
+          <a:spcPct val="0"/>
+        </a:spcBef>
+        <a:buNone/>
+        <a:defRPr sz="4400" kern="1200">
+          <a:solidFill>
+            <a:schemeClr val="tx1"/>
+          </a:solidFill>
+          <a:latin typeface="+mj-lt"/>
+          <a:ea typeface="+mj-ea"/>
+          <a:cs typeface="+mj-cs"/>
+        </a:defRPr>
+      </a:lvl1pPr>
+    </p:titleStyle>
+    <p:bodyStyle>
+      <a:lvl1pPr marL="228600" indent="-228600" algn="l" defTabSz="914400" rtl="0" eaLnBrk="1" latinLnBrk="0" hangingPunct="1">
+        <a:lnSpc>
+          <a:spcPct val="90000"/>
+        </a:lnSpc>
+        <a:spcBef>
+          <a:spcPts val="1000"/>
+        </a:spcBef>
+        <a:buFont typeface="Arial" panose="020B0604020202020204" pitchFamily="34" charset="0"/>
+        <a:buChar char="•"/>
+        <a:defRPr sz="2800" kern="1200">
+          <a:solidFill>
+            <a:schemeClr val="tx1"/>
+          </a:solidFill>
+          <a:latin typeface="+mn-lt"/>
+          <a:ea typeface="+mn-ea"/>
+          <a:cs typeface="+mn-cs"/>
+        </a:defRPr>
+      </a:lvl1pPr>
+      <a:lvl2pPr marL="685800" indent="-228600" algn="l" defTabSz="914400" rtl="0" eaLnBrk="1" latinLnBrk="0" hangingPunct="1">
+        <a:lnSpc>
+          <a:spcPct val="90000"/>
+        </a:lnSpc>
+        <a:spcBef>
+          <a:spcPts val="500"/>
+        </a:spcBef>
+        <a:buFont typeface="Arial" panose="020B0604020202020204" pitchFamily="34" charset="0"/>
+        <a:buChar char="•"/>
+        <a:defRPr sz="2400" kern="1200">
+          <a:solidFill>
+            <a:schemeClr val="tx1"/>
+          </a:solidFill>
+          <a:latin typeface="+mn-lt"/>
+          <a:ea typeface="+mn-ea"/>
+          <a:cs typeface="+mn-cs"/>
+        </a:defRPr>
+      </a:lvl2pPr>
+      <a:lvl3pPr marL="1143000" indent="-228600" algn="l" defTabSz="914400" rtl="0" eaLnBrk="1" latinLnBrk="0" hangingPunct="1">
+        <a:lnSpc>
+          <a:spcPct val="90000"/>
+        </a:lnSpc>
+        <a:spcBef>
+          <a:spcPts val="500"/>
+        </a:spcBef>
+        <a:buFont typeface="Arial" panose="020B0604020202020204" pitchFamily="34" charset="0"/>
+        <a:buChar char="•"/>
+        <a:defRPr sz="2000" kern="1200">
+          <a:solidFill>
+            <a:schemeClr val="tx1"/>
+          </a:solidFill>
+          <a:latin typeface="+mn-lt"/>
+          <a:ea typeface="+mn-ea"/>
+          <a:cs typeface="+mn-cs"/>
+        </a:defRPr>
+      </a:lvl3pPr>
+      <a:lvl4pPr marL="1600200" indent="-228600" algn="l" defTabSz="914400" rtl="0" eaLnBrk="1" latinLnBrk="0" hangingPunct="1">
+        <a:lnSpc>
+          <a:spcPct val="90000"/>
+        </a:lnSpc>
+        <a:spcBef>
+          <a:spcPts val="500"/>
+        </a:spcBef>
+        <a:buFont typeface="Arial" panose="020B0604020202020204" pitchFamily="34" charset="0"/>
+        <a:buChar char="•"/>
+        <a:defRPr sz="1800" kern="1200">
+          <a:solidFill>
+            <a:schemeClr val="tx1"/>
+          </a:solidFill>
+          <a:latin typeface="+mn-lt"/>
+          <a:ea typeface="+mn-ea"/>
+          <a:cs typeface="+mn-cs"/>
+        </a:defRPr>
+      </a:lvl4pPr>
+      <a:lvl5pPr marL="2057400" indent="-228600" algn="l" defTabSz="914400" rtl="0" eaLnBrk="1" latinLnBrk="0" hangingPunct="1">
+        <a:lnSpc>
+          <a:spcPct val="90000"/>
+        </a:lnSpc>
+        <a:spcBef>
+          <a:spcPts val="500"/>
+        </a:spcBef>
+        <a:buFont typeface="Arial" panose="020B0604020202020204" pitchFamily="34" charset="0"/>
+        <a:buChar char="•"/>
+        <a:defRPr sz="1800" kern="1200">
+          <a:solidFill>
+            <a:schemeClr val="tx1"/>
+          </a:solidFill>
+          <a:latin typeface="+mn-lt"/>
+          <a:ea typeface="+mn-ea"/>
+          <a:cs typeface="+mn-cs"/>
+        </a:defRPr>
+      </a:lvl5pPr>
+      <a:lvl6pPr marL="2514600" indent="-228600" algn="l" defTabSz="914400" rtl="0" eaLnBrk="1" latinLnBrk="0" hangingPunct="1">
+        <a:lnSpc>
+          <a:spcPct val="90000"/>
+        </a:lnSpc>
+        <a:spcBef>
+          <a:spcPts val="500"/>
+        </a:spcBef>
+        <a:buFont typeface="Arial" panose="020B0604020202020204" pitchFamily="34" charset="0"/>
+        <a:buChar char="•"/>
+        <a:defRPr sz="1800" kern="1200">
+          <a:solidFill>
+            <a:schemeClr val="tx1"/>
+          </a:solidFill>
+          <a:latin typeface="+mn-lt"/>
+          <a:ea typeface="+mn-ea"/>
+          <a:cs typeface="+mn-cs"/>
+        </a:defRPr>
+      </a:lvl6pPr>
+      <a:lvl7pPr marL="2971800" indent="-228600" algn="l" defTabSz="914400" rtl="0" eaLnBrk="1" latinLnBrk="0" hangingPunct="1">
+        <a:lnSpc>
+          <a:spcPct val="90000"/>
+        </a:lnSpc>
+        <a:spcBef>
+          <a:spcPts val="500"/>
+        </a:spcBef>
+        <a:buFont typeface="Arial" panose="020B0604020202020204" pitchFamily="34" charset="0"/>
+        <a:buChar char="•"/>
+        <a:defRPr sz="1800" kern="1200">
+          <a:solidFill>
+            <a:schemeClr val="tx1"/>
+          </a:solidFill>
+          <a:latin typeface="+mn-lt"/>
+          <a:ea typeface="+mn-ea"/>
+          <a:cs typeface="+mn-cs"/>
+        </a:defRPr>
+      </a:lvl7pPr>
+      <a:lvl8pPr marL="3429000" indent="-228600" algn="l" defTabSz="914400" rtl="0" eaLnBrk="1" latinLnBrk="0" hangingPunct="1">
+        <a:lnSpc>
+          <a:spcPct val="90000"/>
+        </a:lnSpc>
+        <a:spcBef>
+          <a:spcPts val="500"/>
+        </a:spcBef>
+        <a:buFont typeface="Arial" panose="020B0604020202020204" pitchFamily="34" charset="0"/>
+        <a:buChar char="•"/>
+        <a:defRPr sz="1800" kern="1200">
+          <a:solidFill>
+            <a:schemeClr val="tx1"/>
+          </a:solidFill>
+          <a:latin typeface="+mn-lt"/>
+          <a:ea typeface="+mn-ea"/>
+          <a:cs typeface="+mn-cs"/>
+        </a:defRPr>
+      </a:lvl8pPr>
+      <a:lvl9pPr marL="3886200" indent="-228600" algn="l" defTabSz="914400" rtl="0" eaLnBrk="1" latinLnBrk="0" hangingPunct="1">
+        <a:lnSpc>
+          <a:spcPct val="90000"/>
+        </a:lnSpc>
+        <a:spcBef>
+          <a:spcPts val="500"/>
+        </a:spcBef>
+        <a:buFont typeface="Arial" panose="020B0604020202020204" pitchFamily="34" charset="0"/>
+        <a:buChar char="•"/>
+        <a:defRPr sz="1800" kern="1200">
+          <a:solidFill>
+            <a:schemeClr val="tx1"/>
+          </a:solidFill>
+          <a:latin typeface="+mn-lt"/>
+          <a:ea typeface="+mn-ea"/>
+          <a:cs typeface="+mn-cs"/>
+        </a:defRPr>
+      </a:lvl9pPr>
+    </p:bodyStyle>
+    <p:otherStyle>
+      <a:defPPr>
+        <a:defRPr lang="de-DE"/>
+      </a:defPPr>
+      <a:lvl1pPr marL="0" algn="l" defTabSz="914400" rtl="0" eaLnBrk="1" latinLnBrk="0" hangingPunct="1">
+        <a:defRPr sz="1800" kern="1200">
+          <a:solidFill>
+            <a:schemeClr val="tx1"/>
+          </a:solidFill>
+          <a:latin typeface="+mn-lt"/>
+          <a:ea typeface="+mn-ea"/>
+          <a:cs typeface="+mn-cs"/>
+        </a:defRPr>
+      </a:lvl1pPr>
+      <a:lvl2pPr marL="457200" algn="l" defTabSz="914400" rtl="0" eaLnBrk="1" latinLnBrk="0" hangingPunct="1">
+        <a:defRPr sz="1800" kern="1200">
+          <a:solidFill>
+            <a:schemeClr val="tx1"/>
+          </a:solidFill>
+          <a:latin typeface="+mn-lt"/>
+          <a:ea typeface="+mn-ea"/>
+          <a:cs typeface="+mn-cs"/>
+        </a:defRPr>
+      </a:lvl2pPr>
+      <a:lvl3pPr marL="914400" algn="l" defTabSz="914400" rtl="0" eaLnBrk="1" latinLnBrk="0" hangingPunct="1">
+        <a:defRPr sz="1800" kern="1200">
+          <a:solidFill>
+            <a:schemeClr val="tx1"/>
+          </a:solidFill>
+          <a:latin typeface="+mn-lt"/>
+          <a:ea typeface="+mn-ea"/>
+          <a:cs typeface="+mn-cs"/>
+        </a:defRPr>
+      </a:lvl3pPr>
+      <a:lvl4pPr marL="1371600" algn="l" defTabSz="914400" rtl="0" eaLnBrk="1" latinLnBrk="0" hangingPunct="1">
+        <a:defRPr sz="1800" kern="1200">
+          <a:solidFill>
+            <a:schemeClr val="tx1"/>
+          </a:solidFill>
+          <a:latin typeface="+mn-lt"/>
+          <a:ea typeface="+mn-ea"/>
+          <a:cs typeface="+mn-cs"/>
+        </a:defRPr>
+      </a:lvl4pPr>
+      <a:lvl5pPr marL="1828800" algn="l" defTabSz="914400" rtl="0" eaLnBrk="1" latinLnBrk="0" hangingPunct="1">
+        <a:defRPr sz="1800" kern="1200">
+          <a:solidFill>
+            <a:schemeClr val="tx1"/>
+          </a:solidFill>
+          <a:latin typeface="+mn-lt"/>
+          <a:ea typeface="+mn-ea"/>
+          <a:cs typeface="+mn-cs"/>
+        </a:defRPr>
+      </a:lvl5pPr>
+      <a:lvl6pPr marL="2286000" algn="l" defTabSz="914400" rtl="0" eaLnBrk="1" latinLnBrk="0" hangingPunct="1">
+        <a:defRPr sz="1800" kern="1200">
+          <a:solidFill>
+            <a:schemeClr val="tx1"/>
+          </a:solidFill>
+          <a:latin typeface="+mn-lt"/>
+          <a:ea typeface="+mn-ea"/>
+          <a:cs typeface="+mn-cs"/>
+        </a:defRPr>
+      </a:lvl6pPr>
+      <a:lvl7pPr marL="2743200" algn="l" defTabSz="914400" rtl="0" eaLnBrk="1" latinLnBrk="0" hangingPunct="1">
+        <a:defRPr sz="1800" kern="1200">
+          <a:solidFill>
+            <a:schemeClr val="tx1"/>
+          </a:solidFill>
+          <a:latin typeface="+mn-lt"/>
+          <a:ea typeface="+mn-ea"/>
+          <a:cs typeface="+mn-cs"/>
+        </a:defRPr>
+      </a:lvl7pPr>
+      <a:lvl8pPr marL="3200400" algn="l" defTabSz="914400" rtl="0" eaLnBrk="1" latinLnBrk="0" hangingPunct="1">
+        <a:defRPr sz="1800" kern="1200">
+          <a:solidFill>
+            <a:schemeClr val="tx1"/>
+          </a:solidFill>
+          <a:latin typeface="+mn-lt"/>
+          <a:ea typeface="+mn-ea"/>
+          <a:cs typeface="+mn-cs"/>
+        </a:defRPr>
+      </a:lvl8pPr>
+      <a:lvl9pPr marL="3657600" algn="l" defTabSz="914400" rtl="0" eaLnBrk="1" latinLnBrk="0" hangingPunct="1">
+        <a:defRPr sz="1800" kern="1200">
+          <a:solidFill>
+            <a:schemeClr val="tx1"/>
+          </a:solidFill>
+          <a:latin typeface="+mn-lt"/>
+          <a:ea typeface="+mn-ea"/>
+          <a:cs typeface="+mn-cs"/>
+        </a:defRPr>
+      </a:lvl9pPr>
+    </p:otherStyle>
+  </p:txStyles>
 </p:sldMaster>
 </file>
 
 <file path=ppt/slideMasters/slideMaster2.xml><?xml version="1.0" encoding="utf-8"?>
-<p:sldMaster xmlns:a="http://schemas.openxmlformats.org/drawingml/2006/main" xmlns:p="http://schemas.openxmlformats.org/presentationml/2006/main" xmlns:r="http://schemas.openxmlformats.org/officeDocument/2006/relationships">
+<p:sldMaster xmlns:a="http://schemas.openxmlformats.org/drawingml/2006/main" xmlns:r="http://schemas.openxmlformats.org/officeDocument/2006/relationships" xmlns:p="http://schemas.openxmlformats.org/presentationml/2006/main">
   <p:cSld>
     <p:bg>
       <p:bgPr>
         <a:solidFill>
-          <a:srgbClr val="ffffff"/>
+          <a:srgbClr val="FFFFFF"/>
         </a:solidFill>
+        <a:effectLst/>
       </p:bgPr>
     </p:bg>
     <p:spTree>
@@ -2671,6 +3207,7 @@
         </p:spPr>
         <p:txBody>
           <a:bodyPr anchor="ctr"/>
+          <a:lstStyle/>
           <a:p>
             <a:pPr>
               <a:lnSpc>
@@ -2711,6 +3248,7 @@
         </p:spPr>
         <p:txBody>
           <a:bodyPr/>
+          <a:lstStyle/>
           <a:p>
             <a:pPr>
               <a:buSzPct val="45000"/>
@@ -2931,6 +3469,7 @@
         </p:spPr>
         <p:txBody>
           <a:bodyPr anchor="ctr"/>
+          <a:lstStyle/>
           <a:p>
             <a:pPr>
               <a:lnSpc>
@@ -2940,7 +3479,7 @@
             <a:r>
               <a:rPr lang="en-US" sz="1200">
                 <a:solidFill>
-                  <a:srgbClr val="8b8b8b"/>
+                  <a:srgbClr val="8B8B8B"/>
                 </a:solidFill>
                 <a:latin typeface="Calibri"/>
               </a:rPr>
@@ -2971,6 +3510,7 @@
         </p:spPr>
         <p:txBody>
           <a:bodyPr anchor="ctr"/>
+          <a:lstStyle/>
           <a:p>
             <a:endParaRPr/>
           </a:p>
@@ -2997,6 +3537,7 @@
         </p:spPr>
         <p:txBody>
           <a:bodyPr anchor="ctr"/>
+          <a:lstStyle/>
           <a:p>
             <a:pPr algn="r">
               <a:lnSpc>
@@ -3006,11 +3547,11 @@
             <a:fld id="{0CA891AB-DC12-49FB-A39D-7A61888D5366}" type="slidenum">
               <a:rPr lang="en-US" sz="1200">
                 <a:solidFill>
-                  <a:srgbClr val="8b8b8b"/>
+                  <a:srgbClr val="8B8B8B"/>
                 </a:solidFill>
                 <a:latin typeface="Calibri"/>
               </a:rPr>
-              <a:t>&lt;number&gt;</a:t>
+              <a:t>‹Nr.›</a:t>
             </a:fld>
             <a:endParaRPr/>
           </a:p>
@@ -3018,26 +3559,306 @@
       </p:sp>
     </p:spTree>
   </p:cSld>
-  <p:clrMap bg1="lt1" bg2="lt2" tx1="dk1" tx2="dk2" accent1="accent1" accent2="accent2" accent3="accent3" accent4="accent4" accent5="accent5" accent6="accent6" hlink="hlink" folHlink="folHlink"/>
+  <p:clrMap bg1="lt1" tx1="dk1" bg2="lt2" tx2="dk2" accent1="accent1" accent2="accent2" accent3="accent3" accent4="accent4" accent5="accent5" accent6="accent6" hlink="hlink" folHlink="folHlink"/>
   <p:sldLayoutIdLst>
-    <p:sldLayoutId id="2147483662" r:id="rId2"/>
-    <p:sldLayoutId id="2147483663" r:id="rId3"/>
-    <p:sldLayoutId id="2147483664" r:id="rId4"/>
-    <p:sldLayoutId id="2147483665" r:id="rId5"/>
-    <p:sldLayoutId id="2147483666" r:id="rId6"/>
-    <p:sldLayoutId id="2147483667" r:id="rId7"/>
-    <p:sldLayoutId id="2147483668" r:id="rId8"/>
-    <p:sldLayoutId id="2147483669" r:id="rId9"/>
-    <p:sldLayoutId id="2147483670" r:id="rId10"/>
-    <p:sldLayoutId id="2147483671" r:id="rId11"/>
-    <p:sldLayoutId id="2147483672" r:id="rId12"/>
-    <p:sldLayoutId id="2147483673" r:id="rId13"/>
+    <p:sldLayoutId id="2147483662" r:id="rId1"/>
+    <p:sldLayoutId id="2147483663" r:id="rId2"/>
+    <p:sldLayoutId id="2147483664" r:id="rId3"/>
+    <p:sldLayoutId id="2147483665" r:id="rId4"/>
+    <p:sldLayoutId id="2147483666" r:id="rId5"/>
+    <p:sldLayoutId id="2147483667" r:id="rId6"/>
+    <p:sldLayoutId id="2147483668" r:id="rId7"/>
+    <p:sldLayoutId id="2147483669" r:id="rId8"/>
+    <p:sldLayoutId id="2147483670" r:id="rId9"/>
+    <p:sldLayoutId id="2147483671" r:id="rId10"/>
+    <p:sldLayoutId id="2147483672" r:id="rId11"/>
+    <p:sldLayoutId id="2147483673" r:id="rId12"/>
   </p:sldLayoutIdLst>
+  <p:txStyles>
+    <p:titleStyle>
+      <a:lvl1pPr algn="l" defTabSz="914400" rtl="0" eaLnBrk="1" latinLnBrk="0" hangingPunct="1">
+        <a:lnSpc>
+          <a:spcPct val="90000"/>
+        </a:lnSpc>
+        <a:spcBef>
+          <a:spcPct val="0"/>
+        </a:spcBef>
+        <a:buNone/>
+        <a:defRPr sz="4400" kern="1200">
+          <a:solidFill>
+            <a:schemeClr val="tx1"/>
+          </a:solidFill>
+          <a:latin typeface="+mj-lt"/>
+          <a:ea typeface="+mj-ea"/>
+          <a:cs typeface="+mj-cs"/>
+        </a:defRPr>
+      </a:lvl1pPr>
+    </p:titleStyle>
+    <p:bodyStyle>
+      <a:lvl1pPr marL="228600" indent="-228600" algn="l" defTabSz="914400" rtl="0" eaLnBrk="1" latinLnBrk="0" hangingPunct="1">
+        <a:lnSpc>
+          <a:spcPct val="90000"/>
+        </a:lnSpc>
+        <a:spcBef>
+          <a:spcPts val="1000"/>
+        </a:spcBef>
+        <a:buFont typeface="Arial" panose="020B0604020202020204" pitchFamily="34" charset="0"/>
+        <a:buChar char="•"/>
+        <a:defRPr sz="2800" kern="1200">
+          <a:solidFill>
+            <a:schemeClr val="tx1"/>
+          </a:solidFill>
+          <a:latin typeface="+mn-lt"/>
+          <a:ea typeface="+mn-ea"/>
+          <a:cs typeface="+mn-cs"/>
+        </a:defRPr>
+      </a:lvl1pPr>
+      <a:lvl2pPr marL="685800" indent="-228600" algn="l" defTabSz="914400" rtl="0" eaLnBrk="1" latinLnBrk="0" hangingPunct="1">
+        <a:lnSpc>
+          <a:spcPct val="90000"/>
+        </a:lnSpc>
+        <a:spcBef>
+          <a:spcPts val="500"/>
+        </a:spcBef>
+        <a:buFont typeface="Arial" panose="020B0604020202020204" pitchFamily="34" charset="0"/>
+        <a:buChar char="•"/>
+        <a:defRPr sz="2400" kern="1200">
+          <a:solidFill>
+            <a:schemeClr val="tx1"/>
+          </a:solidFill>
+          <a:latin typeface="+mn-lt"/>
+          <a:ea typeface="+mn-ea"/>
+          <a:cs typeface="+mn-cs"/>
+        </a:defRPr>
+      </a:lvl2pPr>
+      <a:lvl3pPr marL="1143000" indent="-228600" algn="l" defTabSz="914400" rtl="0" eaLnBrk="1" latinLnBrk="0" hangingPunct="1">
+        <a:lnSpc>
+          <a:spcPct val="90000"/>
+        </a:lnSpc>
+        <a:spcBef>
+          <a:spcPts val="500"/>
+        </a:spcBef>
+        <a:buFont typeface="Arial" panose="020B0604020202020204" pitchFamily="34" charset="0"/>
+        <a:buChar char="•"/>
+        <a:defRPr sz="2000" kern="1200">
+          <a:solidFill>
+            <a:schemeClr val="tx1"/>
+          </a:solidFill>
+          <a:latin typeface="+mn-lt"/>
+          <a:ea typeface="+mn-ea"/>
+          <a:cs typeface="+mn-cs"/>
+        </a:defRPr>
+      </a:lvl3pPr>
+      <a:lvl4pPr marL="1600200" indent="-228600" algn="l" defTabSz="914400" rtl="0" eaLnBrk="1" latinLnBrk="0" hangingPunct="1">
+        <a:lnSpc>
+          <a:spcPct val="90000"/>
+        </a:lnSpc>
+        <a:spcBef>
+          <a:spcPts val="500"/>
+        </a:spcBef>
+        <a:buFont typeface="Arial" panose="020B0604020202020204" pitchFamily="34" charset="0"/>
+        <a:buChar char="•"/>
+        <a:defRPr sz="1800" kern="1200">
+          <a:solidFill>
+            <a:schemeClr val="tx1"/>
+          </a:solidFill>
+          <a:latin typeface="+mn-lt"/>
+          <a:ea typeface="+mn-ea"/>
+          <a:cs typeface="+mn-cs"/>
+        </a:defRPr>
+      </a:lvl4pPr>
+      <a:lvl5pPr marL="2057400" indent="-228600" algn="l" defTabSz="914400" rtl="0" eaLnBrk="1" latinLnBrk="0" hangingPunct="1">
+        <a:lnSpc>
+          <a:spcPct val="90000"/>
+        </a:lnSpc>
+        <a:spcBef>
+          <a:spcPts val="500"/>
+        </a:spcBef>
+        <a:buFont typeface="Arial" panose="020B0604020202020204" pitchFamily="34" charset="0"/>
+        <a:buChar char="•"/>
+        <a:defRPr sz="1800" kern="1200">
+          <a:solidFill>
+            <a:schemeClr val="tx1"/>
+          </a:solidFill>
+          <a:latin typeface="+mn-lt"/>
+          <a:ea typeface="+mn-ea"/>
+          <a:cs typeface="+mn-cs"/>
+        </a:defRPr>
+      </a:lvl5pPr>
+      <a:lvl6pPr marL="2514600" indent="-228600" algn="l" defTabSz="914400" rtl="0" eaLnBrk="1" latinLnBrk="0" hangingPunct="1">
+        <a:lnSpc>
+          <a:spcPct val="90000"/>
+        </a:lnSpc>
+        <a:spcBef>
+          <a:spcPts val="500"/>
+        </a:spcBef>
+        <a:buFont typeface="Arial" panose="020B0604020202020204" pitchFamily="34" charset="0"/>
+        <a:buChar char="•"/>
+        <a:defRPr sz="1800" kern="1200">
+          <a:solidFill>
+            <a:schemeClr val="tx1"/>
+          </a:solidFill>
+          <a:latin typeface="+mn-lt"/>
+          <a:ea typeface="+mn-ea"/>
+          <a:cs typeface="+mn-cs"/>
+        </a:defRPr>
+      </a:lvl6pPr>
+      <a:lvl7pPr marL="2971800" indent="-228600" algn="l" defTabSz="914400" rtl="0" eaLnBrk="1" latinLnBrk="0" hangingPunct="1">
+        <a:lnSpc>
+          <a:spcPct val="90000"/>
+        </a:lnSpc>
+        <a:spcBef>
+          <a:spcPts val="500"/>
+        </a:spcBef>
+        <a:buFont typeface="Arial" panose="020B0604020202020204" pitchFamily="34" charset="0"/>
+        <a:buChar char="•"/>
+        <a:defRPr sz="1800" kern="1200">
+          <a:solidFill>
+            <a:schemeClr val="tx1"/>
+          </a:solidFill>
+          <a:latin typeface="+mn-lt"/>
+          <a:ea typeface="+mn-ea"/>
+          <a:cs typeface="+mn-cs"/>
+        </a:defRPr>
+      </a:lvl7pPr>
+      <a:lvl8pPr marL="3429000" indent="-228600" algn="l" defTabSz="914400" rtl="0" eaLnBrk="1" latinLnBrk="0" hangingPunct="1">
+        <a:lnSpc>
+          <a:spcPct val="90000"/>
+        </a:lnSpc>
+        <a:spcBef>
+          <a:spcPts val="500"/>
+        </a:spcBef>
+        <a:buFont typeface="Arial" panose="020B0604020202020204" pitchFamily="34" charset="0"/>
+        <a:buChar char="•"/>
+        <a:defRPr sz="1800" kern="1200">
+          <a:solidFill>
+            <a:schemeClr val="tx1"/>
+          </a:solidFill>
+          <a:latin typeface="+mn-lt"/>
+          <a:ea typeface="+mn-ea"/>
+          <a:cs typeface="+mn-cs"/>
+        </a:defRPr>
+      </a:lvl8pPr>
+      <a:lvl9pPr marL="3886200" indent="-228600" algn="l" defTabSz="914400" rtl="0" eaLnBrk="1" latinLnBrk="0" hangingPunct="1">
+        <a:lnSpc>
+          <a:spcPct val="90000"/>
+        </a:lnSpc>
+        <a:spcBef>
+          <a:spcPts val="500"/>
+        </a:spcBef>
+        <a:buFont typeface="Arial" panose="020B0604020202020204" pitchFamily="34" charset="0"/>
+        <a:buChar char="•"/>
+        <a:defRPr sz="1800" kern="1200">
+          <a:solidFill>
+            <a:schemeClr val="tx1"/>
+          </a:solidFill>
+          <a:latin typeface="+mn-lt"/>
+          <a:ea typeface="+mn-ea"/>
+          <a:cs typeface="+mn-cs"/>
+        </a:defRPr>
+      </a:lvl9pPr>
+    </p:bodyStyle>
+    <p:otherStyle>
+      <a:defPPr>
+        <a:defRPr lang="de-DE"/>
+      </a:defPPr>
+      <a:lvl1pPr marL="0" algn="l" defTabSz="914400" rtl="0" eaLnBrk="1" latinLnBrk="0" hangingPunct="1">
+        <a:defRPr sz="1800" kern="1200">
+          <a:solidFill>
+            <a:schemeClr val="tx1"/>
+          </a:solidFill>
+          <a:latin typeface="+mn-lt"/>
+          <a:ea typeface="+mn-ea"/>
+          <a:cs typeface="+mn-cs"/>
+        </a:defRPr>
+      </a:lvl1pPr>
+      <a:lvl2pPr marL="457200" algn="l" defTabSz="914400" rtl="0" eaLnBrk="1" latinLnBrk="0" hangingPunct="1">
+        <a:defRPr sz="1800" kern="1200">
+          <a:solidFill>
+            <a:schemeClr val="tx1"/>
+          </a:solidFill>
+          <a:latin typeface="+mn-lt"/>
+          <a:ea typeface="+mn-ea"/>
+          <a:cs typeface="+mn-cs"/>
+        </a:defRPr>
+      </a:lvl2pPr>
+      <a:lvl3pPr marL="914400" algn="l" defTabSz="914400" rtl="0" eaLnBrk="1" latinLnBrk="0" hangingPunct="1">
+        <a:defRPr sz="1800" kern="1200">
+          <a:solidFill>
+            <a:schemeClr val="tx1"/>
+          </a:solidFill>
+          <a:latin typeface="+mn-lt"/>
+          <a:ea typeface="+mn-ea"/>
+          <a:cs typeface="+mn-cs"/>
+        </a:defRPr>
+      </a:lvl3pPr>
+      <a:lvl4pPr marL="1371600" algn="l" defTabSz="914400" rtl="0" eaLnBrk="1" latinLnBrk="0" hangingPunct="1">
+        <a:defRPr sz="1800" kern="1200">
+          <a:solidFill>
+            <a:schemeClr val="tx1"/>
+          </a:solidFill>
+          <a:latin typeface="+mn-lt"/>
+          <a:ea typeface="+mn-ea"/>
+          <a:cs typeface="+mn-cs"/>
+        </a:defRPr>
+      </a:lvl4pPr>
+      <a:lvl5pPr marL="1828800" algn="l" defTabSz="914400" rtl="0" eaLnBrk="1" latinLnBrk="0" hangingPunct="1">
+        <a:defRPr sz="1800" kern="1200">
+          <a:solidFill>
+            <a:schemeClr val="tx1"/>
+          </a:solidFill>
+          <a:latin typeface="+mn-lt"/>
+          <a:ea typeface="+mn-ea"/>
+          <a:cs typeface="+mn-cs"/>
+        </a:defRPr>
+      </a:lvl5pPr>
+      <a:lvl6pPr marL="2286000" algn="l" defTabSz="914400" rtl="0" eaLnBrk="1" latinLnBrk="0" hangingPunct="1">
+        <a:defRPr sz="1800" kern="1200">
+          <a:solidFill>
+            <a:schemeClr val="tx1"/>
+          </a:solidFill>
+          <a:latin typeface="+mn-lt"/>
+          <a:ea typeface="+mn-ea"/>
+          <a:cs typeface="+mn-cs"/>
+        </a:defRPr>
+      </a:lvl6pPr>
+      <a:lvl7pPr marL="2743200" algn="l" defTabSz="914400" rtl="0" eaLnBrk="1" latinLnBrk="0" hangingPunct="1">
+        <a:defRPr sz="1800" kern="1200">
+          <a:solidFill>
+            <a:schemeClr val="tx1"/>
+          </a:solidFill>
+          <a:latin typeface="+mn-lt"/>
+          <a:ea typeface="+mn-ea"/>
+          <a:cs typeface="+mn-cs"/>
+        </a:defRPr>
+      </a:lvl7pPr>
+      <a:lvl8pPr marL="3200400" algn="l" defTabSz="914400" rtl="0" eaLnBrk="1" latinLnBrk="0" hangingPunct="1">
+        <a:defRPr sz="1800" kern="1200">
+          <a:solidFill>
+            <a:schemeClr val="tx1"/>
+          </a:solidFill>
+          <a:latin typeface="+mn-lt"/>
+          <a:ea typeface="+mn-ea"/>
+          <a:cs typeface="+mn-cs"/>
+        </a:defRPr>
+      </a:lvl8pPr>
+      <a:lvl9pPr marL="3657600" algn="l" defTabSz="914400" rtl="0" eaLnBrk="1" latinLnBrk="0" hangingPunct="1">
+        <a:defRPr sz="1800" kern="1200">
+          <a:solidFill>
+            <a:schemeClr val="tx1"/>
+          </a:solidFill>
+          <a:latin typeface="+mn-lt"/>
+          <a:ea typeface="+mn-ea"/>
+          <a:cs typeface="+mn-cs"/>
+        </a:defRPr>
+      </a:lvl9pPr>
+    </p:otherStyle>
+  </p:txStyles>
 </p:sldMaster>
 </file>
 
 <file path=ppt/slides/slide1.xml><?xml version="1.0" encoding="utf-8"?>
-<p:sld xmlns:a="http://schemas.openxmlformats.org/drawingml/2006/main" xmlns:p="http://schemas.openxmlformats.org/presentationml/2006/main" xmlns:r="http://schemas.openxmlformats.org/officeDocument/2006/relationships">
+<p:sld xmlns:a="http://schemas.openxmlformats.org/drawingml/2006/main" xmlns:r="http://schemas.openxmlformats.org/officeDocument/2006/relationships" xmlns:p="http://schemas.openxmlformats.org/presentationml/2006/main">
   <p:cSld>
     <p:spTree>
       <p:nvGrpSpPr>
@@ -3070,6 +3891,7 @@
         </p:spPr>
         <p:txBody>
           <a:bodyPr anchor="b"/>
+          <a:lstStyle/>
           <a:p>
             <a:endParaRPr/>
           </a:p>
@@ -3092,14 +3914,62 @@
         </p:spPr>
         <p:txBody>
           <a:bodyPr/>
+          <a:lstStyle/>
           <a:p>
             <a:pPr algn="ctr"/>
             <a:endParaRPr/>
+          </a:p>
+        </p:txBody>
+      </p:sp>
+      <p:sp>
+        <p:nvSpPr>
+          <p:cNvPr id="2" name="Titel 1"/>
+          <p:cNvSpPr>
+            <a:spLocks noGrp="1"/>
+          </p:cNvSpPr>
+          <p:nvPr>
+            <p:ph type="title"/>
+          </p:nvPr>
+        </p:nvSpPr>
+        <p:spPr>
+          <a:xfrm>
+            <a:off x="941111" y="2734544"/>
+            <a:ext cx="10515240" cy="1325520"/>
+          </a:xfrm>
+        </p:spPr>
+        <p:txBody>
+          <a:bodyPr/>
+          <a:lstStyle/>
+          <a:p>
+            <a:pPr algn="ctr"/>
+            <a:r>
+              <a:rPr lang="de-CH" dirty="0" smtClean="0"/>
+              <a:t>Wärmepumpe vs. Ölbrennwertkessel</a:t>
+            </a:r>
+            <a:br>
+              <a:rPr lang="de-CH" dirty="0" smtClean="0"/>
+            </a:br>
+            <a:r>
+              <a:rPr lang="de-CH" sz="3200" dirty="0" smtClean="0"/>
+              <a:t>Stefan </a:t>
+            </a:r>
+            <a:r>
+              <a:rPr lang="de-CH" sz="3200" dirty="0" err="1" smtClean="0"/>
+              <a:t>Andonie</a:t>
+            </a:r>
+            <a:r>
+              <a:rPr lang="de-CH" sz="3200" dirty="0" smtClean="0"/>
+              <a:t> und Pascal Grüter</a:t>
+            </a:r>
+            <a:endParaRPr lang="de-CH" dirty="0"/>
           </a:p>
         </p:txBody>
       </p:sp>
     </p:spTree>
   </p:cSld>
+  <p:clrMapOvr>
+    <a:masterClrMapping/>
+  </p:clrMapOvr>
   <p:timing>
     <p:tnLst>
       <p:par>
@@ -3108,14 +3978,14 @@
             <p:seq>
               <p:cTn id="2" nodeType="mainSeq"/>
               <p:prevCondLst>
-                <p:cond delay="0" evt="onPrev">
+                <p:cond evt="onPrev" delay="0">
                   <p:tgtEl>
                     <p:sldTgt/>
                   </p:tgtEl>
                 </p:cond>
               </p:prevCondLst>
               <p:nextCondLst>
-                <p:cond delay="0" evt="onNext">
+                <p:cond evt="onNext" delay="0">
                   <p:tgtEl>
                     <p:sldTgt/>
                   </p:tgtEl>
@@ -3131,7 +4001,7 @@
 </file>
 
 <file path=ppt/slides/slide2.xml><?xml version="1.0" encoding="utf-8"?>
-<p:sld xmlns:a="http://schemas.openxmlformats.org/drawingml/2006/main" xmlns:p="http://schemas.openxmlformats.org/presentationml/2006/main" xmlns:r="http://schemas.openxmlformats.org/officeDocument/2006/relationships">
+<p:sld xmlns:a="http://schemas.openxmlformats.org/drawingml/2006/main" xmlns:r="http://schemas.openxmlformats.org/officeDocument/2006/relationships" xmlns:p="http://schemas.openxmlformats.org/presentationml/2006/main">
   <p:cSld>
     <p:spTree>
       <p:nvGrpSpPr>
@@ -3149,196 +4019,83 @@
       </p:grpSpPr>
       <p:sp>
         <p:nvSpPr>
-          <p:cNvPr id="80" name="TextShape 1"/>
-          <p:cNvSpPr txBox="1"/>
-          <p:nvPr/>
+          <p:cNvPr id="4" name="Textplatzhalter 3"/>
+          <p:cNvSpPr>
+            <a:spLocks noGrp="1"/>
+          </p:cNvSpPr>
+          <p:nvPr>
+            <p:ph type="body"/>
+          </p:nvPr>
         </p:nvSpPr>
         <p:spPr>
           <a:xfrm>
             <a:off x="838080" y="365040"/>
-            <a:ext cx="10515240" cy="1325160"/>
-          </a:xfrm>
-          <a:prstGeom prst="rect">
-            <a:avLst/>
-          </a:prstGeom>
-        </p:spPr>
-        <p:txBody>
-          <a:bodyPr anchor="ctr"/>
-          <a:p>
-            <a:pPr>
-              <a:lnSpc>
-                <a:spcPct val="90000"/>
-              </a:lnSpc>
-            </a:pPr>
-            <a:r>
-              <a:rPr lang="de-DE" sz="4400">
-                <a:solidFill>
-                  <a:srgbClr val="000000"/>
-                </a:solidFill>
-                <a:latin typeface="Calibri Light"/>
-              </a:rPr>
-              <a:t>Inhalt</a:t>
-            </a:r>
-            <a:endParaRPr/>
-          </a:p>
-        </p:txBody>
-      </p:sp>
-      <p:sp>
-        <p:nvSpPr>
-          <p:cNvPr id="81" name="TextShape 2"/>
-          <p:cNvSpPr txBox="1"/>
-          <p:nvPr/>
-        </p:nvSpPr>
-        <p:spPr>
-          <a:xfrm>
-            <a:off x="838080" y="1825560"/>
-            <a:ext cx="10515240" cy="4350960"/>
-          </a:xfrm>
-          <a:prstGeom prst="rect">
-            <a:avLst/>
-          </a:prstGeom>
+            <a:ext cx="10515240" cy="4348628"/>
+          </a:xfrm>
         </p:spPr>
         <p:txBody>
           <a:bodyPr/>
-          <a:p>
-            <a:pPr>
-              <a:lnSpc>
-                <a:spcPct val="90000"/>
-              </a:lnSpc>
-              <a:buFont typeface="Arial"/>
+          <a:lstStyle/>
+          <a:p>
+            <a:pPr marL="571500" indent="-571500">
+              <a:buFont typeface="Arial" panose="020B0604020202020204" pitchFamily="34" charset="0"/>
               <a:buChar char="•"/>
             </a:pPr>
             <a:r>
-              <a:rPr lang="de-DE" sz="2800">
-                <a:solidFill>
-                  <a:srgbClr val="000000"/>
-                </a:solidFill>
-                <a:latin typeface="Calibri"/>
-              </a:rPr>
-              <a:t>Vorstellung Thema</a:t>
+              <a:rPr lang="de-CH" dirty="0" smtClean="0"/>
+              <a:t>Sole-Wasser Wärmepumpe</a:t>
             </a:r>
-            <a:endParaRPr/>
-          </a:p>
-          <a:p>
-            <a:pPr>
-              <a:lnSpc>
-                <a:spcPct val="90000"/>
-              </a:lnSpc>
-              <a:buFont typeface="Arial"/>
+          </a:p>
+          <a:p>
+            <a:pPr marL="571500" indent="-571500">
+              <a:buFont typeface="Arial" panose="020B0604020202020204" pitchFamily="34" charset="0"/>
               <a:buChar char="•"/>
             </a:pPr>
             <a:r>
-              <a:rPr lang="de-DE" sz="2800">
-                <a:solidFill>
-                  <a:srgbClr val="000000"/>
-                </a:solidFill>
-                <a:latin typeface="Calibri"/>
-              </a:rPr>
-              <a:t>Funktion Wärmepumpe</a:t>
+              <a:rPr lang="de-CH" dirty="0" smtClean="0"/>
+              <a:t>Ölbrennwertkessel</a:t>
             </a:r>
-            <a:endParaRPr/>
-          </a:p>
-          <a:p>
-            <a:pPr>
-              <a:lnSpc>
-                <a:spcPct val="90000"/>
-              </a:lnSpc>
-              <a:buFont typeface="Arial"/>
-              <a:buChar char="•"/>
-            </a:pPr>
+          </a:p>
+        </p:txBody>
+      </p:sp>
+      <p:sp>
+        <p:nvSpPr>
+          <p:cNvPr id="2" name="Titel 1"/>
+          <p:cNvSpPr>
+            <a:spLocks noGrp="1"/>
+          </p:cNvSpPr>
+          <p:nvPr>
+            <p:ph type="title"/>
+          </p:nvPr>
+        </p:nvSpPr>
+        <p:spPr/>
+        <p:txBody>
+          <a:bodyPr/>
+          <a:lstStyle/>
+          <a:p>
             <a:r>
-              <a:rPr lang="de-DE" sz="2800">
-                <a:solidFill>
-                  <a:srgbClr val="000000"/>
-                </a:solidFill>
-                <a:latin typeface="Calibri"/>
-              </a:rPr>
-              <a:t>Funktion Ölbrennkessel</a:t>
+              <a:rPr lang="de-CH" dirty="0" smtClean="0"/>
+              <a:t>Einleitung</a:t>
             </a:r>
-            <a:endParaRPr/>
-          </a:p>
-          <a:p>
-            <a:pPr>
-              <a:lnSpc>
-                <a:spcPct val="90000"/>
-              </a:lnSpc>
-              <a:buFont typeface="Arial"/>
-              <a:buChar char="•"/>
-            </a:pPr>
-            <a:r>
-              <a:rPr lang="de-DE" sz="2800">
-                <a:solidFill>
-                  <a:srgbClr val="000000"/>
-                </a:solidFill>
-                <a:latin typeface="Calibri"/>
-              </a:rPr>
-              <a:t>Swot von beiden</a:t>
-            </a:r>
-            <a:endParaRPr/>
-          </a:p>
-          <a:p>
-            <a:pPr>
-              <a:lnSpc>
-                <a:spcPct val="90000"/>
-              </a:lnSpc>
-              <a:buFont typeface="Arial"/>
-              <a:buChar char="•"/>
-            </a:pPr>
-            <a:r>
-              <a:rPr lang="de-DE" sz="2800">
-                <a:solidFill>
-                  <a:srgbClr val="000000"/>
-                </a:solidFill>
-                <a:latin typeface="Calibri"/>
-              </a:rPr>
-              <a:t>Vergleiche anhand Swot</a:t>
-            </a:r>
-            <a:endParaRPr/>
-          </a:p>
-          <a:p>
-            <a:pPr>
-              <a:lnSpc>
-                <a:spcPct val="90000"/>
-              </a:lnSpc>
-            </a:pPr>
-            <a:endParaRPr/>
+            <a:endParaRPr lang="de-CH" dirty="0"/>
           </a:p>
         </p:txBody>
       </p:sp>
     </p:spTree>
+    <p:extLst>
+      <p:ext uri="{BB962C8B-B14F-4D97-AF65-F5344CB8AC3E}">
+        <p14:creationId xmlns:p14="http://schemas.microsoft.com/office/powerpoint/2010/main" val="504392128"/>
+      </p:ext>
+    </p:extLst>
   </p:cSld>
-  <p:timing>
-    <p:tnLst>
-      <p:par>
-        <p:cTn id="3" dur="indefinite" restart="never" nodeType="tmRoot">
-          <p:childTnLst>
-            <p:seq>
-              <p:cTn id="4" nodeType="mainSeq"/>
-              <p:prevCondLst>
-                <p:cond delay="0" evt="onPrev">
-                  <p:tgtEl>
-                    <p:sldTgt/>
-                  </p:tgtEl>
-                </p:cond>
-              </p:prevCondLst>
-              <p:nextCondLst>
-                <p:cond delay="0" evt="onNext">
-                  <p:tgtEl>
-                    <p:sldTgt/>
-                  </p:tgtEl>
-                </p:cond>
-              </p:nextCondLst>
-            </p:seq>
-          </p:childTnLst>
-        </p:cTn>
-      </p:par>
-    </p:tnLst>
-  </p:timing>
+  <p:clrMapOvr>
+    <a:masterClrMapping/>
+  </p:clrMapOvr>
 </p:sld>
 </file>
 
 <file path=ppt/slides/slide3.xml><?xml version="1.0" encoding="utf-8"?>
-<p:sld xmlns:a="http://schemas.openxmlformats.org/drawingml/2006/main" xmlns:p="http://schemas.openxmlformats.org/presentationml/2006/main" xmlns:r="http://schemas.openxmlformats.org/officeDocument/2006/relationships">
+<p:sld xmlns:a="http://schemas.openxmlformats.org/drawingml/2006/main" xmlns:r="http://schemas.openxmlformats.org/officeDocument/2006/relationships" xmlns:p="http://schemas.openxmlformats.org/presentationml/2006/main">
   <p:cSld>
     <p:spTree>
       <p:nvGrpSpPr>
@@ -3371,6 +4128,7 @@
         </p:spPr>
         <p:txBody>
           <a:bodyPr anchor="ctr"/>
+          <a:lstStyle/>
           <a:p>
             <a:pPr>
               <a:lnSpc>
@@ -3407,6 +4165,7 @@
         </p:spPr>
         <p:txBody>
           <a:bodyPr/>
+          <a:lstStyle/>
           <a:p>
             <a:pPr>
               <a:lnSpc>
@@ -3416,7 +4175,7 @@
               <a:buChar char="•"/>
             </a:pPr>
             <a:r>
-              <a:rPr lang="de-DE" sz="2800">
+              <a:rPr lang="de-DE" sz="2800" dirty="0">
                 <a:solidFill>
                   <a:srgbClr val="000000"/>
                 </a:solidFill>
@@ -3424,7 +4183,7 @@
               </a:rPr>
               <a:t>Sole-Wasser, Grundwasser oder Luft</a:t>
             </a:r>
-            <a:endParaRPr/>
+            <a:endParaRPr dirty="0"/>
           </a:p>
           <a:p>
             <a:pPr>
@@ -3435,7 +4194,7 @@
               <a:buChar char="•"/>
             </a:pPr>
             <a:r>
-              <a:rPr lang="de-DE" sz="2800">
+              <a:rPr lang="de-DE" sz="2800" dirty="0">
                 <a:solidFill>
                   <a:srgbClr val="000000"/>
                 </a:solidFill>
@@ -3443,7 +4202,7 @@
               </a:rPr>
               <a:t>Funktionsweise:</a:t>
             </a:r>
-            <a:endParaRPr/>
+            <a:endParaRPr dirty="0"/>
           </a:p>
           <a:p>
             <a:pPr>
@@ -3451,7 +4210,7 @@
                 <a:spcPct val="90000"/>
               </a:lnSpc>
             </a:pPr>
-            <a:endParaRPr/>
+            <a:endParaRPr dirty="0"/>
           </a:p>
           <a:p>
             <a:pPr>
@@ -3459,7 +4218,7 @@
                 <a:spcPct val="90000"/>
               </a:lnSpc>
             </a:pPr>
-            <a:endParaRPr/>
+            <a:endParaRPr dirty="0"/>
           </a:p>
           <a:p>
             <a:pPr>
@@ -3467,7 +4226,7 @@
                 <a:spcPct val="90000"/>
               </a:lnSpc>
             </a:pPr>
-            <a:endParaRPr/>
+            <a:endParaRPr dirty="0"/>
           </a:p>
           <a:p>
             <a:pPr>
@@ -3475,7 +4234,7 @@
                 <a:spcPct val="90000"/>
               </a:lnSpc>
             </a:pPr>
-            <a:endParaRPr/>
+            <a:endParaRPr lang="de-CH" dirty="0" smtClean="0"/>
           </a:p>
           <a:p>
             <a:pPr>
@@ -3483,7 +4242,63 @@
                 <a:spcPct val="90000"/>
               </a:lnSpc>
             </a:pPr>
-            <a:endParaRPr/>
+            <a:endParaRPr lang="de-CH" dirty="0"/>
+          </a:p>
+          <a:p>
+            <a:pPr>
+              <a:lnSpc>
+                <a:spcPct val="90000"/>
+              </a:lnSpc>
+            </a:pPr>
+            <a:endParaRPr lang="de-CH" dirty="0" smtClean="0"/>
+          </a:p>
+          <a:p>
+            <a:pPr>
+              <a:lnSpc>
+                <a:spcPct val="90000"/>
+              </a:lnSpc>
+            </a:pPr>
+            <a:endParaRPr lang="de-CH" dirty="0"/>
+          </a:p>
+          <a:p>
+            <a:pPr>
+              <a:lnSpc>
+                <a:spcPct val="90000"/>
+              </a:lnSpc>
+            </a:pPr>
+            <a:endParaRPr lang="de-CH" dirty="0" smtClean="0"/>
+          </a:p>
+          <a:p>
+            <a:pPr>
+              <a:lnSpc>
+                <a:spcPct val="90000"/>
+              </a:lnSpc>
+            </a:pPr>
+            <a:endParaRPr lang="de-CH" dirty="0"/>
+          </a:p>
+          <a:p>
+            <a:pPr>
+              <a:lnSpc>
+                <a:spcPct val="90000"/>
+              </a:lnSpc>
+            </a:pPr>
+            <a:endParaRPr lang="de-CH" dirty="0" smtClean="0"/>
+          </a:p>
+          <a:p>
+            <a:pPr>
+              <a:lnSpc>
+                <a:spcPct val="90000"/>
+              </a:lnSpc>
+            </a:pPr>
+            <a:endParaRPr dirty="0"/>
+          </a:p>
+          <a:p>
+            <a:pPr>
+              <a:lnSpc>
+                <a:spcPct val="90000"/>
+              </a:lnSpc>
+            </a:pPr>
+            <a:endParaRPr dirty="0"/>
           </a:p>
           <a:p>
             <a:pPr>
@@ -3494,7 +4309,7 @@
               <a:buChar char="•"/>
             </a:pPr>
             <a:r>
-              <a:rPr lang="de-DE" sz="1600">
+              <a:rPr lang="de-DE" sz="1600" dirty="0">
                 <a:solidFill>
                   <a:srgbClr val="000000"/>
                 </a:solidFill>
@@ -3502,7 +4317,7 @@
               </a:rPr>
               <a:t>Quelle: http://www.fws.ch/funktionsweise.html</a:t>
             </a:r>
-            <a:endParaRPr/>
+            <a:endParaRPr dirty="0"/>
           </a:p>
           <a:p>
             <a:pPr>
@@ -3510,7 +4325,7 @@
                 <a:spcPct val="100000"/>
               </a:lnSpc>
             </a:pPr>
-            <a:endParaRPr/>
+            <a:endParaRPr dirty="0"/>
           </a:p>
           <a:p>
             <a:pPr>
@@ -3518,26 +4333,26 @@
                 <a:spcPct val="90000"/>
               </a:lnSpc>
             </a:pPr>
-            <a:endParaRPr/>
+            <a:endParaRPr dirty="0"/>
           </a:p>
         </p:txBody>
       </p:sp>
       <p:pic>
         <p:nvPicPr>
-          <p:cNvPr id="84" name="Grafik 3" descr=""/>
+          <p:cNvPr id="84" name="Grafik 3"/>
           <p:cNvPicPr/>
           <p:nvPr/>
         </p:nvPicPr>
         <p:blipFill>
-          <a:blip r:embed="rId1"/>
+          <a:blip r:embed="rId2"/>
           <a:stretch>
             <a:fillRect/>
           </a:stretch>
         </p:blipFill>
         <p:spPr>
           <a:xfrm>
-            <a:off x="3589560" y="2363400"/>
-            <a:ext cx="6667200" cy="2914200"/>
+            <a:off x="3589560" y="2363399"/>
+            <a:ext cx="7062398" cy="3235295"/>
           </a:xfrm>
           <a:prstGeom prst="rect">
             <a:avLst/>
@@ -3549,22 +4364,25 @@
       </p:pic>
     </p:spTree>
   </p:cSld>
+  <p:clrMapOvr>
+    <a:masterClrMapping/>
+  </p:clrMapOvr>
   <p:timing>
     <p:tnLst>
       <p:par>
-        <p:cTn id="5" dur="indefinite" restart="never" nodeType="tmRoot">
+        <p:cTn id="1" dur="indefinite" restart="never" nodeType="tmRoot">
           <p:childTnLst>
             <p:seq>
-              <p:cTn id="6" nodeType="mainSeq"/>
+              <p:cTn id="2" nodeType="mainSeq"/>
               <p:prevCondLst>
-                <p:cond delay="0" evt="onPrev">
+                <p:cond evt="onPrev" delay="0">
                   <p:tgtEl>
                     <p:sldTgt/>
                   </p:tgtEl>
                 </p:cond>
               </p:prevCondLst>
               <p:nextCondLst>
-                <p:cond delay="0" evt="onNext">
+                <p:cond evt="onNext" delay="0">
                   <p:tgtEl>
                     <p:sldTgt/>
                   </p:tgtEl>
@@ -3580,7 +4398,7 @@
 </file>
 
 <file path=ppt/slides/slide4.xml><?xml version="1.0" encoding="utf-8"?>
-<p:sld xmlns:a="http://schemas.openxmlformats.org/drawingml/2006/main" xmlns:p="http://schemas.openxmlformats.org/presentationml/2006/main" xmlns:r="http://schemas.openxmlformats.org/officeDocument/2006/relationships">
+<p:sld xmlns:a="http://schemas.openxmlformats.org/drawingml/2006/main" xmlns:r="http://schemas.openxmlformats.org/officeDocument/2006/relationships" xmlns:p="http://schemas.openxmlformats.org/presentationml/2006/main">
   <p:cSld>
     <p:spTree>
       <p:nvGrpSpPr>
@@ -3613,6 +4431,7 @@
         </p:spPr>
         <p:txBody>
           <a:bodyPr anchor="ctr"/>
+          <a:lstStyle/>
           <a:p>
             <a:pPr>
               <a:lnSpc>
@@ -3640,8 +4459,8 @@
         </p:nvSpPr>
         <p:spPr>
           <a:xfrm>
-            <a:off x="838080" y="1825560"/>
-            <a:ext cx="10515240" cy="4350960"/>
+            <a:off x="838080" y="3000776"/>
+            <a:ext cx="10515240" cy="3175743"/>
           </a:xfrm>
           <a:prstGeom prst="rect">
             <a:avLst/>
@@ -3649,13 +4468,14 @@
         </p:spPr>
         <p:txBody>
           <a:bodyPr/>
+          <a:lstStyle/>
           <a:p>
             <a:pPr>
               <a:lnSpc>
                 <a:spcPct val="90000"/>
               </a:lnSpc>
             </a:pPr>
-            <a:endParaRPr/>
+            <a:endParaRPr dirty="0"/>
           </a:p>
           <a:p>
             <a:pPr>
@@ -3663,7 +4483,7 @@
                 <a:spcPct val="90000"/>
               </a:lnSpc>
             </a:pPr>
-            <a:endParaRPr/>
+            <a:endParaRPr dirty="0"/>
           </a:p>
           <a:p>
             <a:pPr>
@@ -3671,7 +4491,7 @@
                 <a:spcPct val="90000"/>
               </a:lnSpc>
             </a:pPr>
-            <a:endParaRPr/>
+            <a:endParaRPr dirty="0"/>
           </a:p>
           <a:p>
             <a:pPr>
@@ -3679,7 +4499,7 @@
                 <a:spcPct val="100000"/>
               </a:lnSpc>
             </a:pPr>
-            <a:endParaRPr/>
+            <a:endParaRPr dirty="0"/>
           </a:p>
           <a:p>
             <a:pPr>
@@ -3690,7 +4510,7 @@
               <a:buChar char="•"/>
             </a:pPr>
             <a:r>
-              <a:rPr lang="de-DE" sz="2400">
+              <a:rPr lang="de-DE" sz="2400" dirty="0">
                 <a:solidFill>
                   <a:srgbClr val="000000"/>
                 </a:solidFill>
@@ -3698,7 +4518,7 @@
               </a:rPr>
               <a:t>Durchschnittstemperatur Messstation Bern 2015 (Ohne Juni-August): 6.6 °C</a:t>
             </a:r>
-            <a:endParaRPr/>
+            <a:endParaRPr dirty="0"/>
           </a:p>
           <a:p>
             <a:pPr>
@@ -3709,7 +4529,7 @@
               <a:buChar char="•"/>
             </a:pPr>
             <a:r>
-              <a:rPr lang="de-DE" sz="2400">
+              <a:rPr lang="de-DE" sz="2400" dirty="0">
                 <a:solidFill>
                   <a:srgbClr val="000000"/>
                 </a:solidFill>
@@ -3717,7 +4537,7 @@
               </a:rPr>
               <a:t>270 Tage * 18 Stunden = 4860 Stunden</a:t>
             </a:r>
-            <a:endParaRPr/>
+            <a:endParaRPr dirty="0"/>
           </a:p>
           <a:p>
             <a:pPr>
@@ -3728,7 +4548,7 @@
               <a:buChar char="•"/>
             </a:pPr>
             <a:r>
-              <a:rPr lang="de-DE" sz="2400">
+              <a:rPr lang="de-DE" sz="2400" dirty="0">
                 <a:solidFill>
                   <a:srgbClr val="000000"/>
                 </a:solidFill>
@@ -3736,7 +4556,7 @@
               </a:rPr>
               <a:t>4860 * 1.95 = 9477 kWh pro Jahr, Herstellerangabe: 4672 kWh</a:t>
             </a:r>
-            <a:endParaRPr/>
+            <a:endParaRPr dirty="0"/>
           </a:p>
           <a:p>
             <a:pPr>
@@ -3747,7 +4567,7 @@
               <a:buChar char="•"/>
             </a:pPr>
             <a:r>
-              <a:rPr lang="de-DE" sz="1600">
+              <a:rPr lang="de-DE" sz="1600" dirty="0">
                 <a:solidFill>
                   <a:srgbClr val="000000"/>
                 </a:solidFill>
@@ -3755,7 +4575,7 @@
               </a:rPr>
               <a:t>Quellen: </a:t>
             </a:r>
-            <a:endParaRPr/>
+            <a:endParaRPr dirty="0"/>
           </a:p>
           <a:p>
             <a:pPr lvl="1">
@@ -3766,33 +4586,15 @@
               <a:buChar char="•"/>
             </a:pPr>
             <a:r>
-              <a:rPr lang="de-DE" sz="800" u="sng">
+              <a:rPr lang="de-DE" sz="800" u="sng" dirty="0">
                 <a:solidFill>
-                  <a:srgbClr val="0563c1"/>
+                  <a:srgbClr val="0563C1"/>
                 </a:solidFill>
                 <a:latin typeface="Calibri"/>
               </a:rPr>
-              <a:t>http</a:t>
+              <a:t>http://www.meteoschweiz.admin.ch/product/output/climate-data/homogenous-monthly-data-processing/data/homog_mo_BER.txt</a:t>
             </a:r>
-            <a:r>
-              <a:rPr lang="de-DE" sz="800" u="sng">
-                <a:solidFill>
-                  <a:srgbClr val="0563c1"/>
-                </a:solidFill>
-                <a:latin typeface="Calibri"/>
-              </a:rPr>
-              <a:t>://</a:t>
-            </a:r>
-            <a:r>
-              <a:rPr lang="de-DE" sz="800" u="sng">
-                <a:solidFill>
-                  <a:srgbClr val="0563c1"/>
-                </a:solidFill>
-                <a:latin typeface="Calibri"/>
-              </a:rPr>
-              <a:t>www.meteoschweiz.admin.ch/product/output/climate-data/homogenous-monthly-data-processing/data/homog_mo_BER.txt</a:t>
-            </a:r>
-            <a:endParaRPr/>
+            <a:endParaRPr dirty="0"/>
           </a:p>
           <a:p>
             <a:pPr lvl="1">
@@ -3803,21 +4605,21 @@
               <a:buChar char="•"/>
             </a:pPr>
             <a:r>
-              <a:rPr lang="de-DE" sz="800" u="sng">
+              <a:rPr lang="de-DE" sz="800" u="sng" dirty="0">
                 <a:solidFill>
-                  <a:srgbClr val="0563c1"/>
+                  <a:srgbClr val="0563C1"/>
                 </a:solidFill>
                 <a:latin typeface="Calibri"/>
               </a:rPr>
               <a:t>http://www.junkers.com/endkunde/produkte/produktinformation/produktkatalog_4416</a:t>
             </a:r>
-            <a:endParaRPr/>
-          </a:p>
-          <a:p>
-            <a:endParaRPr/>
-          </a:p>
-          <a:p>
-            <a:endParaRPr/>
+            <a:endParaRPr dirty="0"/>
+          </a:p>
+          <a:p>
+            <a:endParaRPr dirty="0"/>
+          </a:p>
+          <a:p>
+            <a:endParaRPr dirty="0"/>
           </a:p>
         </p:txBody>
       </p:sp>
@@ -3829,7 +4631,7 @@
         </p:nvGraphicFramePr>
         <p:xfrm>
           <a:off x="1047960" y="1825560"/>
-          <a:ext cx="8661600" cy="1482840"/>
+          <a:ext cx="8661600" cy="1725480"/>
         </p:xfrm>
         <a:graphic>
           <a:graphicData uri="http://schemas.openxmlformats.org/drawingml/2006/table">
@@ -3845,6 +4647,7 @@
                 <a:tc>
                   <a:txBody>
                     <a:bodyPr/>
+                    <a:lstStyle/>
                     <a:p>
                       <a:pPr>
                         <a:lnSpc>
@@ -3852,13 +4655,37 @@
                         </a:lnSpc>
                       </a:pPr>
                       <a:r>
+                        <a:rPr lang="en-US" dirty="0" err="1">
+                          <a:solidFill>
+                            <a:srgbClr val="000000"/>
+                          </a:solidFill>
+                          <a:latin typeface="Calibri"/>
+                        </a:rPr>
+                        <a:t>Aussentemperatur</a:t>
+                      </a:r>
+                      <a:endParaRPr dirty="0"/>
+                    </a:p>
+                  </a:txBody>
+                  <a:tcPr/>
+                </a:tc>
+                <a:tc>
+                  <a:txBody>
+                    <a:bodyPr/>
+                    <a:lstStyle/>
+                    <a:p>
+                      <a:pPr>
+                        <a:lnSpc>
+                          <a:spcPct val="100000"/>
+                        </a:lnSpc>
+                      </a:pPr>
+                      <a:r>
                         <a:rPr lang="en-US">
                           <a:solidFill>
                             <a:srgbClr val="000000"/>
                           </a:solidFill>
                           <a:latin typeface="Calibri"/>
                         </a:rPr>
-                        <a:t>Aussentemperatur</a:t>
+                        <a:t>Wärmeleistung (W)</a:t>
                       </a:r>
                       <a:endParaRPr/>
                     </a:p>
@@ -3868,6 +4695,7 @@
                 <a:tc>
                   <a:txBody>
                     <a:bodyPr/>
+                    <a:lstStyle/>
                     <a:p>
                       <a:pPr>
                         <a:lnSpc>
@@ -3881,7 +4709,7 @@
                           </a:solidFill>
                           <a:latin typeface="Calibri"/>
                         </a:rPr>
-                        <a:t>Wärmeleistung (W)</a:t>
+                        <a:t>COP</a:t>
                       </a:r>
                       <a:endParaRPr/>
                     </a:p>
@@ -3891,6 +4719,7 @@
                 <a:tc>
                   <a:txBody>
                     <a:bodyPr/>
+                    <a:lstStyle/>
                     <a:p>
                       <a:pPr>
                         <a:lnSpc>
@@ -3898,13 +4727,66 @@
                         </a:lnSpc>
                       </a:pPr>
                       <a:r>
+                        <a:rPr lang="en-US" dirty="0" err="1">
+                          <a:solidFill>
+                            <a:srgbClr val="000000"/>
+                          </a:solidFill>
+                          <a:latin typeface="Calibri"/>
+                        </a:rPr>
+                        <a:t>Benötigte</a:t>
+                      </a:r>
+                      <a:r>
+                        <a:rPr lang="en-US" dirty="0">
+                          <a:solidFill>
+                            <a:srgbClr val="000000"/>
+                          </a:solidFill>
+                          <a:latin typeface="Calibri"/>
+                        </a:rPr>
+                        <a:t> </a:t>
+                      </a:r>
+                      <a:r>
+                        <a:rPr lang="en-US" dirty="0" err="1">
+                          <a:solidFill>
+                            <a:srgbClr val="000000"/>
+                          </a:solidFill>
+                          <a:latin typeface="Calibri"/>
+                        </a:rPr>
+                        <a:t>Stromleistung</a:t>
+                      </a:r>
+                      <a:r>
+                        <a:rPr lang="en-US" dirty="0">
+                          <a:solidFill>
+                            <a:srgbClr val="000000"/>
+                          </a:solidFill>
+                          <a:latin typeface="Calibri"/>
+                        </a:rPr>
+                        <a:t> (W / COP)</a:t>
+                      </a:r>
+                      <a:endParaRPr dirty="0"/>
+                    </a:p>
+                  </a:txBody>
+                  <a:tcPr/>
+                </a:tc>
+              </a:tr>
+              <a:tr h="360000">
+                <a:tc>
+                  <a:txBody>
+                    <a:bodyPr/>
+                    <a:lstStyle/>
+                    <a:p>
+                      <a:pPr>
+                        <a:lnSpc>
+                          <a:spcPct val="100000"/>
+                        </a:lnSpc>
+                      </a:pPr>
+                      <a:r>
                         <a:rPr lang="en-US">
                           <a:solidFill>
                             <a:srgbClr val="000000"/>
                           </a:solidFill>
                           <a:latin typeface="Calibri"/>
                         </a:rPr>
-                        <a:t>COP</a:t>
+                        <a:t>2 °C</a:t>
                       </a:r>
                       <a:endParaRPr/>
                     </a:p>
@@ -3914,6 +4796,7 @@
                 <a:tc>
                   <a:txBody>
                     <a:bodyPr/>
+                    <a:lstStyle/>
                     <a:p>
                       <a:pPr>
                         <a:lnSpc>
@@ -3927,7 +4810,55 @@
                           </a:solidFill>
                           <a:latin typeface="Calibri"/>
                         </a:rPr>
-                        <a:t>Benötigte Stromleistung (W / COP)</a:t>
+                        <a:t>10 kW</a:t>
+                      </a:r>
+                      <a:endParaRPr/>
+                    </a:p>
+                  </a:txBody>
+                  <a:tcPr/>
+                </a:tc>
+                <a:tc>
+                  <a:txBody>
+                    <a:bodyPr/>
+                    <a:lstStyle/>
+                    <a:p>
+                      <a:pPr>
+                        <a:lnSpc>
+                          <a:spcPct val="100000"/>
+                        </a:lnSpc>
+                      </a:pPr>
+                      <a:r>
+                        <a:rPr lang="en-US">
+                          <a:solidFill>
+                            <a:srgbClr val="000000"/>
+                          </a:solidFill>
+                          <a:latin typeface="Calibri"/>
+                        </a:rPr>
+                        <a:t>4.95</a:t>
+                      </a:r>
+                      <a:endParaRPr/>
+                    </a:p>
+                  </a:txBody>
+                  <a:tcPr/>
+                </a:tc>
+                <a:tc>
+                  <a:txBody>
+                    <a:bodyPr/>
+                    <a:lstStyle/>
+                    <a:p>
+                      <a:pPr>
+                        <a:lnSpc>
+                          <a:spcPct val="100000"/>
+                        </a:lnSpc>
+                      </a:pPr>
+                      <a:r>
+                        <a:rPr lang="en-US">
+                          <a:solidFill>
+                            <a:srgbClr val="000000"/>
+                          </a:solidFill>
+                          <a:latin typeface="Calibri"/>
+                        </a:rPr>
+                        <a:t>2.02 kW</a:t>
                       </a:r>
                       <a:endParaRPr/>
                     </a:p>
@@ -3939,6 +4870,7 @@
                 <a:tc>
                   <a:txBody>
                     <a:bodyPr/>
+                    <a:lstStyle/>
                     <a:p>
                       <a:pPr>
                         <a:lnSpc>
@@ -3952,7 +4884,7 @@
                           </a:solidFill>
                           <a:latin typeface="Calibri"/>
                         </a:rPr>
-                        <a:t>2 °C</a:t>
+                        <a:t>7 °C</a:t>
                       </a:r>
                       <a:endParaRPr/>
                     </a:p>
@@ -3962,6 +4894,7 @@
                 <a:tc>
                   <a:txBody>
                     <a:bodyPr/>
+                    <a:lstStyle/>
                     <a:p>
                       <a:pPr>
                         <a:lnSpc>
@@ -3985,6 +4918,7 @@
                 <a:tc>
                   <a:txBody>
                     <a:bodyPr/>
+                    <a:lstStyle/>
                     <a:p>
                       <a:pPr>
                         <a:lnSpc>
@@ -3998,7 +4932,7 @@
                           </a:solidFill>
                           <a:latin typeface="Calibri"/>
                         </a:rPr>
-                        <a:t>4.95</a:t>
+                        <a:t>5.14</a:t>
                       </a:r>
                       <a:endParaRPr/>
                     </a:p>
@@ -4008,6 +4942,7 @@
                 <a:tc>
                   <a:txBody>
                     <a:bodyPr/>
+                    <a:lstStyle/>
                     <a:p>
                       <a:pPr>
                         <a:lnSpc>
@@ -4021,7 +4956,7 @@
                           </a:solidFill>
                           <a:latin typeface="Calibri"/>
                         </a:rPr>
-                        <a:t>2.02 kW</a:t>
+                        <a:t>1.95 kW</a:t>
                       </a:r>
                       <a:endParaRPr/>
                     </a:p>
@@ -4033,6 +4968,7 @@
                 <a:tc>
                   <a:txBody>
                     <a:bodyPr/>
+                    <a:lstStyle/>
                     <a:p>
                       <a:pPr>
                         <a:lnSpc>
@@ -4040,13 +4976,37 @@
                         </a:lnSpc>
                       </a:pPr>
                       <a:r>
+                        <a:rPr lang="en-US" dirty="0">
+                          <a:solidFill>
+                            <a:srgbClr val="000000"/>
+                          </a:solidFill>
+                          <a:latin typeface="Calibri"/>
+                        </a:rPr>
+                        <a:t>6.6 °C</a:t>
+                      </a:r>
+                      <a:endParaRPr dirty="0"/>
+                    </a:p>
+                  </a:txBody>
+                  <a:tcPr/>
+                </a:tc>
+                <a:tc>
+                  <a:txBody>
+                    <a:bodyPr/>
+                    <a:lstStyle/>
+                    <a:p>
+                      <a:pPr>
+                        <a:lnSpc>
+                          <a:spcPct val="100000"/>
+                        </a:lnSpc>
+                      </a:pPr>
+                      <a:r>
                         <a:rPr lang="en-US">
                           <a:solidFill>
                             <a:srgbClr val="000000"/>
                           </a:solidFill>
                           <a:latin typeface="Calibri"/>
                         </a:rPr>
-                        <a:t>7 °C</a:t>
+                        <a:t>10 kW</a:t>
                       </a:r>
                       <a:endParaRPr/>
                     </a:p>
@@ -4056,6 +5016,7 @@
                 <a:tc>
                   <a:txBody>
                     <a:bodyPr/>
+                    <a:lstStyle/>
                     <a:p>
                       <a:pPr>
                         <a:lnSpc>
@@ -4069,7 +5030,7 @@
                           </a:solidFill>
                           <a:latin typeface="Calibri"/>
                         </a:rPr>
-                        <a:t>10 kW</a:t>
+                        <a:t>5.12</a:t>
                       </a:r>
                       <a:endParaRPr/>
                     </a:p>
@@ -4079,6 +5040,7 @@
                 <a:tc>
                   <a:txBody>
                     <a:bodyPr/>
+                    <a:lstStyle/>
                     <a:p>
                       <a:pPr>
                         <a:lnSpc>
@@ -4086,132 +5048,15 @@
                         </a:lnSpc>
                       </a:pPr>
                       <a:r>
-                        <a:rPr lang="en-US">
+                        <a:rPr lang="en-US" dirty="0">
                           <a:solidFill>
                             <a:srgbClr val="000000"/>
                           </a:solidFill>
                           <a:latin typeface="Calibri"/>
                         </a:rPr>
-                        <a:t>5.14</a:t>
-                      </a:r>
-                      <a:endParaRPr/>
-                    </a:p>
-                  </a:txBody>
-                  <a:tcPr/>
-                </a:tc>
-                <a:tc>
-                  <a:txBody>
-                    <a:bodyPr/>
-                    <a:p>
-                      <a:pPr>
-                        <a:lnSpc>
-                          <a:spcPct val="100000"/>
-                        </a:lnSpc>
-                      </a:pPr>
-                      <a:r>
-                        <a:rPr lang="en-US">
-                          <a:solidFill>
-                            <a:srgbClr val="000000"/>
-                          </a:solidFill>
-                          <a:latin typeface="Calibri"/>
-                        </a:rPr>
                         <a:t>1.95 kW</a:t>
                       </a:r>
-                      <a:endParaRPr/>
-                    </a:p>
-                  </a:txBody>
-                  <a:tcPr/>
-                </a:tc>
-              </a:tr>
-              <a:tr h="360000">
-                <a:tc>
-                  <a:txBody>
-                    <a:bodyPr/>
-                    <a:p>
-                      <a:pPr>
-                        <a:lnSpc>
-                          <a:spcPct val="100000"/>
-                        </a:lnSpc>
-                      </a:pPr>
-                      <a:r>
-                        <a:rPr lang="en-US">
-                          <a:solidFill>
-                            <a:srgbClr val="000000"/>
-                          </a:solidFill>
-                          <a:latin typeface="Calibri"/>
-                        </a:rPr>
-                        <a:t>6.6 °C</a:t>
-                      </a:r>
-                      <a:endParaRPr/>
-                    </a:p>
-                  </a:txBody>
-                  <a:tcPr/>
-                </a:tc>
-                <a:tc>
-                  <a:txBody>
-                    <a:bodyPr/>
-                    <a:p>
-                      <a:pPr>
-                        <a:lnSpc>
-                          <a:spcPct val="100000"/>
-                        </a:lnSpc>
-                      </a:pPr>
-                      <a:r>
-                        <a:rPr lang="en-US">
-                          <a:solidFill>
-                            <a:srgbClr val="000000"/>
-                          </a:solidFill>
-                          <a:latin typeface="Calibri"/>
-                        </a:rPr>
-                        <a:t>10 kW</a:t>
-                      </a:r>
-                      <a:endParaRPr/>
-                    </a:p>
-                  </a:txBody>
-                  <a:tcPr/>
-                </a:tc>
-                <a:tc>
-                  <a:txBody>
-                    <a:bodyPr/>
-                    <a:p>
-                      <a:pPr>
-                        <a:lnSpc>
-                          <a:spcPct val="100000"/>
-                        </a:lnSpc>
-                      </a:pPr>
-                      <a:r>
-                        <a:rPr lang="en-US">
-                          <a:solidFill>
-                            <a:srgbClr val="000000"/>
-                          </a:solidFill>
-                          <a:latin typeface="Calibri"/>
-                        </a:rPr>
-                        <a:t>5.12</a:t>
-                      </a:r>
-                      <a:endParaRPr/>
-                    </a:p>
-                  </a:txBody>
-                  <a:tcPr/>
-                </a:tc>
-                <a:tc>
-                  <a:txBody>
-                    <a:bodyPr/>
-                    <a:p>
-                      <a:pPr>
-                        <a:lnSpc>
-                          <a:spcPct val="100000"/>
-                        </a:lnSpc>
-                      </a:pPr>
-                      <a:r>
-                        <a:rPr lang="en-US">
-                          <a:solidFill>
-                            <a:srgbClr val="000000"/>
-                          </a:solidFill>
-                          <a:latin typeface="Calibri"/>
-                        </a:rPr>
-                        <a:t>1.95 kW</a:t>
-                      </a:r>
-                      <a:endParaRPr/>
+                      <a:endParaRPr dirty="0"/>
                     </a:p>
                   </a:txBody>
                   <a:tcPr/>
@@ -4223,22 +5068,25 @@
       </p:graphicFrame>
     </p:spTree>
   </p:cSld>
+  <p:clrMapOvr>
+    <a:masterClrMapping/>
+  </p:clrMapOvr>
   <p:timing>
     <p:tnLst>
       <p:par>
-        <p:cTn id="7" dur="indefinite" restart="never" nodeType="tmRoot">
+        <p:cTn id="1" dur="indefinite" restart="never" nodeType="tmRoot">
           <p:childTnLst>
             <p:seq>
-              <p:cTn id="8" nodeType="mainSeq"/>
+              <p:cTn id="2" nodeType="mainSeq"/>
               <p:prevCondLst>
-                <p:cond delay="0" evt="onPrev">
+                <p:cond evt="onPrev" delay="0">
                   <p:tgtEl>
                     <p:sldTgt/>
                   </p:tgtEl>
                 </p:cond>
               </p:prevCondLst>
               <p:nextCondLst>
-                <p:cond delay="0" evt="onNext">
+                <p:cond evt="onNext" delay="0">
                   <p:tgtEl>
                     <p:sldTgt/>
                   </p:tgtEl>
@@ -4254,7 +5102,7 @@
 </file>
 
 <file path=ppt/slides/slide5.xml><?xml version="1.0" encoding="utf-8"?>
-<p:sld xmlns:a="http://schemas.openxmlformats.org/drawingml/2006/main" xmlns:p="http://schemas.openxmlformats.org/presentationml/2006/main" xmlns:r="http://schemas.openxmlformats.org/officeDocument/2006/relationships">
+<p:sld xmlns:a="http://schemas.openxmlformats.org/drawingml/2006/main" xmlns:r="http://schemas.openxmlformats.org/officeDocument/2006/relationships" xmlns:p="http://schemas.openxmlformats.org/presentationml/2006/main">
   <p:cSld>
     <p:spTree>
       <p:nvGrpSpPr>
@@ -4287,6 +5135,7 @@
         </p:spPr>
         <p:txBody>
           <a:bodyPr anchor="ctr"/>
+          <a:lstStyle/>
           <a:p>
             <a:pPr>
               <a:lnSpc>
@@ -4323,6 +5172,7 @@
         </p:spPr>
         <p:txBody>
           <a:bodyPr/>
+          <a:lstStyle/>
           <a:p>
             <a:pPr>
               <a:lnSpc>
@@ -4411,12 +5261,12 @@
       </p:sp>
       <p:pic>
         <p:nvPicPr>
-          <p:cNvPr id="90" name="Grafik 4" descr=""/>
+          <p:cNvPr id="90" name="Grafik 4"/>
           <p:cNvPicPr/>
           <p:nvPr/>
         </p:nvPicPr>
         <p:blipFill>
-          <a:blip r:embed="rId1"/>
+          <a:blip r:embed="rId2"/>
           <a:stretch>
             <a:fillRect/>
           </a:stretch>
@@ -4436,22 +5286,25 @@
       </p:pic>
     </p:spTree>
   </p:cSld>
+  <p:clrMapOvr>
+    <a:masterClrMapping/>
+  </p:clrMapOvr>
   <p:timing>
     <p:tnLst>
       <p:par>
-        <p:cTn id="9" dur="indefinite" restart="never" nodeType="tmRoot">
+        <p:cTn id="1" dur="indefinite" restart="never" nodeType="tmRoot">
           <p:childTnLst>
             <p:seq>
-              <p:cTn id="10" nodeType="mainSeq"/>
+              <p:cTn id="2" nodeType="mainSeq"/>
               <p:prevCondLst>
-                <p:cond delay="0" evt="onPrev">
+                <p:cond evt="onPrev" delay="0">
                   <p:tgtEl>
                     <p:sldTgt/>
                   </p:tgtEl>
                 </p:cond>
               </p:prevCondLst>
               <p:nextCondLst>
-                <p:cond delay="0" evt="onNext">
+                <p:cond evt="onNext" delay="0">
                   <p:tgtEl>
                     <p:sldTgt/>
                   </p:tgtEl>
@@ -4467,7 +5320,7 @@
 </file>
 
 <file path=ppt/slides/slide6.xml><?xml version="1.0" encoding="utf-8"?>
-<p:sld xmlns:a="http://schemas.openxmlformats.org/drawingml/2006/main" xmlns:p="http://schemas.openxmlformats.org/presentationml/2006/main" xmlns:r="http://schemas.openxmlformats.org/officeDocument/2006/relationships">
+<p:sld xmlns:a="http://schemas.openxmlformats.org/drawingml/2006/main" xmlns:r="http://schemas.openxmlformats.org/officeDocument/2006/relationships" xmlns:p="http://schemas.openxmlformats.org/presentationml/2006/main">
   <p:cSld>
     <p:spTree>
       <p:nvGrpSpPr>
@@ -4500,6 +5353,7 @@
         </p:spPr>
         <p:txBody>
           <a:bodyPr anchor="ctr"/>
+          <a:lstStyle/>
           <a:p>
             <a:pPr>
               <a:lnSpc>
@@ -4507,7 +5361,7 @@
               </a:lnSpc>
             </a:pPr>
             <a:r>
-              <a:rPr lang="de-DE" sz="4400">
+              <a:rPr lang="de-DE" sz="4400" dirty="0">
                 <a:solidFill>
                   <a:srgbClr val="000000"/>
                 </a:solidFill>
@@ -4515,7 +5369,7 @@
               </a:rPr>
               <a:t>Beispiel Junkers</a:t>
             </a:r>
-            <a:endParaRPr/>
+            <a:endParaRPr dirty="0"/>
           </a:p>
         </p:txBody>
       </p:sp>
@@ -4527,8 +5381,8 @@
         </p:nvSpPr>
         <p:spPr>
           <a:xfrm>
-            <a:off x="838080" y="1825560"/>
-            <a:ext cx="10515240" cy="4350960"/>
+            <a:off x="838080" y="3000776"/>
+            <a:ext cx="10515240" cy="3175743"/>
           </a:xfrm>
           <a:prstGeom prst="rect">
             <a:avLst/>
@@ -4536,37 +5390,14 @@
         </p:spPr>
         <p:txBody>
           <a:bodyPr/>
-          <a:p>
-            <a:pPr>
-              <a:lnSpc>
-                <a:spcPct val="90000"/>
-              </a:lnSpc>
-            </a:pPr>
-            <a:endParaRPr/>
-          </a:p>
-          <a:p>
-            <a:pPr>
-              <a:lnSpc>
-                <a:spcPct val="90000"/>
-              </a:lnSpc>
-            </a:pPr>
-            <a:endParaRPr/>
-          </a:p>
-          <a:p>
-            <a:pPr>
-              <a:lnSpc>
-                <a:spcPct val="90000"/>
-              </a:lnSpc>
-            </a:pPr>
-            <a:endParaRPr/>
-          </a:p>
+          <a:lstStyle/>
           <a:p>
             <a:pPr>
               <a:lnSpc>
                 <a:spcPct val="100000"/>
               </a:lnSpc>
             </a:pPr>
-            <a:endParaRPr/>
+            <a:endParaRPr dirty="0"/>
           </a:p>
           <a:p>
             <a:pPr>
@@ -4577,15 +5408,15 @@
               <a:buChar char="•"/>
             </a:pPr>
             <a:r>
-              <a:rPr lang="de-DE" sz="2400">
+              <a:rPr lang="de-DE" sz="2400" dirty="0" smtClean="0">
                 <a:solidFill>
                   <a:srgbClr val="000000"/>
                 </a:solidFill>
                 <a:latin typeface="Calibri"/>
               </a:rPr>
-              <a:t>4672 kWh</a:t>
+              <a:t>4860 Stunden</a:t>
             </a:r>
-            <a:endParaRPr/>
+            <a:endParaRPr dirty="0"/>
           </a:p>
           <a:p>
             <a:pPr>
@@ -4596,15 +5427,62 @@
               <a:buChar char="•"/>
             </a:pPr>
             <a:r>
-              <a:rPr lang="de-DE" sz="2400">
+              <a:rPr lang="de-DE" sz="2400" dirty="0" smtClean="0">
                 <a:solidFill>
                   <a:srgbClr val="000000"/>
                 </a:solidFill>
                 <a:latin typeface="Calibri"/>
               </a:rPr>
-              <a:t>476.73 L pro jahr</a:t>
+              <a:t>4860 * 10.3 = 50155 kWh pro Jahr</a:t>
             </a:r>
-            <a:endParaRPr/>
+            <a:endParaRPr dirty="0"/>
+          </a:p>
+          <a:p>
+            <a:pPr>
+              <a:lnSpc>
+                <a:spcPct val="90000"/>
+              </a:lnSpc>
+            </a:pPr>
+            <a:endParaRPr lang="de-DE" sz="2400" dirty="0">
+              <a:solidFill>
+                <a:srgbClr val="000000"/>
+              </a:solidFill>
+              <a:latin typeface="Calibri"/>
+            </a:endParaRPr>
+          </a:p>
+          <a:p>
+            <a:pPr>
+              <a:lnSpc>
+                <a:spcPct val="90000"/>
+              </a:lnSpc>
+            </a:pPr>
+            <a:endParaRPr lang="de-DE" sz="2400" dirty="0" smtClean="0">
+              <a:solidFill>
+                <a:srgbClr val="000000"/>
+              </a:solidFill>
+              <a:latin typeface="Calibri"/>
+            </a:endParaRPr>
+          </a:p>
+          <a:p>
+            <a:pPr>
+              <a:lnSpc>
+                <a:spcPct val="90000"/>
+              </a:lnSpc>
+            </a:pPr>
+            <a:endParaRPr lang="de-DE" sz="2400" dirty="0" smtClean="0">
+              <a:solidFill>
+                <a:srgbClr val="000000"/>
+              </a:solidFill>
+              <a:latin typeface="Calibri"/>
+            </a:endParaRPr>
+          </a:p>
+          <a:p>
+            <a:pPr>
+              <a:lnSpc>
+                <a:spcPct val="90000"/>
+              </a:lnSpc>
+            </a:pPr>
+            <a:endParaRPr dirty="0"/>
           </a:p>
           <a:p>
             <a:pPr>
@@ -4615,26 +5493,7 @@
               <a:buChar char="•"/>
             </a:pPr>
             <a:r>
-              <a:rPr lang="de-DE" sz="2400">
-                <a:solidFill>
-                  <a:srgbClr val="000000"/>
-                </a:solidFill>
-                <a:latin typeface="Calibri"/>
-              </a:rPr>
-              <a:t>Ca 85 Fr/100L =&gt; 4052 Fr</a:t>
-            </a:r>
-            <a:endParaRPr/>
-          </a:p>
-          <a:p>
-            <a:pPr>
-              <a:lnSpc>
-                <a:spcPct val="90000"/>
-              </a:lnSpc>
-              <a:buFont typeface="Arial"/>
-              <a:buChar char="•"/>
-            </a:pPr>
-            <a:r>
-              <a:rPr lang="de-DE" sz="1600">
+              <a:rPr lang="de-DE" sz="1600" dirty="0">
                 <a:solidFill>
                   <a:srgbClr val="000000"/>
                 </a:solidFill>
@@ -4642,7 +5501,7 @@
               </a:rPr>
               <a:t>Quellen: </a:t>
             </a:r>
-            <a:endParaRPr/>
+            <a:endParaRPr dirty="0"/>
           </a:p>
           <a:p>
             <a:pPr lvl="1">
@@ -4653,15 +5512,15 @@
               <a:buChar char="•"/>
             </a:pPr>
             <a:r>
-              <a:rPr lang="de-DE" sz="800" u="sng">
+              <a:rPr lang="de-DE" sz="800" u="sng" dirty="0">
                 <a:solidFill>
-                  <a:srgbClr val="0563c1"/>
+                  <a:srgbClr val="0563C1"/>
                 </a:solidFill>
                 <a:latin typeface="Calibri"/>
               </a:rPr>
               <a:t>http://www.Heitzung-direkt.de/UEBERSHO/brennwert.htm</a:t>
             </a:r>
-            <a:endParaRPr/>
+            <a:endParaRPr dirty="0"/>
           </a:p>
           <a:p>
             <a:pPr lvl="1">
@@ -4672,15 +5531,15 @@
               <a:buChar char="•"/>
             </a:pPr>
             <a:r>
-              <a:rPr lang="de-DE" sz="800" u="sng">
+              <a:rPr lang="de-DE" sz="800" u="sng" dirty="0">
                 <a:solidFill>
-                  <a:srgbClr val="0563c1"/>
+                  <a:srgbClr val="0563C1"/>
                 </a:solidFill>
                 <a:latin typeface="Calibri"/>
               </a:rPr>
               <a:t>http://Junkers.com</a:t>
             </a:r>
-            <a:endParaRPr/>
+            <a:endParaRPr dirty="0"/>
           </a:p>
           <a:p>
             <a:pPr lvl="1">
@@ -4691,15 +5550,15 @@
               <a:buChar char="•"/>
             </a:pPr>
             <a:r>
-              <a:rPr lang="de-DE" sz="800" u="sng">
+              <a:rPr lang="de-DE" sz="800" u="sng" dirty="0">
                 <a:solidFill>
-                  <a:srgbClr val="0563c1"/>
+                  <a:srgbClr val="0563C1"/>
                 </a:solidFill>
                 <a:latin typeface="Calibri"/>
               </a:rPr>
               <a:t>http://www.meineheizung.de/heizen-mit-oel/heizwert-von-heizoel</a:t>
             </a:r>
-            <a:endParaRPr/>
+            <a:endParaRPr dirty="0"/>
           </a:p>
           <a:p>
             <a:pPr lvl="1">
@@ -4710,21 +5569,21 @@
               <a:buChar char="•"/>
             </a:pPr>
             <a:r>
-              <a:rPr lang="de-DE" sz="800" u="sng">
+              <a:rPr lang="de-DE" sz="800" u="sng" dirty="0">
                 <a:solidFill>
-                  <a:srgbClr val="0563c1"/>
+                  <a:srgbClr val="0563C1"/>
                 </a:solidFill>
                 <a:latin typeface="Calibri"/>
               </a:rPr>
               <a:t>http://www.heizoel24.ch/</a:t>
             </a:r>
-            <a:endParaRPr/>
-          </a:p>
-          <a:p>
-            <a:endParaRPr/>
-          </a:p>
-          <a:p>
-            <a:endParaRPr/>
+            <a:endParaRPr dirty="0"/>
+          </a:p>
+          <a:p>
+            <a:endParaRPr dirty="0"/>
+          </a:p>
+          <a:p>
+            <a:endParaRPr dirty="0"/>
           </a:p>
         </p:txBody>
       </p:sp>
@@ -4732,27 +5591,34 @@
         <p:nvGraphicFramePr>
           <p:cNvPr id="93" name="Table 3"/>
           <p:cNvGraphicFramePr/>
-          <p:nvPr/>
+          <p:nvPr>
+            <p:extLst>
+              <p:ext uri="{D42A27DB-BD31-4B8C-83A1-F6EECF244321}">
+                <p14:modId xmlns:p14="http://schemas.microsoft.com/office/powerpoint/2010/main" val="2378637777"/>
+              </p:ext>
+            </p:extLst>
+          </p:nvPr>
         </p:nvGraphicFramePr>
         <p:xfrm>
-          <a:off x="-144720" y="1786680"/>
-          <a:ext cx="12362400" cy="1922760"/>
+          <a:off x="838080" y="1667510"/>
+          <a:ext cx="10022816" cy="1280160"/>
         </p:xfrm>
         <a:graphic>
           <a:graphicData uri="http://schemas.openxmlformats.org/drawingml/2006/table">
             <a:tbl>
               <a:tblPr/>
               <a:tblGrid>
-                <a:gridCol w="2200320"/>
-                <a:gridCol w="2046240"/>
-                <a:gridCol w="713880"/>
-                <a:gridCol w="3701520"/>
-                <a:gridCol w="3700440"/>
+                <a:gridCol w="2546804"/>
+                <a:gridCol w="2261937"/>
+                <a:gridCol w="818147"/>
+                <a:gridCol w="2369939"/>
+                <a:gridCol w="2025989"/>
               </a:tblGrid>
-              <a:tr h="628200">
+              <a:tr h="700991">
                 <a:tc>
                   <a:txBody>
                     <a:bodyPr/>
+                    <a:lstStyle/>
                     <a:p>
                       <a:pPr>
                         <a:lnSpc>
@@ -4760,15 +5626,17 @@
                         </a:lnSpc>
                       </a:pPr>
                       <a:r>
-                        <a:rPr lang="en-US">
-                          <a:solidFill>
-                            <a:srgbClr val="000000"/>
-                          </a:solidFill>
-                          <a:latin typeface="Calibri"/>
+                        <a:rPr lang="en-US" sz="2400" dirty="0" err="1">
+                          <a:solidFill>
+                            <a:srgbClr val="000000"/>
+                          </a:solidFill>
+                          <a:latin typeface="Calibri" panose="020F0502020204030204" pitchFamily="34" charset="0"/>
                         </a:rPr>
                         <a:t>Aussentemperatur</a:t>
                       </a:r>
-                      <a:endParaRPr/>
+                      <a:endParaRPr sz="2400" dirty="0">
+                        <a:latin typeface="Calibri" panose="020F0502020204030204" pitchFamily="34" charset="0"/>
+                      </a:endParaRPr>
                     </a:p>
                   </a:txBody>
                   <a:tcPr/>
@@ -4776,6 +5644,7 @@
                 <a:tc>
                   <a:txBody>
                     <a:bodyPr/>
+                    <a:lstStyle/>
                     <a:p>
                       <a:pPr>
                         <a:lnSpc>
@@ -4783,15 +5652,26 @@
                         </a:lnSpc>
                       </a:pPr>
                       <a:r>
-                        <a:rPr lang="en-US">
-                          <a:solidFill>
-                            <a:srgbClr val="000000"/>
-                          </a:solidFill>
-                          <a:latin typeface="Calibri"/>
-                        </a:rPr>
-                        <a:t>Wärmeleistung (W)</a:t>
-                      </a:r>
-                      <a:endParaRPr/>
+                        <a:rPr lang="en-US" sz="2400" dirty="0" err="1">
+                          <a:solidFill>
+                            <a:srgbClr val="000000"/>
+                          </a:solidFill>
+                          <a:latin typeface="Calibri" panose="020F0502020204030204" pitchFamily="34" charset="0"/>
+                        </a:rPr>
+                        <a:t>Wärmeleistung</a:t>
+                      </a:r>
+                      <a:r>
+                        <a:rPr lang="en-US" sz="2400" dirty="0">
+                          <a:solidFill>
+                            <a:srgbClr val="000000"/>
+                          </a:solidFill>
+                          <a:latin typeface="Calibri" panose="020F0502020204030204" pitchFamily="34" charset="0"/>
+                        </a:rPr>
+                        <a:t> (W)</a:t>
+                      </a:r>
+                      <a:endParaRPr sz="2400" dirty="0">
+                        <a:latin typeface="Calibri" panose="020F0502020204030204" pitchFamily="34" charset="0"/>
+                      </a:endParaRPr>
                     </a:p>
                   </a:txBody>
                   <a:tcPr/>
@@ -4799,6 +5679,7 @@
                 <a:tc>
                   <a:txBody>
                     <a:bodyPr/>
+                    <a:lstStyle/>
                     <a:p>
                       <a:pPr>
                         <a:lnSpc>
@@ -4806,15 +5687,17 @@
                         </a:lnSpc>
                       </a:pPr>
                       <a:r>
-                        <a:rPr lang="en-US">
-                          <a:solidFill>
-                            <a:srgbClr val="000000"/>
-                          </a:solidFill>
-                          <a:latin typeface="Calibri"/>
+                        <a:rPr lang="en-US" sz="2400" dirty="0">
+                          <a:solidFill>
+                            <a:srgbClr val="000000"/>
+                          </a:solidFill>
+                          <a:latin typeface="Calibri" panose="020F0502020204030204" pitchFamily="34" charset="0"/>
                         </a:rPr>
                         <a:t>ÖL</a:t>
                       </a:r>
-                      <a:endParaRPr/>
+                      <a:endParaRPr sz="2400" dirty="0">
+                        <a:latin typeface="Calibri" panose="020F0502020204030204" pitchFamily="34" charset="0"/>
+                      </a:endParaRPr>
                     </a:p>
                     <a:p>
                       <a:pPr>
@@ -4823,30 +5706,26 @@
                         </a:lnSpc>
                       </a:pPr>
                       <a:r>
-                        <a:rPr lang="en-US">
-                          <a:solidFill>
-                            <a:srgbClr val="000000"/>
-                          </a:solidFill>
-                          <a:latin typeface="Calibri"/>
-                        </a:rPr>
-                        <a:t>[L]</a:t>
-                      </a:r>
-                      <a:endParaRPr/>
-                    </a:p>
-                  </a:txBody>
-                  <a:tcPr/>
-                </a:tc>
-                <a:tc>
-                  <a:txBody>
-                    <a:bodyPr lIns="0" rIns="0" tIns="0" bIns="0"/>
-                    <a:p>
-                      <a:r>
-                        <a:rPr lang="en-US" sz="2400">
-                          <a:latin typeface="Times New Roman"/>
-                        </a:rPr>
-                        <a:t>Benötigte Energie</a:t>
-                      </a:r>
-                      <a:endParaRPr/>
+                        <a:rPr lang="en-US" sz="2400" dirty="0">
+                          <a:solidFill>
+                            <a:srgbClr val="000000"/>
+                          </a:solidFill>
+                          <a:latin typeface="Calibri" panose="020F0502020204030204" pitchFamily="34" charset="0"/>
+                        </a:rPr>
+                        <a:t>[</a:t>
+                      </a:r>
+                      <a:r>
+                        <a:rPr lang="en-US" sz="2400" dirty="0" smtClean="0">
+                          <a:solidFill>
+                            <a:srgbClr val="000000"/>
+                          </a:solidFill>
+                          <a:latin typeface="Calibri" panose="020F0502020204030204" pitchFamily="34" charset="0"/>
+                        </a:rPr>
+                        <a:t>L]</a:t>
+                      </a:r>
+                      <a:endParaRPr sz="2400" dirty="0">
+                        <a:latin typeface="Calibri" panose="020F0502020204030204" pitchFamily="34" charset="0"/>
+                      </a:endParaRPr>
                     </a:p>
                   </a:txBody>
                   <a:tcPr/>
@@ -4854,14 +5733,47 @@
                 <a:tc>
                   <a:txBody>
                     <a:bodyPr/>
+                    <a:lstStyle/>
                     <a:p>
                       <a:r>
-                        <a:rPr lang="en-US" sz="2400">
-                          <a:latin typeface="Times New Roman"/>
+                        <a:rPr lang="en-US" sz="2400" dirty="0" err="1">
+                          <a:latin typeface="Calibri" panose="020F0502020204030204" pitchFamily="34" charset="0"/>
+                        </a:rPr>
+                        <a:t>Benötigte</a:t>
+                      </a:r>
+                      <a:r>
+                        <a:rPr lang="en-US" sz="2400" dirty="0">
+                          <a:latin typeface="Calibri" panose="020F0502020204030204" pitchFamily="34" charset="0"/>
+                        </a:rPr>
+                        <a:t> </a:t>
+                      </a:r>
+                      <a:r>
+                        <a:rPr lang="en-US" sz="2400" dirty="0" err="1">
+                          <a:latin typeface="Calibri" panose="020F0502020204030204" pitchFamily="34" charset="0"/>
+                        </a:rPr>
+                        <a:t>Energie</a:t>
+                      </a:r>
+                      <a:endParaRPr sz="2400" dirty="0">
+                        <a:latin typeface="Calibri" panose="020F0502020204030204" pitchFamily="34" charset="0"/>
+                      </a:endParaRPr>
+                    </a:p>
+                  </a:txBody>
+                  <a:tcPr/>
+                </a:tc>
+                <a:tc>
+                  <a:txBody>
+                    <a:bodyPr/>
+                    <a:lstStyle/>
+                    <a:p>
+                      <a:r>
+                        <a:rPr lang="en-US" sz="2400" dirty="0" err="1">
+                          <a:latin typeface="Calibri" panose="020F0502020204030204" pitchFamily="34" charset="0"/>
                         </a:rPr>
                         <a:t>Wirkungsgrad</a:t>
                       </a:r>
-                      <a:endParaRPr/>
+                      <a:endParaRPr sz="2400" dirty="0">
+                        <a:latin typeface="Calibri" panose="020F0502020204030204" pitchFamily="34" charset="0"/>
+                      </a:endParaRPr>
                     </a:p>
                   </a:txBody>
                   <a:tcPr/>
@@ -4871,6 +5783,7 @@
                 <a:tc>
                   <a:txBody>
                     <a:bodyPr/>
+                    <a:lstStyle/>
                     <a:p>
                       <a:pPr>
                         <a:lnSpc>
@@ -4878,15 +5791,35 @@
                         </a:lnSpc>
                       </a:pPr>
                       <a:r>
-                        <a:rPr lang="en-US">
-                          <a:solidFill>
-                            <a:srgbClr val="000000"/>
-                          </a:solidFill>
-                          <a:latin typeface="Calibri"/>
-                        </a:rPr>
-                        <a:t>2 °C</a:t>
-                      </a:r>
-                      <a:endParaRPr/>
+                        <a:rPr lang="en-US" sz="2400" dirty="0" smtClean="0">
+                          <a:solidFill>
+                            <a:srgbClr val="000000"/>
+                          </a:solidFill>
+                          <a:latin typeface="Calibri" panose="020F0502020204030204" pitchFamily="34" charset="0"/>
+                        </a:rPr>
+                        <a:t>6.6</a:t>
+                      </a:r>
+                      <a:r>
+                        <a:rPr lang="en-US" sz="2400" baseline="0" dirty="0" smtClean="0">
+                          <a:solidFill>
+                            <a:srgbClr val="000000"/>
+                          </a:solidFill>
+                          <a:latin typeface="Calibri" panose="020F0502020204030204" pitchFamily="34" charset="0"/>
+                        </a:rPr>
+                        <a:t> </a:t>
+                      </a:r>
+                      <a:r>
+                        <a:rPr lang="en-US" sz="2400" dirty="0" smtClean="0">
+                          <a:solidFill>
+                            <a:srgbClr val="000000"/>
+                          </a:solidFill>
+                          <a:latin typeface="Calibri" panose="020F0502020204030204" pitchFamily="34" charset="0"/>
+                        </a:rPr>
+                        <a:t>°C</a:t>
+                      </a:r>
+                      <a:endParaRPr sz="2400" dirty="0">
+                        <a:latin typeface="Calibri" panose="020F0502020204030204" pitchFamily="34" charset="0"/>
+                      </a:endParaRPr>
                     </a:p>
                   </a:txBody>
                   <a:tcPr/>
@@ -4894,6 +5827,7 @@
                 <a:tc>
                   <a:txBody>
                     <a:bodyPr/>
+                    <a:lstStyle/>
                     <a:p>
                       <a:pPr>
                         <a:lnSpc>
@@ -4901,15 +5835,17 @@
                         </a:lnSpc>
                       </a:pPr>
                       <a:r>
-                        <a:rPr lang="en-US">
-                          <a:solidFill>
-                            <a:srgbClr val="000000"/>
-                          </a:solidFill>
-                          <a:latin typeface="Calibri"/>
+                        <a:rPr lang="en-US" sz="2400">
+                          <a:solidFill>
+                            <a:srgbClr val="000000"/>
+                          </a:solidFill>
+                          <a:latin typeface="Calibri" panose="020F0502020204030204" pitchFamily="34" charset="0"/>
                         </a:rPr>
                         <a:t>10 kW</a:t>
                       </a:r>
-                      <a:endParaRPr/>
+                      <a:endParaRPr sz="2400">
+                        <a:latin typeface="Calibri" panose="020F0502020204030204" pitchFamily="34" charset="0"/>
+                      </a:endParaRPr>
                     </a:p>
                   </a:txBody>
                   <a:tcPr/>
@@ -4917,6 +5853,7 @@
                 <a:tc>
                   <a:txBody>
                     <a:bodyPr/>
+                    <a:lstStyle/>
                     <a:p>
                       <a:pPr>
                         <a:lnSpc>
@@ -4924,30 +5861,17 @@
                         </a:lnSpc>
                       </a:pPr>
                       <a:r>
-                        <a:rPr lang="en-US">
-                          <a:solidFill>
-                            <a:srgbClr val="000000"/>
-                          </a:solidFill>
-                          <a:latin typeface="Calibri"/>
+                        <a:rPr lang="en-US" sz="2400" dirty="0">
+                          <a:solidFill>
+                            <a:srgbClr val="000000"/>
+                          </a:solidFill>
+                          <a:latin typeface="Calibri" panose="020F0502020204030204" pitchFamily="34" charset="0"/>
                         </a:rPr>
                         <a:t>1.05</a:t>
                       </a:r>
-                      <a:endParaRPr/>
-                    </a:p>
-                  </a:txBody>
-                  <a:tcPr/>
-                </a:tc>
-                <a:tc>
-                  <a:txBody>
-                    <a:bodyPr lIns="0" rIns="0" tIns="0" bIns="0"/>
-                    <a:p>
-                      <a:r>
-                        <a:rPr lang="en-US" sz="2400">
-                          <a:latin typeface="Times New Roman"/>
-                        </a:rPr>
-                        <a:t>10.3 kw</a:t>
-                      </a:r>
-                      <a:endParaRPr/>
+                      <a:endParaRPr sz="2400" dirty="0">
+                        <a:latin typeface="Calibri" panose="020F0502020204030204" pitchFamily="34" charset="0"/>
+                      </a:endParaRPr>
                     </a:p>
                   </a:txBody>
                   <a:tcPr/>
@@ -4955,39 +5879,17 @@
                 <a:tc>
                   <a:txBody>
                     <a:bodyPr/>
+                    <a:lstStyle/>
                     <a:p>
                       <a:r>
-                        <a:rPr lang="en-US" sz="2400">
-                          <a:latin typeface="Times New Roman"/>
-                        </a:rPr>
-                        <a:t>97%</a:t>
-                      </a:r>
-                      <a:endParaRPr/>
-                    </a:p>
-                  </a:txBody>
-                  <a:tcPr/>
-                </a:tc>
-              </a:tr>
-              <a:tr h="431640">
-                <a:tc>
-                  <a:txBody>
-                    <a:bodyPr/>
-                    <a:p>
-                      <a:pPr>
-                        <a:lnSpc>
-                          <a:spcPct val="100000"/>
-                        </a:lnSpc>
-                      </a:pPr>
-                      <a:r>
-                        <a:rPr lang="en-US">
-                          <a:solidFill>
-                            <a:srgbClr val="000000"/>
-                          </a:solidFill>
-                          <a:latin typeface="Calibri"/>
-                        </a:rPr>
-                        <a:t>7 °C</a:t>
-                      </a:r>
-                      <a:endParaRPr/>
+                        <a:rPr lang="en-US" sz="2400" dirty="0">
+                          <a:latin typeface="Calibri" panose="020F0502020204030204" pitchFamily="34" charset="0"/>
+                        </a:rPr>
+                        <a:t>10.3 kw</a:t>
+                      </a:r>
+                      <a:endParaRPr sz="2400" dirty="0">
+                        <a:latin typeface="Calibri" panose="020F0502020204030204" pitchFamily="34" charset="0"/>
+                      </a:endParaRPr>
                     </a:p>
                   </a:txBody>
                   <a:tcPr/>
@@ -4995,130 +5897,19 @@
                 <a:tc>
                   <a:txBody>
                     <a:bodyPr/>
+                    <a:lstStyle/>
                     <a:p>
-                      <a:pPr>
-                        <a:lnSpc>
-                          <a:spcPct val="100000"/>
-                        </a:lnSpc>
-                      </a:pPr>
-                      <a:r>
-                        <a:rPr lang="en-US">
-                          <a:solidFill>
-                            <a:srgbClr val="000000"/>
-                          </a:solidFill>
-                          <a:latin typeface="Calibri"/>
-                        </a:rPr>
-                        <a:t>10 kW</a:t>
-                      </a:r>
-                      <a:endParaRPr/>
+                      <a:r>
+                        <a:rPr lang="en-US" sz="2400" dirty="0">
+                          <a:latin typeface="Calibri" panose="020F0502020204030204" pitchFamily="34" charset="0"/>
+                        </a:rPr>
+                        <a:t>97%</a:t>
+                      </a:r>
+                      <a:endParaRPr sz="2400" dirty="0">
+                        <a:latin typeface="Calibri" panose="020F0502020204030204" pitchFamily="34" charset="0"/>
+                      </a:endParaRPr>
                     </a:p>
                   </a:txBody>
-                  <a:tcPr/>
-                </a:tc>
-                <a:tc>
-                  <a:txBody>
-                    <a:bodyPr/>
-                    <a:p>
-                      <a:pPr>
-                        <a:lnSpc>
-                          <a:spcPct val="100000"/>
-                        </a:lnSpc>
-                      </a:pPr>
-                      <a:r>
-                        <a:rPr lang="en-US">
-                          <a:solidFill>
-                            <a:srgbClr val="000000"/>
-                          </a:solidFill>
-                          <a:latin typeface="Calibri"/>
-                        </a:rPr>
-                        <a:t>5.14</a:t>
-                      </a:r>
-                      <a:endParaRPr/>
-                    </a:p>
-                  </a:txBody>
-                  <a:tcPr/>
-                </a:tc>
-                <a:tc>
-                  <a:tcPr/>
-                </a:tc>
-                <a:tc>
-                  <a:tcPr/>
-                </a:tc>
-              </a:tr>
-              <a:tr h="431640">
-                <a:tc>
-                  <a:txBody>
-                    <a:bodyPr/>
-                    <a:p>
-                      <a:pPr>
-                        <a:lnSpc>
-                          <a:spcPct val="100000"/>
-                        </a:lnSpc>
-                      </a:pPr>
-                      <a:r>
-                        <a:rPr lang="en-US">
-                          <a:solidFill>
-                            <a:srgbClr val="000000"/>
-                          </a:solidFill>
-                          <a:latin typeface="Calibri"/>
-                        </a:rPr>
-                        <a:t>6.6 °C</a:t>
-                      </a:r>
-                      <a:endParaRPr/>
-                    </a:p>
-                  </a:txBody>
-                  <a:tcPr/>
-                </a:tc>
-                <a:tc>
-                  <a:txBody>
-                    <a:bodyPr/>
-                    <a:p>
-                      <a:pPr>
-                        <a:lnSpc>
-                          <a:spcPct val="100000"/>
-                        </a:lnSpc>
-                      </a:pPr>
-                      <a:r>
-                        <a:rPr lang="en-US">
-                          <a:solidFill>
-                            <a:srgbClr val="000000"/>
-                          </a:solidFill>
-                          <a:latin typeface="Calibri"/>
-                        </a:rPr>
-                        <a:t>10 kW</a:t>
-                      </a:r>
-                      <a:endParaRPr/>
-                    </a:p>
-                  </a:txBody>
-                  <a:tcPr/>
-                </a:tc>
-                <a:tc>
-                  <a:txBody>
-                    <a:bodyPr/>
-                    <a:p>
-                      <a:pPr>
-                        <a:lnSpc>
-                          <a:spcPct val="100000"/>
-                        </a:lnSpc>
-                      </a:pPr>
-                      <a:r>
-                        <a:rPr lang="en-US">
-                          <a:solidFill>
-                            <a:srgbClr val="000000"/>
-                          </a:solidFill>
-                          <a:latin typeface="Calibri"/>
-                        </a:rPr>
-                        <a:t>5.12</a:t>
-                      </a:r>
-                      <a:endParaRPr/>
-                    </a:p>
-                  </a:txBody>
-                  <a:tcPr/>
-                </a:tc>
-                <a:tc>
-                  <a:tcPr/>
-                </a:tc>
-                <a:tc>
                   <a:tcPr/>
                 </a:tc>
               </a:tr>
@@ -5128,22 +5919,25 @@
       </p:graphicFrame>
     </p:spTree>
   </p:cSld>
+  <p:clrMapOvr>
+    <a:masterClrMapping/>
+  </p:clrMapOvr>
   <p:timing>
     <p:tnLst>
       <p:par>
-        <p:cTn id="11" dur="indefinite" restart="never" nodeType="tmRoot">
+        <p:cTn id="1" dur="indefinite" restart="never" nodeType="tmRoot">
           <p:childTnLst>
             <p:seq>
-              <p:cTn id="12" nodeType="mainSeq"/>
+              <p:cTn id="2" nodeType="mainSeq"/>
               <p:prevCondLst>
-                <p:cond delay="0" evt="onPrev">
+                <p:cond evt="onPrev" delay="0">
                   <p:tgtEl>
                     <p:sldTgt/>
                   </p:tgtEl>
                 </p:cond>
               </p:prevCondLst>
               <p:nextCondLst>
-                <p:cond delay="0" evt="onNext">
+                <p:cond evt="onNext" delay="0">
                   <p:tgtEl>
                     <p:sldTgt/>
                   </p:tgtEl>
@@ -5159,7 +5953,7 @@
 </file>
 
 <file path=ppt/slides/slide7.xml><?xml version="1.0" encoding="utf-8"?>
-<p:sld xmlns:a="http://schemas.openxmlformats.org/drawingml/2006/main" xmlns:p="http://schemas.openxmlformats.org/presentationml/2006/main" xmlns:r="http://schemas.openxmlformats.org/officeDocument/2006/relationships">
+<p:sld xmlns:a="http://schemas.openxmlformats.org/drawingml/2006/main" xmlns:r="http://schemas.openxmlformats.org/officeDocument/2006/relationships" xmlns:p="http://schemas.openxmlformats.org/presentationml/2006/main">
   <p:cSld>
     <p:spTree>
       <p:nvGrpSpPr>
@@ -5192,6 +5986,7 @@
         </p:spPr>
         <p:txBody>
           <a:bodyPr anchor="ctr"/>
+          <a:lstStyle/>
           <a:p>
             <a:pPr>
               <a:lnSpc>
@@ -5215,11 +6010,17 @@
         <p:nvGraphicFramePr>
           <p:cNvPr id="95" name="Table 2"/>
           <p:cNvGraphicFramePr/>
-          <p:nvPr/>
+          <p:nvPr>
+            <p:extLst>
+              <p:ext uri="{D42A27DB-BD31-4B8C-83A1-F6EECF244321}">
+                <p14:modId xmlns:p14="http://schemas.microsoft.com/office/powerpoint/2010/main" val="3760786214"/>
+              </p:ext>
+            </p:extLst>
+          </p:nvPr>
         </p:nvGraphicFramePr>
         <p:xfrm>
           <a:off x="838080" y="1825560"/>
-          <a:ext cx="10515240" cy="2570040"/>
+          <a:ext cx="10515600" cy="2854800"/>
         </p:xfrm>
         <a:graphic>
           <a:graphicData uri="http://schemas.openxmlformats.org/drawingml/2006/table">
@@ -5233,6 +6034,7 @@
                 <a:tc>
                   <a:txBody>
                     <a:bodyPr/>
+                    <a:lstStyle/>
                     <a:p>
                       <a:pPr>
                         <a:lnSpc>
@@ -5240,7 +6042,7 @@
                         </a:lnSpc>
                       </a:pPr>
                       <a:r>
-                        <a:rPr b="1" lang="en-US">
+                        <a:rPr lang="en-US" b="1" dirty="0" err="1">
                           <a:solidFill>
                             <a:srgbClr val="000000"/>
                           </a:solidFill>
@@ -5248,7 +6050,7 @@
                         </a:rPr>
                         <a:t>Stärken</a:t>
                       </a:r>
-                      <a:endParaRPr/>
+                      <a:endParaRPr dirty="0"/>
                     </a:p>
                   </a:txBody>
                   <a:tcPr/>
@@ -5256,6 +6058,7 @@
                 <a:tc>
                   <a:txBody>
                     <a:bodyPr/>
+                    <a:lstStyle/>
                     <a:p>
                       <a:pPr>
                         <a:lnSpc>
@@ -5263,7 +6066,7 @@
                         </a:lnSpc>
                       </a:pPr>
                       <a:r>
-                        <a:rPr b="1" lang="en-US">
+                        <a:rPr lang="en-US" b="1">
                           <a:solidFill>
                             <a:srgbClr val="000000"/>
                           </a:solidFill>
@@ -5281,6 +6084,7 @@
                 <a:tc>
                   <a:txBody>
                     <a:bodyPr/>
+                    <a:lstStyle/>
                     <a:p>
                       <a:pPr>
                         <a:lnSpc>
@@ -5290,15 +6094,69 @@
                         <a:buChar char="•"/>
                       </a:pPr>
                       <a:r>
-                        <a:rPr lang="en-US">
+                        <a:rPr lang="en-US" dirty="0" err="1">
                           <a:solidFill>
                             <a:srgbClr val="000000"/>
                           </a:solidFill>
                           <a:latin typeface="Calibri"/>
                         </a:rPr>
-                        <a:t>Kein CO2 Ausstoss während Betrieb</a:t>
-                      </a:r>
-                      <a:endParaRPr/>
+                        <a:t>Kein</a:t>
+                      </a:r>
+                      <a:r>
+                        <a:rPr lang="en-US" dirty="0">
+                          <a:solidFill>
+                            <a:srgbClr val="000000"/>
+                          </a:solidFill>
+                          <a:latin typeface="Calibri"/>
+                        </a:rPr>
+                        <a:t> CO2 </a:t>
+                      </a:r>
+                      <a:r>
+                        <a:rPr lang="en-US" dirty="0" err="1">
+                          <a:solidFill>
+                            <a:srgbClr val="000000"/>
+                          </a:solidFill>
+                          <a:latin typeface="Calibri"/>
+                        </a:rPr>
+                        <a:t>Ausstoss</a:t>
+                      </a:r>
+                      <a:r>
+                        <a:rPr lang="en-US" dirty="0">
+                          <a:solidFill>
+                            <a:srgbClr val="000000"/>
+                          </a:solidFill>
+                          <a:latin typeface="Calibri"/>
+                        </a:rPr>
+                        <a:t> </a:t>
+                      </a:r>
+                      <a:r>
+                        <a:rPr lang="en-US" dirty="0" err="1">
+                          <a:solidFill>
+                            <a:srgbClr val="000000"/>
+                          </a:solidFill>
+                          <a:latin typeface="Calibri"/>
+                        </a:rPr>
+                        <a:t>während</a:t>
+                      </a:r>
+                      <a:r>
+                        <a:rPr lang="en-US" dirty="0">
+                          <a:solidFill>
+                            <a:srgbClr val="000000"/>
+                          </a:solidFill>
+                          <a:latin typeface="Calibri"/>
+                        </a:rPr>
+                        <a:t> </a:t>
+                      </a:r>
+                      <a:r>
+                        <a:rPr lang="en-US" dirty="0" err="1">
+                          <a:solidFill>
+                            <a:srgbClr val="000000"/>
+                          </a:solidFill>
+                          <a:latin typeface="Calibri"/>
+                        </a:rPr>
+                        <a:t>Betrieb</a:t>
+                      </a:r>
+                      <a:endParaRPr dirty="0"/>
                     </a:p>
                     <a:p>
                       <a:pPr>
@@ -5309,15 +6167,33 @@
                         <a:buChar char="•"/>
                       </a:pPr>
                       <a:r>
-                        <a:rPr lang="en-US">
+                        <a:rPr lang="en-US" dirty="0" err="1">
                           <a:solidFill>
                             <a:srgbClr val="000000"/>
                           </a:solidFill>
                           <a:latin typeface="Calibri"/>
                         </a:rPr>
-                        <a:t>Geringer Energieverbrauch</a:t>
-                      </a:r>
-                      <a:endParaRPr/>
+                        <a:t>Geringer</a:t>
+                      </a:r>
+                      <a:r>
+                        <a:rPr lang="en-US" dirty="0">
+                          <a:solidFill>
+                            <a:srgbClr val="000000"/>
+                          </a:solidFill>
+                          <a:latin typeface="Calibri"/>
+                        </a:rPr>
+                        <a:t> </a:t>
+                      </a:r>
+                      <a:r>
+                        <a:rPr lang="en-US" dirty="0" err="1">
+                          <a:solidFill>
+                            <a:srgbClr val="000000"/>
+                          </a:solidFill>
+                          <a:latin typeface="Calibri"/>
+                        </a:rPr>
+                        <a:t>Energieverbrauch</a:t>
+                      </a:r>
+                      <a:endParaRPr dirty="0"/>
                     </a:p>
                     <a:p>
                       <a:pPr>
@@ -5328,15 +6204,33 @@
                         <a:buChar char="•"/>
                       </a:pPr>
                       <a:r>
-                        <a:rPr lang="en-US">
+                        <a:rPr lang="en-US" dirty="0" err="1">
                           <a:solidFill>
                             <a:srgbClr val="000000"/>
                           </a:solidFill>
                           <a:latin typeface="Calibri"/>
                         </a:rPr>
-                        <a:t>Geringe Betriebskosten</a:t>
-                      </a:r>
-                      <a:endParaRPr/>
+                        <a:t>Geringe</a:t>
+                      </a:r>
+                      <a:r>
+                        <a:rPr lang="en-US" dirty="0">
+                          <a:solidFill>
+                            <a:srgbClr val="000000"/>
+                          </a:solidFill>
+                          <a:latin typeface="Calibri"/>
+                        </a:rPr>
+                        <a:t> </a:t>
+                      </a:r>
+                      <a:r>
+                        <a:rPr lang="en-US" dirty="0" err="1">
+                          <a:solidFill>
+                            <a:srgbClr val="000000"/>
+                          </a:solidFill>
+                          <a:latin typeface="Calibri"/>
+                        </a:rPr>
+                        <a:t>Betriebskosten</a:t>
+                      </a:r>
+                      <a:endParaRPr dirty="0"/>
                     </a:p>
                   </a:txBody>
                   <a:tcPr/>
@@ -5344,6 +6238,7 @@
                 <a:tc>
                   <a:txBody>
                     <a:bodyPr/>
+                    <a:lstStyle/>
                     <a:p>
                       <a:pPr>
                         <a:lnSpc>
@@ -5398,6 +6293,7 @@
                 <a:tc>
                   <a:txBody>
                     <a:bodyPr/>
+                    <a:lstStyle/>
                     <a:p>
                       <a:pPr>
                         <a:lnSpc>
@@ -5405,7 +6301,7 @@
                         </a:lnSpc>
                       </a:pPr>
                       <a:r>
-                        <a:rPr b="1" lang="en-US">
+                        <a:rPr lang="en-US" b="1">
                           <a:solidFill>
                             <a:srgbClr val="000000"/>
                           </a:solidFill>
@@ -5421,6 +6317,7 @@
                 <a:tc>
                   <a:txBody>
                     <a:bodyPr/>
+                    <a:lstStyle/>
                     <a:p>
                       <a:pPr>
                         <a:lnSpc>
@@ -5428,7 +6325,7 @@
                         </a:lnSpc>
                       </a:pPr>
                       <a:r>
-                        <a:rPr b="1" lang="en-US">
+                        <a:rPr lang="en-US" b="1">
                           <a:solidFill>
                             <a:srgbClr val="000000"/>
                           </a:solidFill>
@@ -5446,6 +6343,7 @@
                 <a:tc>
                   <a:txBody>
                     <a:bodyPr/>
+                    <a:lstStyle/>
                     <a:p>
                       <a:pPr>
                         <a:lnSpc>
@@ -5455,15 +6353,69 @@
                         <a:buChar char="•"/>
                       </a:pPr>
                       <a:r>
-                        <a:rPr lang="en-US">
+                        <a:rPr lang="en-US" dirty="0" err="1">
                           <a:solidFill>
                             <a:srgbClr val="000000"/>
                           </a:solidFill>
                           <a:latin typeface="Calibri"/>
                         </a:rPr>
-                        <a:t>Kein Verbrauch von fossilen Brennstoffen</a:t>
-                      </a:r>
-                      <a:endParaRPr/>
+                        <a:t>Kein</a:t>
+                      </a:r>
+                      <a:r>
+                        <a:rPr lang="en-US" dirty="0">
+                          <a:solidFill>
+                            <a:srgbClr val="000000"/>
+                          </a:solidFill>
+                          <a:latin typeface="Calibri"/>
+                        </a:rPr>
+                        <a:t> </a:t>
+                      </a:r>
+                      <a:r>
+                        <a:rPr lang="en-US" dirty="0" err="1">
+                          <a:solidFill>
+                            <a:srgbClr val="000000"/>
+                          </a:solidFill>
+                          <a:latin typeface="Calibri"/>
+                        </a:rPr>
+                        <a:t>Verbrauch</a:t>
+                      </a:r>
+                      <a:r>
+                        <a:rPr lang="en-US" dirty="0">
+                          <a:solidFill>
+                            <a:srgbClr val="000000"/>
+                          </a:solidFill>
+                          <a:latin typeface="Calibri"/>
+                        </a:rPr>
+                        <a:t> von </a:t>
+                      </a:r>
+                      <a:r>
+                        <a:rPr lang="en-US" dirty="0" err="1">
+                          <a:solidFill>
+                            <a:srgbClr val="000000"/>
+                          </a:solidFill>
+                          <a:latin typeface="Calibri"/>
+                        </a:rPr>
+                        <a:t>fossilen</a:t>
+                      </a:r>
+                      <a:r>
+                        <a:rPr lang="en-US" dirty="0">
+                          <a:solidFill>
+                            <a:srgbClr val="000000"/>
+                          </a:solidFill>
+                          <a:latin typeface="Calibri"/>
+                        </a:rPr>
+                        <a:t> </a:t>
+                      </a:r>
+                      <a:r>
+                        <a:rPr lang="en-US" dirty="0" err="1">
+                          <a:solidFill>
+                            <a:srgbClr val="000000"/>
+                          </a:solidFill>
+                          <a:latin typeface="Calibri"/>
+                        </a:rPr>
+                        <a:t>Brennstoffen</a:t>
+                      </a:r>
+                      <a:endParaRPr dirty="0"/>
                     </a:p>
                     <a:p>
                       <a:pPr>
@@ -5474,22 +6426,39 @@
                         <a:buChar char="•"/>
                       </a:pPr>
                       <a:r>
-                        <a:rPr lang="en-US">
+                        <a:rPr lang="en-US" dirty="0" err="1">
                           <a:solidFill>
                             <a:srgbClr val="000000"/>
                           </a:solidFill>
                           <a:latin typeface="Calibri"/>
                         </a:rPr>
-                        <a:t>Hohe Effizienz</a:t>
-                      </a:r>
-                      <a:endParaRPr/>
+                        <a:t>Hohe</a:t>
+                      </a:r>
+                      <a:r>
+                        <a:rPr lang="en-US" dirty="0">
+                          <a:solidFill>
+                            <a:srgbClr val="000000"/>
+                          </a:solidFill>
+                          <a:latin typeface="Calibri"/>
+                        </a:rPr>
+                        <a:t> </a:t>
+                      </a:r>
+                      <a:r>
+                        <a:rPr lang="en-US" dirty="0" err="1" smtClean="0">
+                          <a:solidFill>
+                            <a:srgbClr val="000000"/>
+                          </a:solidFill>
+                          <a:latin typeface="Calibri"/>
+                        </a:rPr>
+                        <a:t>Effizienz</a:t>
+                      </a:r>
+                      <a:endParaRPr lang="en-US" dirty="0" smtClean="0">
+                        <a:solidFill>
+                          <a:srgbClr val="000000"/>
+                        </a:solidFill>
+                        <a:latin typeface="Calibri"/>
+                      </a:endParaRPr>
                     </a:p>
-                  </a:txBody>
-                  <a:tcPr/>
-                </a:tc>
-                <a:tc>
-                  <a:txBody>
-                    <a:bodyPr/>
                     <a:p>
                       <a:pPr>
                         <a:lnSpc>
@@ -5499,15 +6468,65 @@
                         <a:buChar char="•"/>
                       </a:pPr>
                       <a:r>
-                        <a:rPr lang="en-US">
+                        <a:rPr lang="en-US" dirty="0" err="1" smtClean="0">
                           <a:solidFill>
                             <a:srgbClr val="000000"/>
                           </a:solidFill>
                           <a:latin typeface="Calibri"/>
                         </a:rPr>
+                        <a:t>Solarstrom</a:t>
+                      </a:r>
+                      <a:endParaRPr dirty="0"/>
+                    </a:p>
+                  </a:txBody>
+                  <a:tcPr/>
+                </a:tc>
+                <a:tc>
+                  <a:txBody>
+                    <a:bodyPr/>
+                    <a:lstStyle/>
+                    <a:p>
+                      <a:pPr>
+                        <a:lnSpc>
+                          <a:spcPct val="100000"/>
+                        </a:lnSpc>
+                        <a:buFont typeface="Arial"/>
+                        <a:buChar char="•"/>
+                      </a:pPr>
+                      <a:r>
+                        <a:rPr lang="en-US" dirty="0" err="1" smtClean="0">
+                          <a:solidFill>
+                            <a:srgbClr val="000000"/>
+                          </a:solidFill>
+                          <a:latin typeface="Calibri"/>
+                        </a:rPr>
                         <a:t>Ölpreis</a:t>
                       </a:r>
-                      <a:endParaRPr/>
+                      <a:endParaRPr lang="en-US" dirty="0" smtClean="0">
+                        <a:solidFill>
+                          <a:srgbClr val="000000"/>
+                        </a:solidFill>
+                        <a:latin typeface="Calibri"/>
+                      </a:endParaRPr>
+                    </a:p>
+                    <a:p>
+                      <a:pPr>
+                        <a:lnSpc>
+                          <a:spcPct val="100000"/>
+                        </a:lnSpc>
+                        <a:buFont typeface="Arial"/>
+                        <a:buChar char="•"/>
+                      </a:pPr>
+                      <a:r>
+                        <a:rPr lang="en-US" dirty="0" err="1" smtClean="0">
+                          <a:solidFill>
+                            <a:srgbClr val="000000"/>
+                          </a:solidFill>
+                          <a:latin typeface="Calibri"/>
+                        </a:rPr>
+                        <a:t>Strompreis</a:t>
+                      </a:r>
+                      <a:endParaRPr dirty="0"/>
                     </a:p>
                     <a:p>
                       <a:pPr>
@@ -5515,7 +6534,7 @@
                           <a:spcPct val="100000"/>
                         </a:lnSpc>
                       </a:pPr>
-                      <a:endParaRPr/>
+                      <a:endParaRPr dirty="0"/>
                     </a:p>
                   </a:txBody>
                   <a:tcPr/>
@@ -5527,22 +6546,25 @@
       </p:graphicFrame>
     </p:spTree>
   </p:cSld>
+  <p:clrMapOvr>
+    <a:masterClrMapping/>
+  </p:clrMapOvr>
   <p:timing>
     <p:tnLst>
       <p:par>
-        <p:cTn id="13" dur="indefinite" restart="never" nodeType="tmRoot">
+        <p:cTn id="1" dur="indefinite" restart="never" nodeType="tmRoot">
           <p:childTnLst>
             <p:seq>
-              <p:cTn id="14" nodeType="mainSeq"/>
+              <p:cTn id="2" nodeType="mainSeq"/>
               <p:prevCondLst>
-                <p:cond delay="0" evt="onPrev">
+                <p:cond evt="onPrev" delay="0">
                   <p:tgtEl>
                     <p:sldTgt/>
                   </p:tgtEl>
                 </p:cond>
               </p:prevCondLst>
               <p:nextCondLst>
-                <p:cond delay="0" evt="onNext">
+                <p:cond evt="onNext" delay="0">
                   <p:tgtEl>
                     <p:sldTgt/>
                   </p:tgtEl>
@@ -5554,6 +6576,657 @@
       </p:par>
     </p:tnLst>
   </p:timing>
+</p:sld>
+</file>
+
+<file path=ppt/slides/slide8.xml><?xml version="1.0" encoding="utf-8"?>
+<p:sld xmlns:a="http://schemas.openxmlformats.org/drawingml/2006/main" xmlns:r="http://schemas.openxmlformats.org/officeDocument/2006/relationships" xmlns:p="http://schemas.openxmlformats.org/presentationml/2006/main">
+  <p:cSld>
+    <p:spTree>
+      <p:nvGrpSpPr>
+        <p:cNvPr id="1" name=""/>
+        <p:cNvGrpSpPr/>
+        <p:nvPr/>
+      </p:nvGrpSpPr>
+      <p:grpSpPr>
+        <a:xfrm>
+          <a:off x="0" y="0"/>
+          <a:ext cx="0" cy="0"/>
+          <a:chOff x="0" y="0"/>
+          <a:chExt cx="0" cy="0"/>
+        </a:xfrm>
+      </p:grpSpPr>
+      <p:sp>
+        <p:nvSpPr>
+          <p:cNvPr id="94" name="TextShape 1"/>
+          <p:cNvSpPr txBox="1"/>
+          <p:nvPr/>
+        </p:nvSpPr>
+        <p:spPr>
+          <a:xfrm>
+            <a:off x="838080" y="365040"/>
+            <a:ext cx="10515240" cy="1325160"/>
+          </a:xfrm>
+          <a:prstGeom prst="rect">
+            <a:avLst/>
+          </a:prstGeom>
+        </p:spPr>
+        <p:txBody>
+          <a:bodyPr anchor="ctr"/>
+          <a:lstStyle/>
+          <a:p>
+            <a:pPr>
+              <a:lnSpc>
+                <a:spcPct val="90000"/>
+              </a:lnSpc>
+            </a:pPr>
+            <a:r>
+              <a:rPr lang="de-DE" sz="4400" dirty="0">
+                <a:solidFill>
+                  <a:srgbClr val="000000"/>
+                </a:solidFill>
+                <a:latin typeface="Calibri Light"/>
+              </a:rPr>
+              <a:t>SWOT </a:t>
+            </a:r>
+            <a:r>
+              <a:rPr lang="de-DE" sz="4400" dirty="0" smtClean="0">
+                <a:solidFill>
+                  <a:srgbClr val="000000"/>
+                </a:solidFill>
+                <a:latin typeface="Calibri Light"/>
+              </a:rPr>
+              <a:t>Ölbrennwertkessel</a:t>
+            </a:r>
+            <a:endParaRPr dirty="0"/>
+          </a:p>
+        </p:txBody>
+      </p:sp>
+      <p:graphicFrame>
+        <p:nvGraphicFramePr>
+          <p:cNvPr id="95" name="Table 2"/>
+          <p:cNvGraphicFramePr/>
+          <p:nvPr>
+            <p:extLst>
+              <p:ext uri="{D42A27DB-BD31-4B8C-83A1-F6EECF244321}">
+                <p14:modId xmlns:p14="http://schemas.microsoft.com/office/powerpoint/2010/main" val="368924057"/>
+              </p:ext>
+            </p:extLst>
+          </p:nvPr>
+        </p:nvGraphicFramePr>
+        <p:xfrm>
+          <a:off x="838080" y="1825560"/>
+          <a:ext cx="10515600" cy="2854800"/>
+        </p:xfrm>
+        <a:graphic>
+          <a:graphicData uri="http://schemas.openxmlformats.org/drawingml/2006/table">
+            <a:tbl>
+              <a:tblPr/>
+              <a:tblGrid>
+                <a:gridCol w="5257800"/>
+                <a:gridCol w="5257800"/>
+              </a:tblGrid>
+              <a:tr h="375840">
+                <a:tc>
+                  <a:txBody>
+                    <a:bodyPr/>
+                    <a:lstStyle/>
+                    <a:p>
+                      <a:pPr>
+                        <a:lnSpc>
+                          <a:spcPct val="100000"/>
+                        </a:lnSpc>
+                      </a:pPr>
+                      <a:r>
+                        <a:rPr lang="en-US" b="1" dirty="0" err="1">
+                          <a:solidFill>
+                            <a:srgbClr val="000000"/>
+                          </a:solidFill>
+                          <a:latin typeface="Calibri"/>
+                        </a:rPr>
+                        <a:t>Stärken</a:t>
+                      </a:r>
+                      <a:endParaRPr dirty="0"/>
+                    </a:p>
+                  </a:txBody>
+                  <a:tcPr/>
+                </a:tc>
+                <a:tc>
+                  <a:txBody>
+                    <a:bodyPr/>
+                    <a:lstStyle/>
+                    <a:p>
+                      <a:pPr>
+                        <a:lnSpc>
+                          <a:spcPct val="100000"/>
+                        </a:lnSpc>
+                      </a:pPr>
+                      <a:r>
+                        <a:rPr lang="en-US" b="1">
+                          <a:solidFill>
+                            <a:srgbClr val="000000"/>
+                          </a:solidFill>
+                          <a:latin typeface="Calibri"/>
+                        </a:rPr>
+                        <a:t>Schwächen</a:t>
+                      </a:r>
+                      <a:endParaRPr/>
+                    </a:p>
+                  </a:txBody>
+                  <a:tcPr/>
+                </a:tc>
+              </a:tr>
+              <a:tr h="1180800">
+                <a:tc>
+                  <a:txBody>
+                    <a:bodyPr/>
+                    <a:lstStyle/>
+                    <a:p>
+                      <a:pPr>
+                        <a:lnSpc>
+                          <a:spcPct val="100000"/>
+                        </a:lnSpc>
+                        <a:buFont typeface="Arial"/>
+                        <a:buChar char="•"/>
+                      </a:pPr>
+                      <a:r>
+                        <a:rPr lang="de-CH" dirty="0" smtClean="0">
+                          <a:solidFill>
+                            <a:srgbClr val="000000"/>
+                          </a:solidFill>
+                          <a:latin typeface="Calibri"/>
+                        </a:rPr>
+                        <a:t>Variable</a:t>
+                      </a:r>
+                      <a:r>
+                        <a:rPr lang="de-CH" baseline="0" dirty="0" smtClean="0">
+                          <a:solidFill>
+                            <a:srgbClr val="000000"/>
+                          </a:solidFill>
+                          <a:latin typeface="Calibri"/>
+                        </a:rPr>
+                        <a:t> Vorlauftemperaturen</a:t>
+                      </a:r>
+                      <a:endParaRPr dirty="0" smtClean="0"/>
+                    </a:p>
+                    <a:p>
+                      <a:pPr>
+                        <a:lnSpc>
+                          <a:spcPct val="100000"/>
+                        </a:lnSpc>
+                        <a:buFont typeface="Arial"/>
+                        <a:buChar char="•"/>
+                      </a:pPr>
+                      <a:r>
+                        <a:rPr lang="en-US" dirty="0" err="1" smtClean="0">
+                          <a:solidFill>
+                            <a:srgbClr val="000000"/>
+                          </a:solidFill>
+                          <a:latin typeface="Calibri"/>
+                        </a:rPr>
+                        <a:t>Einfache</a:t>
+                      </a:r>
+                      <a:r>
+                        <a:rPr lang="en-US" baseline="0" dirty="0" smtClean="0">
+                          <a:solidFill>
+                            <a:srgbClr val="000000"/>
+                          </a:solidFill>
+                          <a:latin typeface="Calibri"/>
+                        </a:rPr>
+                        <a:t> Montage</a:t>
+                      </a:r>
+                      <a:endParaRPr dirty="0"/>
+                    </a:p>
+                  </a:txBody>
+                  <a:tcPr/>
+                </a:tc>
+                <a:tc>
+                  <a:txBody>
+                    <a:bodyPr/>
+                    <a:lstStyle/>
+                    <a:p>
+                      <a:pPr>
+                        <a:lnSpc>
+                          <a:spcPct val="100000"/>
+                        </a:lnSpc>
+                        <a:buFont typeface="Arial"/>
+                        <a:buChar char="•"/>
+                      </a:pPr>
+                      <a:r>
+                        <a:rPr lang="en-US" dirty="0" err="1" smtClean="0">
+                          <a:solidFill>
+                            <a:srgbClr val="000000"/>
+                          </a:solidFill>
+                          <a:latin typeface="Calibri"/>
+                        </a:rPr>
+                        <a:t>Verbrauch</a:t>
+                      </a:r>
+                      <a:r>
+                        <a:rPr lang="en-US" baseline="0" dirty="0" smtClean="0">
+                          <a:solidFill>
+                            <a:srgbClr val="000000"/>
+                          </a:solidFill>
+                          <a:latin typeface="Calibri"/>
+                        </a:rPr>
+                        <a:t> </a:t>
+                      </a:r>
+                      <a:r>
+                        <a:rPr lang="en-US" baseline="0" dirty="0" err="1" smtClean="0">
+                          <a:solidFill>
+                            <a:srgbClr val="000000"/>
+                          </a:solidFill>
+                          <a:latin typeface="Calibri"/>
+                        </a:rPr>
+                        <a:t>fossiler</a:t>
+                      </a:r>
+                      <a:r>
+                        <a:rPr lang="en-US" baseline="0" dirty="0" smtClean="0">
+                          <a:solidFill>
+                            <a:srgbClr val="000000"/>
+                          </a:solidFill>
+                          <a:latin typeface="Calibri"/>
+                        </a:rPr>
+                        <a:t> </a:t>
+                      </a:r>
+                      <a:r>
+                        <a:rPr lang="en-US" baseline="0" dirty="0" err="1" smtClean="0">
+                          <a:solidFill>
+                            <a:srgbClr val="000000"/>
+                          </a:solidFill>
+                          <a:latin typeface="Calibri"/>
+                        </a:rPr>
+                        <a:t>Brennstoffe</a:t>
+                      </a:r>
+                      <a:endParaRPr dirty="0"/>
+                    </a:p>
+                    <a:p>
+                      <a:pPr>
+                        <a:lnSpc>
+                          <a:spcPct val="100000"/>
+                        </a:lnSpc>
+                        <a:buFont typeface="Arial"/>
+                        <a:buChar char="•"/>
+                      </a:pPr>
+                      <a:r>
+                        <a:rPr lang="en-US" dirty="0" err="1" smtClean="0">
+                          <a:solidFill>
+                            <a:srgbClr val="000000"/>
+                          </a:solidFill>
+                          <a:latin typeface="Calibri"/>
+                        </a:rPr>
+                        <a:t>Schadstoffemissionen</a:t>
+                      </a:r>
+                      <a:endParaRPr lang="en-US" dirty="0" smtClean="0">
+                        <a:solidFill>
+                          <a:srgbClr val="000000"/>
+                        </a:solidFill>
+                        <a:latin typeface="Calibri"/>
+                      </a:endParaRPr>
+                    </a:p>
+                    <a:p>
+                      <a:pPr>
+                        <a:lnSpc>
+                          <a:spcPct val="100000"/>
+                        </a:lnSpc>
+                        <a:buFont typeface="Arial"/>
+                        <a:buChar char="•"/>
+                      </a:pPr>
+                      <a:r>
+                        <a:rPr lang="en-US" dirty="0" err="1" smtClean="0">
+                          <a:solidFill>
+                            <a:srgbClr val="000000"/>
+                          </a:solidFill>
+                          <a:latin typeface="Calibri"/>
+                        </a:rPr>
+                        <a:t>Hoher</a:t>
+                      </a:r>
+                      <a:r>
+                        <a:rPr lang="en-US" baseline="0" dirty="0" smtClean="0">
+                          <a:solidFill>
+                            <a:srgbClr val="000000"/>
+                          </a:solidFill>
+                          <a:latin typeface="Calibri"/>
+                        </a:rPr>
+                        <a:t> </a:t>
+                      </a:r>
+                      <a:r>
+                        <a:rPr lang="en-US" baseline="0" dirty="0" err="1" smtClean="0">
+                          <a:solidFill>
+                            <a:srgbClr val="000000"/>
+                          </a:solidFill>
+                          <a:latin typeface="Calibri"/>
+                        </a:rPr>
+                        <a:t>Ener</a:t>
+                      </a:r>
+                      <a:endParaRPr dirty="0"/>
+                    </a:p>
+                    <a:p>
+                      <a:pPr>
+                        <a:lnSpc>
+                          <a:spcPct val="100000"/>
+                        </a:lnSpc>
+                      </a:pPr>
+                      <a:endParaRPr dirty="0"/>
+                    </a:p>
+                  </a:txBody>
+                  <a:tcPr/>
+                </a:tc>
+              </a:tr>
+              <a:tr h="375840">
+                <a:tc>
+                  <a:txBody>
+                    <a:bodyPr/>
+                    <a:lstStyle/>
+                    <a:p>
+                      <a:pPr>
+                        <a:lnSpc>
+                          <a:spcPct val="100000"/>
+                        </a:lnSpc>
+                      </a:pPr>
+                      <a:r>
+                        <a:rPr lang="en-US" b="1">
+                          <a:solidFill>
+                            <a:srgbClr val="000000"/>
+                          </a:solidFill>
+                          <a:latin typeface="Calibri"/>
+                        </a:rPr>
+                        <a:t>Chancen</a:t>
+                      </a:r>
+                      <a:endParaRPr/>
+                    </a:p>
+                  </a:txBody>
+                  <a:tcPr/>
+                </a:tc>
+                <a:tc>
+                  <a:txBody>
+                    <a:bodyPr/>
+                    <a:lstStyle/>
+                    <a:p>
+                      <a:pPr>
+                        <a:lnSpc>
+                          <a:spcPct val="100000"/>
+                        </a:lnSpc>
+                      </a:pPr>
+                      <a:r>
+                        <a:rPr lang="en-US" b="1">
+                          <a:solidFill>
+                            <a:srgbClr val="000000"/>
+                          </a:solidFill>
+                          <a:latin typeface="Calibri"/>
+                        </a:rPr>
+                        <a:t>Gefahren</a:t>
+                      </a:r>
+                      <a:endParaRPr/>
+                    </a:p>
+                  </a:txBody>
+                  <a:tcPr/>
+                </a:tc>
+              </a:tr>
+              <a:tr h="637560">
+                <a:tc>
+                  <a:txBody>
+                    <a:bodyPr/>
+                    <a:lstStyle/>
+                    <a:p>
+                      <a:pPr>
+                        <a:lnSpc>
+                          <a:spcPct val="100000"/>
+                        </a:lnSpc>
+                        <a:buFont typeface="Arial"/>
+                        <a:buChar char="•"/>
+                      </a:pPr>
+                      <a:r>
+                        <a:rPr lang="de-CH" dirty="0" smtClean="0">
+                          <a:solidFill>
+                            <a:srgbClr val="000000"/>
+                          </a:solidFill>
+                          <a:latin typeface="Calibri"/>
+                        </a:rPr>
+                        <a:t>Tiefer Ölpreis</a:t>
+                      </a:r>
+                      <a:endParaRPr dirty="0" smtClean="0"/>
+                    </a:p>
+                    <a:p>
+                      <a:pPr>
+                        <a:lnSpc>
+                          <a:spcPct val="100000"/>
+                        </a:lnSpc>
+                        <a:buFont typeface="Arial"/>
+                        <a:buChar char="•"/>
+                      </a:pPr>
+                      <a:r>
+                        <a:rPr lang="en-US" dirty="0" err="1" smtClean="0">
+                          <a:solidFill>
+                            <a:srgbClr val="000000"/>
+                          </a:solidFill>
+                          <a:latin typeface="Calibri"/>
+                        </a:rPr>
+                        <a:t>Gute</a:t>
+                      </a:r>
+                      <a:r>
+                        <a:rPr lang="en-US" baseline="0" dirty="0" smtClean="0">
+                          <a:solidFill>
+                            <a:srgbClr val="000000"/>
+                          </a:solidFill>
+                          <a:latin typeface="Calibri"/>
+                        </a:rPr>
+                        <a:t> </a:t>
+                      </a:r>
+                      <a:r>
+                        <a:rPr lang="en-US" baseline="0" dirty="0" err="1" smtClean="0">
+                          <a:solidFill>
+                            <a:srgbClr val="000000"/>
+                          </a:solidFill>
+                          <a:latin typeface="Calibri"/>
+                        </a:rPr>
+                        <a:t>Effizienz</a:t>
+                      </a:r>
+                      <a:endParaRPr lang="en-US" baseline="0" dirty="0" smtClean="0">
+                        <a:solidFill>
+                          <a:srgbClr val="000000"/>
+                        </a:solidFill>
+                        <a:latin typeface="Calibri"/>
+                      </a:endParaRPr>
+                    </a:p>
+                    <a:p>
+                      <a:pPr>
+                        <a:lnSpc>
+                          <a:spcPct val="100000"/>
+                        </a:lnSpc>
+                        <a:buFont typeface="Arial"/>
+                        <a:buChar char="•"/>
+                      </a:pPr>
+                      <a:r>
+                        <a:rPr lang="en-US" baseline="0" dirty="0" err="1" smtClean="0">
+                          <a:solidFill>
+                            <a:srgbClr val="000000"/>
+                          </a:solidFill>
+                          <a:latin typeface="Calibri"/>
+                        </a:rPr>
+                        <a:t>Schadstoffausstossreduktion</a:t>
+                      </a:r>
+                      <a:endParaRPr dirty="0"/>
+                    </a:p>
+                  </a:txBody>
+                  <a:tcPr/>
+                </a:tc>
+                <a:tc>
+                  <a:txBody>
+                    <a:bodyPr/>
+                    <a:lstStyle/>
+                    <a:p>
+                      <a:pPr>
+                        <a:lnSpc>
+                          <a:spcPct val="100000"/>
+                        </a:lnSpc>
+                        <a:buFont typeface="Arial"/>
+                        <a:buChar char="•"/>
+                      </a:pPr>
+                      <a:r>
+                        <a:rPr lang="en-US" dirty="0" err="1" smtClean="0">
+                          <a:solidFill>
+                            <a:srgbClr val="000000"/>
+                          </a:solidFill>
+                          <a:latin typeface="Calibri"/>
+                        </a:rPr>
+                        <a:t>Solarkraft</a:t>
+                      </a:r>
+                      <a:endParaRPr lang="en-US" dirty="0" smtClean="0">
+                        <a:solidFill>
+                          <a:srgbClr val="000000"/>
+                        </a:solidFill>
+                        <a:latin typeface="Calibri"/>
+                      </a:endParaRPr>
+                    </a:p>
+                    <a:p>
+                      <a:pPr>
+                        <a:lnSpc>
+                          <a:spcPct val="100000"/>
+                        </a:lnSpc>
+                        <a:buFont typeface="Arial"/>
+                        <a:buChar char="•"/>
+                      </a:pPr>
+                      <a:r>
+                        <a:rPr lang="en-US" dirty="0" err="1" smtClean="0">
+                          <a:solidFill>
+                            <a:srgbClr val="000000"/>
+                          </a:solidFill>
+                          <a:latin typeface="Calibri"/>
+                        </a:rPr>
+                        <a:t>Neue</a:t>
+                      </a:r>
+                      <a:r>
+                        <a:rPr lang="en-US" baseline="0" dirty="0" smtClean="0">
+                          <a:solidFill>
+                            <a:srgbClr val="000000"/>
+                          </a:solidFill>
+                          <a:latin typeface="Calibri"/>
+                        </a:rPr>
+                        <a:t> </a:t>
+                      </a:r>
+                      <a:r>
+                        <a:rPr lang="en-US" baseline="0" dirty="0" err="1" smtClean="0">
+                          <a:solidFill>
+                            <a:srgbClr val="000000"/>
+                          </a:solidFill>
+                          <a:latin typeface="Calibri"/>
+                        </a:rPr>
+                        <a:t>Technologien</a:t>
+                      </a:r>
+                      <a:endParaRPr dirty="0"/>
+                    </a:p>
+                    <a:p>
+                      <a:pPr>
+                        <a:lnSpc>
+                          <a:spcPct val="100000"/>
+                        </a:lnSpc>
+                      </a:pPr>
+                      <a:endParaRPr dirty="0"/>
+                    </a:p>
+                  </a:txBody>
+                  <a:tcPr/>
+                </a:tc>
+              </a:tr>
+            </a:tbl>
+          </a:graphicData>
+        </a:graphic>
+      </p:graphicFrame>
+    </p:spTree>
+    <p:extLst>
+      <p:ext uri="{BB962C8B-B14F-4D97-AF65-F5344CB8AC3E}">
+        <p14:creationId xmlns:p14="http://schemas.microsoft.com/office/powerpoint/2010/main" val="2668634917"/>
+      </p:ext>
+    </p:extLst>
+  </p:cSld>
+  <p:clrMapOvr>
+    <a:masterClrMapping/>
+  </p:clrMapOvr>
+  <p:timing>
+    <p:tnLst>
+      <p:par>
+        <p:cTn id="1" dur="indefinite" restart="never" nodeType="tmRoot">
+          <p:childTnLst>
+            <p:seq>
+              <p:cTn id="2" nodeType="mainSeq"/>
+              <p:prevCondLst>
+                <p:cond evt="onPrev" delay="0">
+                  <p:tgtEl>
+                    <p:sldTgt/>
+                  </p:tgtEl>
+                </p:cond>
+              </p:prevCondLst>
+              <p:nextCondLst>
+                <p:cond evt="onNext" delay="0">
+                  <p:tgtEl>
+                    <p:sldTgt/>
+                  </p:tgtEl>
+                </p:cond>
+              </p:nextCondLst>
+            </p:seq>
+          </p:childTnLst>
+        </p:cTn>
+      </p:par>
+    </p:tnLst>
+  </p:timing>
+</p:sld>
+</file>
+
+<file path=ppt/slides/slide9.xml><?xml version="1.0" encoding="utf-8"?>
+<p:sld xmlns:a="http://schemas.openxmlformats.org/drawingml/2006/main" xmlns:r="http://schemas.openxmlformats.org/officeDocument/2006/relationships" xmlns:p="http://schemas.openxmlformats.org/presentationml/2006/main">
+  <p:cSld>
+    <p:spTree>
+      <p:nvGrpSpPr>
+        <p:cNvPr id="1" name=""/>
+        <p:cNvGrpSpPr/>
+        <p:nvPr/>
+      </p:nvGrpSpPr>
+      <p:grpSpPr>
+        <a:xfrm>
+          <a:off x="0" y="0"/>
+          <a:ext cx="0" cy="0"/>
+          <a:chOff x="0" y="0"/>
+          <a:chExt cx="0" cy="0"/>
+        </a:xfrm>
+      </p:grpSpPr>
+      <p:sp>
+        <p:nvSpPr>
+          <p:cNvPr id="2" name="Titel 1"/>
+          <p:cNvSpPr>
+            <a:spLocks noGrp="1"/>
+          </p:cNvSpPr>
+          <p:nvPr>
+            <p:ph type="title"/>
+          </p:nvPr>
+        </p:nvSpPr>
+        <p:spPr>
+          <a:xfrm>
+            <a:off x="838380" y="2766240"/>
+            <a:ext cx="10515240" cy="1325520"/>
+          </a:xfrm>
+        </p:spPr>
+        <p:txBody>
+          <a:bodyPr/>
+          <a:lstStyle/>
+          <a:p>
+            <a:pPr algn="ctr"/>
+            <a:r>
+              <a:rPr lang="de-CH" dirty="0" smtClean="0"/>
+              <a:t>Fazit / Fragen</a:t>
+            </a:r>
+            <a:endParaRPr lang="de-CH" dirty="0"/>
+          </a:p>
+        </p:txBody>
+      </p:sp>
+    </p:spTree>
+    <p:extLst>
+      <p:ext uri="{BB962C8B-B14F-4D97-AF65-F5344CB8AC3E}">
+        <p14:creationId xmlns:p14="http://schemas.microsoft.com/office/powerpoint/2010/main" val="523860233"/>
+      </p:ext>
+    </p:extLst>
+  </p:cSld>
+  <p:clrMapOvr>
+    <a:masterClrMapping/>
+  </p:clrMapOvr>
 </p:sld>
 </file>
 
@@ -5777,6 +7450,8 @@
       </a:bgFillStyleLst>
     </a:fmtScheme>
   </a:themeElements>
+  <a:objectDefaults/>
+  <a:extraClrSchemeLst/>
 </a:theme>
 </file>
 
@@ -6000,5 +7675,7 @@
       </a:bgFillStyleLst>
     </a:fmtScheme>
   </a:themeElements>
+  <a:objectDefaults/>
+  <a:extraClrSchemeLst/>
 </a:theme>
 </file>